--- a/Presentation.pptx
+++ b/Presentation.pptx
@@ -1,25 +1,26 @@
 
 <file path=ppt/presentation.xml><?xml version="1.0" encoding="utf-8"?>
-<p:presentation xmlns:a="http://schemas.openxmlformats.org/drawingml/2006/main" xmlns:r="http://schemas.openxmlformats.org/officeDocument/2006/relationships" xmlns:mc="http://schemas.openxmlformats.org/markup-compatibility/2006" xmlns:mv="urn:schemas-microsoft-com:mac:vml" xmlns:p="http://schemas.openxmlformats.org/presentationml/2006/main" xmlns:c="http://schemas.openxmlformats.org/drawingml/2006/chart" xmlns:dgm="http://schemas.openxmlformats.org/drawingml/2006/diagram" xmlns:o="urn:schemas-microsoft-com:office:office" xmlns:v="urn:schemas-microsoft-com:vml" xmlns:pvml="urn:schemas-microsoft-com:office:powerpoint" xmlns:com="http://schemas.openxmlformats.org/drawingml/2006/compatibility" xmlns:p14="http://schemas.microsoft.com/office/powerpoint/2010/main" xmlns:p15="http://schemas.microsoft.com/office/powerpoint/2012/main" autoCompressPictures="0" strictFirstAndLastChars="0" saveSubsetFonts="1">
+<p:presentation xmlns:a="http://schemas.openxmlformats.org/drawingml/2006/main" xmlns:r="http://schemas.openxmlformats.org/officeDocument/2006/relationships" xmlns:p="http://schemas.openxmlformats.org/presentationml/2006/main" strictFirstAndLastChars="0" saveSubsetFonts="1" autoCompressPictures="0">
   <p:sldMasterIdLst>
-    <p:sldMasterId id="2147483659" r:id="rId4"/>
+    <p:sldMasterId id="2147483659" r:id="rId1"/>
   </p:sldMasterIdLst>
   <p:notesMasterIdLst>
-    <p:notesMasterId r:id="rId5"/>
+    <p:notesMasterId r:id="rId10"/>
   </p:notesMasterIdLst>
   <p:sldIdLst>
-    <p:sldId id="256" r:id="rId6"/>
-    <p:sldId id="257" r:id="rId7"/>
-    <p:sldId id="258" r:id="rId8"/>
-    <p:sldId id="259" r:id="rId9"/>
-    <p:sldId id="260" r:id="rId10"/>
-    <p:sldId id="261" r:id="rId11"/>
-    <p:sldId id="262" r:id="rId12"/>
+    <p:sldId id="256" r:id="rId2"/>
+    <p:sldId id="257" r:id="rId3"/>
+    <p:sldId id="258" r:id="rId4"/>
+    <p:sldId id="259" r:id="rId5"/>
+    <p:sldId id="260" r:id="rId6"/>
+    <p:sldId id="263" r:id="rId7"/>
+    <p:sldId id="261" r:id="rId8"/>
+    <p:sldId id="262" r:id="rId9"/>
   </p:sldIdLst>
-  <p:sldSz cy="5143500" cx="9144000"/>
+  <p:sldSz cx="9144000" cy="5143500" type="screen16x9"/>
   <p:notesSz cx="6858000" cy="9144000"/>
   <p:defaultTextStyle>
-    <a:defPPr lvl="0" marR="0" rtl="0" algn="l">
+    <a:defPPr marR="0" lvl="0" algn="l" rtl="0">
       <a:lnSpc>
         <a:spcPct val="100000"/>
       </a:lnSpc>
@@ -30,7 +31,7 @@
         <a:spcPts val="0"/>
       </a:spcAft>
     </a:defPPr>
-    <a:lvl1pPr lvl="0" marR="0" rtl="0" algn="l">
+    <a:lvl1pPr marR="0" lvl="0" algn="l" rtl="0">
       <a:lnSpc>
         <a:spcPct val="100000"/>
       </a:lnSpc>
@@ -44,7 +45,7 @@
         <a:srgbClr val="000000"/>
       </a:buClr>
       <a:buFont typeface="Arial"/>
-      <a:defRPr b="0" i="0" sz="1400" u="none" cap="none" strike="noStrike">
+      <a:defRPr sz="1400" b="0" i="0" u="none" strike="noStrike" cap="none">
         <a:solidFill>
           <a:srgbClr val="000000"/>
         </a:solidFill>
@@ -54,7 +55,7 @@
         <a:sym typeface="Arial"/>
       </a:defRPr>
     </a:lvl1pPr>
-    <a:lvl2pPr lvl="1" marR="0" rtl="0" algn="l">
+    <a:lvl2pPr marR="0" lvl="1" algn="l" rtl="0">
       <a:lnSpc>
         <a:spcPct val="100000"/>
       </a:lnSpc>
@@ -68,7 +69,7 @@
         <a:srgbClr val="000000"/>
       </a:buClr>
       <a:buFont typeface="Arial"/>
-      <a:defRPr b="0" i="0" sz="1400" u="none" cap="none" strike="noStrike">
+      <a:defRPr sz="1400" b="0" i="0" u="none" strike="noStrike" cap="none">
         <a:solidFill>
           <a:srgbClr val="000000"/>
         </a:solidFill>
@@ -78,7 +79,7 @@
         <a:sym typeface="Arial"/>
       </a:defRPr>
     </a:lvl2pPr>
-    <a:lvl3pPr lvl="2" marR="0" rtl="0" algn="l">
+    <a:lvl3pPr marR="0" lvl="2" algn="l" rtl="0">
       <a:lnSpc>
         <a:spcPct val="100000"/>
       </a:lnSpc>
@@ -92,7 +93,7 @@
         <a:srgbClr val="000000"/>
       </a:buClr>
       <a:buFont typeface="Arial"/>
-      <a:defRPr b="0" i="0" sz="1400" u="none" cap="none" strike="noStrike">
+      <a:defRPr sz="1400" b="0" i="0" u="none" strike="noStrike" cap="none">
         <a:solidFill>
           <a:srgbClr val="000000"/>
         </a:solidFill>
@@ -102,7 +103,7 @@
         <a:sym typeface="Arial"/>
       </a:defRPr>
     </a:lvl3pPr>
-    <a:lvl4pPr lvl="3" marR="0" rtl="0" algn="l">
+    <a:lvl4pPr marR="0" lvl="3" algn="l" rtl="0">
       <a:lnSpc>
         <a:spcPct val="100000"/>
       </a:lnSpc>
@@ -116,7 +117,7 @@
         <a:srgbClr val="000000"/>
       </a:buClr>
       <a:buFont typeface="Arial"/>
-      <a:defRPr b="0" i="0" sz="1400" u="none" cap="none" strike="noStrike">
+      <a:defRPr sz="1400" b="0" i="0" u="none" strike="noStrike" cap="none">
         <a:solidFill>
           <a:srgbClr val="000000"/>
         </a:solidFill>
@@ -126,7 +127,7 @@
         <a:sym typeface="Arial"/>
       </a:defRPr>
     </a:lvl4pPr>
-    <a:lvl5pPr lvl="4" marR="0" rtl="0" algn="l">
+    <a:lvl5pPr marR="0" lvl="4" algn="l" rtl="0">
       <a:lnSpc>
         <a:spcPct val="100000"/>
       </a:lnSpc>
@@ -140,7 +141,7 @@
         <a:srgbClr val="000000"/>
       </a:buClr>
       <a:buFont typeface="Arial"/>
-      <a:defRPr b="0" i="0" sz="1400" u="none" cap="none" strike="noStrike">
+      <a:defRPr sz="1400" b="0" i="0" u="none" strike="noStrike" cap="none">
         <a:solidFill>
           <a:srgbClr val="000000"/>
         </a:solidFill>
@@ -150,7 +151,7 @@
         <a:sym typeface="Arial"/>
       </a:defRPr>
     </a:lvl5pPr>
-    <a:lvl6pPr lvl="5" marR="0" rtl="0" algn="l">
+    <a:lvl6pPr marR="0" lvl="5" algn="l" rtl="0">
       <a:lnSpc>
         <a:spcPct val="100000"/>
       </a:lnSpc>
@@ -164,7 +165,7 @@
         <a:srgbClr val="000000"/>
       </a:buClr>
       <a:buFont typeface="Arial"/>
-      <a:defRPr b="0" i="0" sz="1400" u="none" cap="none" strike="noStrike">
+      <a:defRPr sz="1400" b="0" i="0" u="none" strike="noStrike" cap="none">
         <a:solidFill>
           <a:srgbClr val="000000"/>
         </a:solidFill>
@@ -174,7 +175,7 @@
         <a:sym typeface="Arial"/>
       </a:defRPr>
     </a:lvl6pPr>
-    <a:lvl7pPr lvl="6" marR="0" rtl="0" algn="l">
+    <a:lvl7pPr marR="0" lvl="6" algn="l" rtl="0">
       <a:lnSpc>
         <a:spcPct val="100000"/>
       </a:lnSpc>
@@ -188,7 +189,7 @@
         <a:srgbClr val="000000"/>
       </a:buClr>
       <a:buFont typeface="Arial"/>
-      <a:defRPr b="0" i="0" sz="1400" u="none" cap="none" strike="noStrike">
+      <a:defRPr sz="1400" b="0" i="0" u="none" strike="noStrike" cap="none">
         <a:solidFill>
           <a:srgbClr val="000000"/>
         </a:solidFill>
@@ -198,7 +199,7 @@
         <a:sym typeface="Arial"/>
       </a:defRPr>
     </a:lvl7pPr>
-    <a:lvl8pPr lvl="7" marR="0" rtl="0" algn="l">
+    <a:lvl8pPr marR="0" lvl="7" algn="l" rtl="0">
       <a:lnSpc>
         <a:spcPct val="100000"/>
       </a:lnSpc>
@@ -212,7 +213,7 @@
         <a:srgbClr val="000000"/>
       </a:buClr>
       <a:buFont typeface="Arial"/>
-      <a:defRPr b="0" i="0" sz="1400" u="none" cap="none" strike="noStrike">
+      <a:defRPr sz="1400" b="0" i="0" u="none" strike="noStrike" cap="none">
         <a:solidFill>
           <a:srgbClr val="000000"/>
         </a:solidFill>
@@ -222,7 +223,7 @@
         <a:sym typeface="Arial"/>
       </a:defRPr>
     </a:lvl8pPr>
-    <a:lvl9pPr lvl="8" marR="0" rtl="0" algn="l">
+    <a:lvl9pPr marR="0" lvl="8" algn="l" rtl="0">
       <a:lnSpc>
         <a:spcPct val="100000"/>
       </a:lnSpc>
@@ -236,7 +237,7 @@
         <a:srgbClr val="000000"/>
       </a:buClr>
       <a:buFont typeface="Arial"/>
-      <a:defRPr b="0" i="0" sz="1400" u="none" cap="none" strike="noStrike">
+      <a:defRPr sz="1400" b="0" i="0" u="none" strike="noStrike" cap="none">
         <a:solidFill>
           <a:srgbClr val="000000"/>
         </a:solidFill>
@@ -249,7 +250,7 @@
   </p:defaultTextStyle>
   <p:extLst>
     <p:ext uri="{EFAFB233-063F-42B5-8137-9DF3F51BA10A}">
-      <p15:sldGuideLst>
+      <p15:sldGuideLst xmlns:p15="http://schemas.microsoft.com/office/powerpoint/2012/main">
         <p15:guide id="1" orient="horz" pos="1620">
           <p15:clr>
             <a:srgbClr val="A4A3A4"/>
@@ -267,11 +268,16 @@
 </file>
 
 <file path=ppt/notesMasters/notesMaster1.xml><?xml version="1.0" encoding="utf-8"?>
-<p:notesMaster xmlns:a="http://schemas.openxmlformats.org/drawingml/2006/main" xmlns:r="http://schemas.openxmlformats.org/officeDocument/2006/relationships" xmlns:mc="http://schemas.openxmlformats.org/markup-compatibility/2006" xmlns:mv="urn:schemas-microsoft-com:mac:vml" xmlns:p="http://schemas.openxmlformats.org/presentationml/2006/main" xmlns:c="http://schemas.openxmlformats.org/drawingml/2006/chart" xmlns:dgm="http://schemas.openxmlformats.org/drawingml/2006/diagram" xmlns:o="urn:schemas-microsoft-com:office:office" xmlns:v="urn:schemas-microsoft-com:vml" xmlns:pvml="urn:schemas-microsoft-com:office:powerpoint" xmlns:com="http://schemas.openxmlformats.org/drawingml/2006/compatibility" xmlns:p14="http://schemas.microsoft.com/office/powerpoint/2010/main" xmlns:p15="http://schemas.microsoft.com/office/powerpoint/2012/main">
+<p:notesMaster xmlns:a="http://schemas.openxmlformats.org/drawingml/2006/main" xmlns:r="http://schemas.openxmlformats.org/officeDocument/2006/relationships" xmlns:p="http://schemas.openxmlformats.org/presentationml/2006/main">
   <p:cSld>
+    <p:bg>
+      <p:bgRef idx="1001">
+        <a:schemeClr val="bg1"/>
+      </p:bgRef>
+    </p:bg>
     <p:spTree>
       <p:nvGrpSpPr>
-        <p:cNvPr id="2" name="Shape 2"/>
+        <p:cNvPr id="1" name="Shape 2"/>
         <p:cNvGrpSpPr/>
         <p:nvPr/>
       </p:nvGrpSpPr>
@@ -286,9 +292,11 @@
       <p:sp>
         <p:nvSpPr>
           <p:cNvPr id="3" name="Google Shape;3;n"/>
-          <p:cNvSpPr/>
+          <p:cNvSpPr>
+            <a:spLocks noGrp="1" noRot="1" noChangeAspect="1"/>
+          </p:cNvSpPr>
           <p:nvPr>
-            <p:ph idx="2" type="sldImg"/>
+            <p:ph type="sldImg" idx="2"/>
           </p:nvPr>
         </p:nvSpPr>
         <p:spPr>
@@ -297,9 +305,13 @@
             <a:ext cx="6096075" cy="3429000"/>
           </a:xfrm>
           <a:custGeom>
-            <a:rect b="b" l="l" r="r" t="t"/>
+            <a:avLst/>
+            <a:gdLst/>
+            <a:ahLst/>
+            <a:cxnLst/>
+            <a:rect l="l" t="t" r="r" b="b"/>
             <a:pathLst>
-              <a:path extrusionOk="0" h="120000" w="120000">
+              <a:path w="120000" h="120000" extrusionOk="0">
                 <a:moveTo>
                   <a:pt x="0" y="0"/>
                 </a:moveTo>
@@ -317,23 +329,25 @@
             </a:pathLst>
           </a:custGeom>
           <a:noFill/>
-          <a:ln cap="flat" cmpd="sng" w="9525">
+          <a:ln w="9525" cap="flat" cmpd="sng">
             <a:solidFill>
               <a:srgbClr val="000000"/>
             </a:solidFill>
             <a:prstDash val="solid"/>
             <a:round/>
-            <a:headEnd len="sm" w="sm" type="none"/>
-            <a:tailEnd len="sm" w="sm" type="none"/>
+            <a:headEnd type="none" w="sm" len="sm"/>
+            <a:tailEnd type="none" w="sm" len="sm"/>
           </a:ln>
         </p:spPr>
       </p:sp>
       <p:sp>
         <p:nvSpPr>
           <p:cNvPr id="4" name="Google Shape;4;n"/>
-          <p:cNvSpPr txBox="1"/>
+          <p:cNvSpPr txBox="1">
+            <a:spLocks noGrp="1"/>
+          </p:cNvSpPr>
           <p:nvPr>
-            <p:ph idx="1" type="body"/>
+            <p:ph type="body" idx="1"/>
           </p:nvPr>
         </p:nvSpPr>
         <p:spPr>
@@ -350,11 +364,11 @@
           </a:ln>
         </p:spPr>
         <p:txBody>
-          <a:bodyPr anchorCtr="0" anchor="t" bIns="91425" lIns="91425" spcFirstLastPara="1" rIns="91425" wrap="square" tIns="91425">
+          <a:bodyPr spcFirstLastPara="1" wrap="square" lIns="91425" tIns="91425" rIns="91425" bIns="91425" anchor="t" anchorCtr="0">
             <a:noAutofit/>
           </a:bodyPr>
           <a:lstStyle>
-            <a:lvl1pPr indent="-298450" lvl="0" marL="457200">
+            <a:lvl1pPr marL="457200" lvl="0" indent="-298450">
               <a:spcBef>
                 <a:spcPts val="0"/>
               </a:spcBef>
@@ -365,7 +379,7 @@
               <a:buChar char="●"/>
               <a:defRPr sz="1100"/>
             </a:lvl1pPr>
-            <a:lvl2pPr indent="-298450" lvl="1" marL="914400">
+            <a:lvl2pPr marL="914400" lvl="1" indent="-298450">
               <a:spcBef>
                 <a:spcPts val="0"/>
               </a:spcBef>
@@ -376,7 +390,7 @@
               <a:buChar char="○"/>
               <a:defRPr sz="1100"/>
             </a:lvl2pPr>
-            <a:lvl3pPr indent="-298450" lvl="2" marL="1371600">
+            <a:lvl3pPr marL="1371600" lvl="2" indent="-298450">
               <a:spcBef>
                 <a:spcPts val="0"/>
               </a:spcBef>
@@ -387,7 +401,7 @@
               <a:buChar char="■"/>
               <a:defRPr sz="1100"/>
             </a:lvl3pPr>
-            <a:lvl4pPr indent="-298450" lvl="3" marL="1828800">
+            <a:lvl4pPr marL="1828800" lvl="3" indent="-298450">
               <a:spcBef>
                 <a:spcPts val="0"/>
               </a:spcBef>
@@ -398,7 +412,7 @@
               <a:buChar char="●"/>
               <a:defRPr sz="1100"/>
             </a:lvl4pPr>
-            <a:lvl5pPr indent="-298450" lvl="4" marL="2286000">
+            <a:lvl5pPr marL="2286000" lvl="4" indent="-298450">
               <a:spcBef>
                 <a:spcPts val="0"/>
               </a:spcBef>
@@ -409,7 +423,7 @@
               <a:buChar char="○"/>
               <a:defRPr sz="1100"/>
             </a:lvl5pPr>
-            <a:lvl6pPr indent="-298450" lvl="5" marL="2743200">
+            <a:lvl6pPr marL="2743200" lvl="5" indent="-298450">
               <a:spcBef>
                 <a:spcPts val="0"/>
               </a:spcBef>
@@ -420,7 +434,7 @@
               <a:buChar char="■"/>
               <a:defRPr sz="1100"/>
             </a:lvl6pPr>
-            <a:lvl7pPr indent="-298450" lvl="6" marL="3200400">
+            <a:lvl7pPr marL="3200400" lvl="6" indent="-298450">
               <a:spcBef>
                 <a:spcPts val="0"/>
               </a:spcBef>
@@ -431,7 +445,7 @@
               <a:buChar char="●"/>
               <a:defRPr sz="1100"/>
             </a:lvl7pPr>
-            <a:lvl8pPr indent="-298450" lvl="7" marL="3657600">
+            <a:lvl8pPr marL="3657600" lvl="7" indent="-298450">
               <a:spcBef>
                 <a:spcPts val="0"/>
               </a:spcBef>
@@ -442,7 +456,7 @@
               <a:buChar char="○"/>
               <a:defRPr sz="1100"/>
             </a:lvl8pPr>
-            <a:lvl9pPr indent="-298450" lvl="8" marL="4114800">
+            <a:lvl9pPr marL="4114800" lvl="8" indent="-298450">
               <a:spcBef>
                 <a:spcPts val="0"/>
               </a:spcBef>
@@ -454,14 +468,16 @@
               <a:defRPr sz="1100"/>
             </a:lvl9pPr>
           </a:lstStyle>
-          <a:p/>
+          <a:p>
+            <a:endParaRPr/>
+          </a:p>
         </p:txBody>
       </p:sp>
     </p:spTree>
   </p:cSld>
-  <p:clrMap accent1="accent1" accent2="accent2" accent3="accent3" accent4="accent4" accent5="accent5" accent6="accent6" bg1="lt1" bg2="dk2" tx1="dk1" tx2="lt2" folHlink="folHlink" hlink="hlink"/>
+  <p:clrMap bg1="lt1" tx1="dk1" bg2="dk2" tx2="lt2" accent1="accent1" accent2="accent2" accent3="accent3" accent4="accent4" accent5="accent5" accent6="accent6" hlink="hlink" folHlink="folHlink"/>
   <p:notesStyle>
-    <a:defPPr lvl="0" marR="0" rtl="0" algn="l">
+    <a:defPPr marR="0" lvl="0" algn="l" rtl="0">
       <a:lnSpc>
         <a:spcPct val="100000"/>
       </a:lnSpc>
@@ -472,7 +488,7 @@
         <a:spcPts val="0"/>
       </a:spcAft>
     </a:defPPr>
-    <a:lvl1pPr lvl="0" marR="0" rtl="0" algn="l">
+    <a:lvl1pPr marR="0" lvl="0" algn="l" rtl="0">
       <a:lnSpc>
         <a:spcPct val="100000"/>
       </a:lnSpc>
@@ -486,7 +502,7 @@
         <a:srgbClr val="000000"/>
       </a:buClr>
       <a:buFont typeface="Arial"/>
-      <a:defRPr b="0" i="0" sz="1400" u="none" cap="none" strike="noStrike">
+      <a:defRPr sz="1400" b="0" i="0" u="none" strike="noStrike" cap="none">
         <a:solidFill>
           <a:srgbClr val="000000"/>
         </a:solidFill>
@@ -496,7 +512,7 @@
         <a:sym typeface="Arial"/>
       </a:defRPr>
     </a:lvl1pPr>
-    <a:lvl2pPr lvl="1" marR="0" rtl="0" algn="l">
+    <a:lvl2pPr marR="0" lvl="1" algn="l" rtl="0">
       <a:lnSpc>
         <a:spcPct val="100000"/>
       </a:lnSpc>
@@ -510,7 +526,7 @@
         <a:srgbClr val="000000"/>
       </a:buClr>
       <a:buFont typeface="Arial"/>
-      <a:defRPr b="0" i="0" sz="1400" u="none" cap="none" strike="noStrike">
+      <a:defRPr sz="1400" b="0" i="0" u="none" strike="noStrike" cap="none">
         <a:solidFill>
           <a:srgbClr val="000000"/>
         </a:solidFill>
@@ -520,7 +536,7 @@
         <a:sym typeface="Arial"/>
       </a:defRPr>
     </a:lvl2pPr>
-    <a:lvl3pPr lvl="2" marR="0" rtl="0" algn="l">
+    <a:lvl3pPr marR="0" lvl="2" algn="l" rtl="0">
       <a:lnSpc>
         <a:spcPct val="100000"/>
       </a:lnSpc>
@@ -534,7 +550,7 @@
         <a:srgbClr val="000000"/>
       </a:buClr>
       <a:buFont typeface="Arial"/>
-      <a:defRPr b="0" i="0" sz="1400" u="none" cap="none" strike="noStrike">
+      <a:defRPr sz="1400" b="0" i="0" u="none" strike="noStrike" cap="none">
         <a:solidFill>
           <a:srgbClr val="000000"/>
         </a:solidFill>
@@ -544,7 +560,7 @@
         <a:sym typeface="Arial"/>
       </a:defRPr>
     </a:lvl3pPr>
-    <a:lvl4pPr lvl="3" marR="0" rtl="0" algn="l">
+    <a:lvl4pPr marR="0" lvl="3" algn="l" rtl="0">
       <a:lnSpc>
         <a:spcPct val="100000"/>
       </a:lnSpc>
@@ -558,7 +574,7 @@
         <a:srgbClr val="000000"/>
       </a:buClr>
       <a:buFont typeface="Arial"/>
-      <a:defRPr b="0" i="0" sz="1400" u="none" cap="none" strike="noStrike">
+      <a:defRPr sz="1400" b="0" i="0" u="none" strike="noStrike" cap="none">
         <a:solidFill>
           <a:srgbClr val="000000"/>
         </a:solidFill>
@@ -568,7 +584,7 @@
         <a:sym typeface="Arial"/>
       </a:defRPr>
     </a:lvl4pPr>
-    <a:lvl5pPr lvl="4" marR="0" rtl="0" algn="l">
+    <a:lvl5pPr marR="0" lvl="4" algn="l" rtl="0">
       <a:lnSpc>
         <a:spcPct val="100000"/>
       </a:lnSpc>
@@ -582,7 +598,7 @@
         <a:srgbClr val="000000"/>
       </a:buClr>
       <a:buFont typeface="Arial"/>
-      <a:defRPr b="0" i="0" sz="1400" u="none" cap="none" strike="noStrike">
+      <a:defRPr sz="1400" b="0" i="0" u="none" strike="noStrike" cap="none">
         <a:solidFill>
           <a:srgbClr val="000000"/>
         </a:solidFill>
@@ -592,7 +608,7 @@
         <a:sym typeface="Arial"/>
       </a:defRPr>
     </a:lvl5pPr>
-    <a:lvl6pPr lvl="5" marR="0" rtl="0" algn="l">
+    <a:lvl6pPr marR="0" lvl="5" algn="l" rtl="0">
       <a:lnSpc>
         <a:spcPct val="100000"/>
       </a:lnSpc>
@@ -606,7 +622,7 @@
         <a:srgbClr val="000000"/>
       </a:buClr>
       <a:buFont typeface="Arial"/>
-      <a:defRPr b="0" i="0" sz="1400" u="none" cap="none" strike="noStrike">
+      <a:defRPr sz="1400" b="0" i="0" u="none" strike="noStrike" cap="none">
         <a:solidFill>
           <a:srgbClr val="000000"/>
         </a:solidFill>
@@ -616,7 +632,7 @@
         <a:sym typeface="Arial"/>
       </a:defRPr>
     </a:lvl6pPr>
-    <a:lvl7pPr lvl="6" marR="0" rtl="0" algn="l">
+    <a:lvl7pPr marR="0" lvl="6" algn="l" rtl="0">
       <a:lnSpc>
         <a:spcPct val="100000"/>
       </a:lnSpc>
@@ -630,7 +646,7 @@
         <a:srgbClr val="000000"/>
       </a:buClr>
       <a:buFont typeface="Arial"/>
-      <a:defRPr b="0" i="0" sz="1400" u="none" cap="none" strike="noStrike">
+      <a:defRPr sz="1400" b="0" i="0" u="none" strike="noStrike" cap="none">
         <a:solidFill>
           <a:srgbClr val="000000"/>
         </a:solidFill>
@@ -640,7 +656,7 @@
         <a:sym typeface="Arial"/>
       </a:defRPr>
     </a:lvl7pPr>
-    <a:lvl8pPr lvl="7" marR="0" rtl="0" algn="l">
+    <a:lvl8pPr marR="0" lvl="7" algn="l" rtl="0">
       <a:lnSpc>
         <a:spcPct val="100000"/>
       </a:lnSpc>
@@ -654,7 +670,7 @@
         <a:srgbClr val="000000"/>
       </a:buClr>
       <a:buFont typeface="Arial"/>
-      <a:defRPr b="0" i="0" sz="1400" u="none" cap="none" strike="noStrike">
+      <a:defRPr sz="1400" b="0" i="0" u="none" strike="noStrike" cap="none">
         <a:solidFill>
           <a:srgbClr val="000000"/>
         </a:solidFill>
@@ -664,7 +680,7 @@
         <a:sym typeface="Arial"/>
       </a:defRPr>
     </a:lvl8pPr>
-    <a:lvl9pPr lvl="8" marR="0" rtl="0" algn="l">
+    <a:lvl9pPr marR="0" lvl="8" algn="l" rtl="0">
       <a:lnSpc>
         <a:spcPct val="100000"/>
       </a:lnSpc>
@@ -678,7 +694,7 @@
         <a:srgbClr val="000000"/>
       </a:buClr>
       <a:buFont typeface="Arial"/>
-      <a:defRPr b="0" i="0" sz="1400" u="none" cap="none" strike="noStrike">
+      <a:defRPr sz="1400" b="0" i="0" u="none" strike="noStrike" cap="none">
         <a:solidFill>
           <a:srgbClr val="000000"/>
         </a:solidFill>
@@ -693,11 +709,11 @@
 </file>
 
 <file path=ppt/notesSlides/notesSlide1.xml><?xml version="1.0" encoding="utf-8"?>
-<p:notes xmlns:a="http://schemas.openxmlformats.org/drawingml/2006/main" xmlns:r="http://schemas.openxmlformats.org/officeDocument/2006/relationships" xmlns:mc="http://schemas.openxmlformats.org/markup-compatibility/2006" xmlns:mv="urn:schemas-microsoft-com:mac:vml" xmlns:p="http://schemas.openxmlformats.org/presentationml/2006/main" xmlns:c="http://schemas.openxmlformats.org/drawingml/2006/chart" xmlns:dgm="http://schemas.openxmlformats.org/drawingml/2006/diagram" xmlns:o="urn:schemas-microsoft-com:office:office" xmlns:v="urn:schemas-microsoft-com:vml" xmlns:pvml="urn:schemas-microsoft-com:office:powerpoint" xmlns:com="http://schemas.openxmlformats.org/drawingml/2006/compatibility" xmlns:p14="http://schemas.microsoft.com/office/powerpoint/2010/main" xmlns:p15="http://schemas.microsoft.com/office/powerpoint/2012/main" showMasterPhAnim="0" showMasterSp="0">
+<p:notes xmlns:a="http://schemas.openxmlformats.org/drawingml/2006/main" xmlns:r="http://schemas.openxmlformats.org/officeDocument/2006/relationships" xmlns:p="http://schemas.openxmlformats.org/presentationml/2006/main" showMasterSp="0" showMasterPhAnim="0">
   <p:cSld>
     <p:spTree>
       <p:nvGrpSpPr>
-        <p:cNvPr id="50" name="Shape 50"/>
+        <p:cNvPr id="1" name="Shape 50"/>
         <p:cNvGrpSpPr/>
         <p:nvPr/>
       </p:nvGrpSpPr>
@@ -712,9 +728,11 @@
       <p:sp>
         <p:nvSpPr>
           <p:cNvPr id="51" name="Google Shape;51;p:notes"/>
-          <p:cNvSpPr/>
+          <p:cNvSpPr>
+            <a:spLocks noGrp="1" noRot="1" noChangeAspect="1"/>
+          </p:cNvSpPr>
           <p:nvPr>
-            <p:ph idx="2" type="sldImg"/>
+            <p:ph type="sldImg" idx="2"/>
           </p:nvPr>
         </p:nvSpPr>
         <p:spPr>
@@ -723,9 +741,13 @@
             <a:ext cx="6096075" cy="3429000"/>
           </a:xfrm>
           <a:custGeom>
-            <a:rect b="b" l="l" r="r" t="t"/>
+            <a:avLst/>
+            <a:gdLst/>
+            <a:ahLst/>
+            <a:cxnLst/>
+            <a:rect l="l" t="t" r="r" b="b"/>
             <a:pathLst>
-              <a:path extrusionOk="0" h="120000" w="120000">
+              <a:path w="120000" h="120000" extrusionOk="0">
                 <a:moveTo>
                   <a:pt x="0" y="0"/>
                 </a:moveTo>
@@ -747,9 +769,11 @@
       <p:sp>
         <p:nvSpPr>
           <p:cNvPr id="52" name="Google Shape;52;p:notes"/>
-          <p:cNvSpPr txBox="1"/>
+          <p:cNvSpPr txBox="1">
+            <a:spLocks noGrp="1"/>
+          </p:cNvSpPr>
           <p:nvPr>
-            <p:ph idx="1" type="body"/>
+            <p:ph type="body" idx="1"/>
           </p:nvPr>
         </p:nvSpPr>
         <p:spPr>
@@ -762,12 +786,12 @@
           </a:prstGeom>
         </p:spPr>
         <p:txBody>
-          <a:bodyPr anchorCtr="0" anchor="t" bIns="91425" lIns="91425" spcFirstLastPara="1" rIns="91425" wrap="square" tIns="91425">
+          <a:bodyPr spcFirstLastPara="1" wrap="square" lIns="91425" tIns="91425" rIns="91425" bIns="91425" anchor="t" anchorCtr="0">
             <a:noAutofit/>
           </a:bodyPr>
           <a:lstStyle/>
           <a:p>
-            <a:pPr indent="0" lvl="0" marL="0" rtl="0" algn="l">
+            <a:pPr marL="0" lvl="0" indent="0" algn="l" rtl="0">
               <a:spcBef>
                 <a:spcPts val="0"/>
               </a:spcBef>
@@ -776,9 +800,6 @@
               </a:spcAft>
               <a:buNone/>
             </a:pPr>
-            <a:r>
-              <a:t/>
-            </a:r>
             <a:endParaRPr/>
           </a:p>
         </p:txBody>
@@ -792,11 +813,11 @@
 </file>
 
 <file path=ppt/notesSlides/notesSlide2.xml><?xml version="1.0" encoding="utf-8"?>
-<p:notes xmlns:a="http://schemas.openxmlformats.org/drawingml/2006/main" xmlns:r="http://schemas.openxmlformats.org/officeDocument/2006/relationships" xmlns:mc="http://schemas.openxmlformats.org/markup-compatibility/2006" xmlns:mv="urn:schemas-microsoft-com:mac:vml" xmlns:p="http://schemas.openxmlformats.org/presentationml/2006/main" xmlns:c="http://schemas.openxmlformats.org/drawingml/2006/chart" xmlns:dgm="http://schemas.openxmlformats.org/drawingml/2006/diagram" xmlns:o="urn:schemas-microsoft-com:office:office" xmlns:v="urn:schemas-microsoft-com:vml" xmlns:pvml="urn:schemas-microsoft-com:office:powerpoint" xmlns:com="http://schemas.openxmlformats.org/drawingml/2006/compatibility" xmlns:p14="http://schemas.microsoft.com/office/powerpoint/2010/main" xmlns:p15="http://schemas.microsoft.com/office/powerpoint/2012/main" showMasterPhAnim="0" showMasterSp="0">
+<p:notes xmlns:a="http://schemas.openxmlformats.org/drawingml/2006/main" xmlns:r="http://schemas.openxmlformats.org/officeDocument/2006/relationships" xmlns:p="http://schemas.openxmlformats.org/presentationml/2006/main" showMasterSp="0" showMasterPhAnim="0">
   <p:cSld>
     <p:spTree>
       <p:nvGrpSpPr>
-        <p:cNvPr id="56" name="Shape 56"/>
+        <p:cNvPr id="1" name="Shape 56"/>
         <p:cNvGrpSpPr/>
         <p:nvPr/>
       </p:nvGrpSpPr>
@@ -811,9 +832,11 @@
       <p:sp>
         <p:nvSpPr>
           <p:cNvPr id="57" name="Google Shape;57;g75c67fe4d0_0_5:notes"/>
-          <p:cNvSpPr/>
+          <p:cNvSpPr>
+            <a:spLocks noGrp="1" noRot="1" noChangeAspect="1"/>
+          </p:cNvSpPr>
           <p:nvPr>
-            <p:ph idx="2" type="sldImg"/>
+            <p:ph type="sldImg" idx="2"/>
           </p:nvPr>
         </p:nvSpPr>
         <p:spPr>
@@ -822,9 +845,13 @@
             <a:ext cx="6096000" cy="3429000"/>
           </a:xfrm>
           <a:custGeom>
-            <a:rect b="b" l="l" r="r" t="t"/>
+            <a:avLst/>
+            <a:gdLst/>
+            <a:ahLst/>
+            <a:cxnLst/>
+            <a:rect l="l" t="t" r="r" b="b"/>
             <a:pathLst>
-              <a:path extrusionOk="0" h="120000" w="120000">
+              <a:path w="120000" h="120000" extrusionOk="0">
                 <a:moveTo>
                   <a:pt x="0" y="0"/>
                 </a:moveTo>
@@ -846,9 +873,11 @@
       <p:sp>
         <p:nvSpPr>
           <p:cNvPr id="58" name="Google Shape;58;g75c67fe4d0_0_5:notes"/>
-          <p:cNvSpPr txBox="1"/>
+          <p:cNvSpPr txBox="1">
+            <a:spLocks noGrp="1"/>
+          </p:cNvSpPr>
           <p:nvPr>
-            <p:ph idx="1" type="body"/>
+            <p:ph type="body" idx="1"/>
           </p:nvPr>
         </p:nvSpPr>
         <p:spPr>
@@ -861,12 +890,12 @@
           </a:prstGeom>
         </p:spPr>
         <p:txBody>
-          <a:bodyPr anchorCtr="0" anchor="t" bIns="91425" lIns="91425" spcFirstLastPara="1" rIns="91425" wrap="square" tIns="91425">
+          <a:bodyPr spcFirstLastPara="1" wrap="square" lIns="91425" tIns="91425" rIns="91425" bIns="91425" anchor="t" anchorCtr="0">
             <a:noAutofit/>
           </a:bodyPr>
           <a:lstStyle/>
           <a:p>
-            <a:pPr indent="0" lvl="0" marL="0" rtl="0" algn="l">
+            <a:pPr marL="0" lvl="0" indent="0" algn="l" rtl="0">
               <a:spcBef>
                 <a:spcPts val="0"/>
               </a:spcBef>
@@ -875,9 +904,6 @@
               </a:spcAft>
               <a:buNone/>
             </a:pPr>
-            <a:r>
-              <a:t/>
-            </a:r>
             <a:endParaRPr/>
           </a:p>
         </p:txBody>
@@ -891,11 +917,11 @@
 </file>
 
 <file path=ppt/notesSlides/notesSlide3.xml><?xml version="1.0" encoding="utf-8"?>
-<p:notes xmlns:a="http://schemas.openxmlformats.org/drawingml/2006/main" xmlns:r="http://schemas.openxmlformats.org/officeDocument/2006/relationships" xmlns:mc="http://schemas.openxmlformats.org/markup-compatibility/2006" xmlns:mv="urn:schemas-microsoft-com:mac:vml" xmlns:p="http://schemas.openxmlformats.org/presentationml/2006/main" xmlns:c="http://schemas.openxmlformats.org/drawingml/2006/chart" xmlns:dgm="http://schemas.openxmlformats.org/drawingml/2006/diagram" xmlns:o="urn:schemas-microsoft-com:office:office" xmlns:v="urn:schemas-microsoft-com:vml" xmlns:pvml="urn:schemas-microsoft-com:office:powerpoint" xmlns:com="http://schemas.openxmlformats.org/drawingml/2006/compatibility" xmlns:p14="http://schemas.microsoft.com/office/powerpoint/2010/main" xmlns:p15="http://schemas.microsoft.com/office/powerpoint/2012/main" showMasterPhAnim="0" showMasterSp="0">
+<p:notes xmlns:a="http://schemas.openxmlformats.org/drawingml/2006/main" xmlns:r="http://schemas.openxmlformats.org/officeDocument/2006/relationships" xmlns:p="http://schemas.openxmlformats.org/presentationml/2006/main" showMasterSp="0" showMasterPhAnim="0">
   <p:cSld>
     <p:spTree>
       <p:nvGrpSpPr>
-        <p:cNvPr id="62" name="Shape 62"/>
+        <p:cNvPr id="1" name="Shape 62"/>
         <p:cNvGrpSpPr/>
         <p:nvPr/>
       </p:nvGrpSpPr>
@@ -910,9 +936,11 @@
       <p:sp>
         <p:nvSpPr>
           <p:cNvPr id="63" name="Google Shape;63;g75c67fe4d0_0_10:notes"/>
-          <p:cNvSpPr/>
+          <p:cNvSpPr>
+            <a:spLocks noGrp="1" noRot="1" noChangeAspect="1"/>
+          </p:cNvSpPr>
           <p:nvPr>
-            <p:ph idx="2" type="sldImg"/>
+            <p:ph type="sldImg" idx="2"/>
           </p:nvPr>
         </p:nvSpPr>
         <p:spPr>
@@ -921,9 +949,13 @@
             <a:ext cx="6096000" cy="3429000"/>
           </a:xfrm>
           <a:custGeom>
-            <a:rect b="b" l="l" r="r" t="t"/>
+            <a:avLst/>
+            <a:gdLst/>
+            <a:ahLst/>
+            <a:cxnLst/>
+            <a:rect l="l" t="t" r="r" b="b"/>
             <a:pathLst>
-              <a:path extrusionOk="0" h="120000" w="120000">
+              <a:path w="120000" h="120000" extrusionOk="0">
                 <a:moveTo>
                   <a:pt x="0" y="0"/>
                 </a:moveTo>
@@ -945,9 +977,11 @@
       <p:sp>
         <p:nvSpPr>
           <p:cNvPr id="64" name="Google Shape;64;g75c67fe4d0_0_10:notes"/>
-          <p:cNvSpPr txBox="1"/>
+          <p:cNvSpPr txBox="1">
+            <a:spLocks noGrp="1"/>
+          </p:cNvSpPr>
           <p:nvPr>
-            <p:ph idx="1" type="body"/>
+            <p:ph type="body" idx="1"/>
           </p:nvPr>
         </p:nvSpPr>
         <p:spPr>
@@ -960,12 +994,12 @@
           </a:prstGeom>
         </p:spPr>
         <p:txBody>
-          <a:bodyPr anchorCtr="0" anchor="t" bIns="91425" lIns="91425" spcFirstLastPara="1" rIns="91425" wrap="square" tIns="91425">
+          <a:bodyPr spcFirstLastPara="1" wrap="square" lIns="91425" tIns="91425" rIns="91425" bIns="91425" anchor="t" anchorCtr="0">
             <a:noAutofit/>
           </a:bodyPr>
           <a:lstStyle/>
           <a:p>
-            <a:pPr indent="0" lvl="0" marL="0" rtl="0" algn="l">
+            <a:pPr marL="0" lvl="0" indent="0" algn="l" rtl="0">
               <a:spcBef>
                 <a:spcPts val="0"/>
               </a:spcBef>
@@ -974,9 +1008,6 @@
               </a:spcAft>
               <a:buNone/>
             </a:pPr>
-            <a:r>
-              <a:t/>
-            </a:r>
             <a:endParaRPr/>
           </a:p>
         </p:txBody>
@@ -990,11 +1021,11 @@
 </file>
 
 <file path=ppt/notesSlides/notesSlide4.xml><?xml version="1.0" encoding="utf-8"?>
-<p:notes xmlns:a="http://schemas.openxmlformats.org/drawingml/2006/main" xmlns:r="http://schemas.openxmlformats.org/officeDocument/2006/relationships" xmlns:mc="http://schemas.openxmlformats.org/markup-compatibility/2006" xmlns:mv="urn:schemas-microsoft-com:mac:vml" xmlns:p="http://schemas.openxmlformats.org/presentationml/2006/main" xmlns:c="http://schemas.openxmlformats.org/drawingml/2006/chart" xmlns:dgm="http://schemas.openxmlformats.org/drawingml/2006/diagram" xmlns:o="urn:schemas-microsoft-com:office:office" xmlns:v="urn:schemas-microsoft-com:vml" xmlns:pvml="urn:schemas-microsoft-com:office:powerpoint" xmlns:com="http://schemas.openxmlformats.org/drawingml/2006/compatibility" xmlns:p14="http://schemas.microsoft.com/office/powerpoint/2010/main" xmlns:p15="http://schemas.microsoft.com/office/powerpoint/2012/main" showMasterPhAnim="0" showMasterSp="0">
+<p:notes xmlns:a="http://schemas.openxmlformats.org/drawingml/2006/main" xmlns:r="http://schemas.openxmlformats.org/officeDocument/2006/relationships" xmlns:p="http://schemas.openxmlformats.org/presentationml/2006/main" showMasterSp="0" showMasterPhAnim="0">
   <p:cSld>
     <p:spTree>
       <p:nvGrpSpPr>
-        <p:cNvPr id="68" name="Shape 68"/>
+        <p:cNvPr id="1" name="Shape 68"/>
         <p:cNvGrpSpPr/>
         <p:nvPr/>
       </p:nvGrpSpPr>
@@ -1009,20 +1040,26 @@
       <p:sp>
         <p:nvSpPr>
           <p:cNvPr id="69" name="Google Shape;69;g75c67fe4d0_0_20:notes"/>
-          <p:cNvSpPr/>
+          <p:cNvSpPr>
+            <a:spLocks noGrp="1" noRot="1" noChangeAspect="1"/>
+          </p:cNvSpPr>
           <p:nvPr>
-            <p:ph idx="2" type="sldImg"/>
+            <p:ph type="sldImg" idx="2"/>
           </p:nvPr>
         </p:nvSpPr>
         <p:spPr>
           <a:xfrm>
-            <a:off x="381300" y="685800"/>
+            <a:off x="381000" y="685800"/>
             <a:ext cx="6096000" cy="3429000"/>
           </a:xfrm>
           <a:custGeom>
-            <a:rect b="b" l="l" r="r" t="t"/>
+            <a:avLst/>
+            <a:gdLst/>
+            <a:ahLst/>
+            <a:cxnLst/>
+            <a:rect l="l" t="t" r="r" b="b"/>
             <a:pathLst>
-              <a:path extrusionOk="0" h="120000" w="120000">
+              <a:path w="120000" h="120000" extrusionOk="0">
                 <a:moveTo>
                   <a:pt x="0" y="0"/>
                 </a:moveTo>
@@ -1044,9 +1081,11 @@
       <p:sp>
         <p:nvSpPr>
           <p:cNvPr id="70" name="Google Shape;70;g75c67fe4d0_0_20:notes"/>
-          <p:cNvSpPr txBox="1"/>
+          <p:cNvSpPr txBox="1">
+            <a:spLocks noGrp="1"/>
+          </p:cNvSpPr>
           <p:nvPr>
-            <p:ph idx="1" type="body"/>
+            <p:ph type="body" idx="1"/>
           </p:nvPr>
         </p:nvSpPr>
         <p:spPr>
@@ -1059,12 +1098,12 @@
           </a:prstGeom>
         </p:spPr>
         <p:txBody>
-          <a:bodyPr anchorCtr="0" anchor="t" bIns="91425" lIns="91425" spcFirstLastPara="1" rIns="91425" wrap="square" tIns="91425">
+          <a:bodyPr spcFirstLastPara="1" wrap="square" lIns="91425" tIns="91425" rIns="91425" bIns="91425" anchor="t" anchorCtr="0">
             <a:noAutofit/>
           </a:bodyPr>
           <a:lstStyle/>
           <a:p>
-            <a:pPr indent="0" lvl="0" marL="0" rtl="0" algn="l">
+            <a:pPr marL="0" lvl="0" indent="0" algn="l" rtl="0">
               <a:spcBef>
                 <a:spcPts val="0"/>
               </a:spcBef>
@@ -1073,9 +1112,6 @@
               </a:spcAft>
               <a:buNone/>
             </a:pPr>
-            <a:r>
-              <a:t/>
-            </a:r>
             <a:endParaRPr/>
           </a:p>
         </p:txBody>
@@ -1089,11 +1125,11 @@
 </file>
 
 <file path=ppt/notesSlides/notesSlide5.xml><?xml version="1.0" encoding="utf-8"?>
-<p:notes xmlns:a="http://schemas.openxmlformats.org/drawingml/2006/main" xmlns:r="http://schemas.openxmlformats.org/officeDocument/2006/relationships" xmlns:mc="http://schemas.openxmlformats.org/markup-compatibility/2006" xmlns:mv="urn:schemas-microsoft-com:mac:vml" xmlns:p="http://schemas.openxmlformats.org/presentationml/2006/main" xmlns:c="http://schemas.openxmlformats.org/drawingml/2006/chart" xmlns:dgm="http://schemas.openxmlformats.org/drawingml/2006/diagram" xmlns:o="urn:schemas-microsoft-com:office:office" xmlns:v="urn:schemas-microsoft-com:vml" xmlns:pvml="urn:schemas-microsoft-com:office:powerpoint" xmlns:com="http://schemas.openxmlformats.org/drawingml/2006/compatibility" xmlns:p14="http://schemas.microsoft.com/office/powerpoint/2010/main" xmlns:p15="http://schemas.microsoft.com/office/powerpoint/2012/main" showMasterPhAnim="0" showMasterSp="0">
+<p:notes xmlns:a="http://schemas.openxmlformats.org/drawingml/2006/main" xmlns:r="http://schemas.openxmlformats.org/officeDocument/2006/relationships" xmlns:p="http://schemas.openxmlformats.org/presentationml/2006/main" showMasterSp="0" showMasterPhAnim="0">
   <p:cSld>
     <p:spTree>
       <p:nvGrpSpPr>
-        <p:cNvPr id="74" name="Shape 74"/>
+        <p:cNvPr id="1" name="Shape 74"/>
         <p:cNvGrpSpPr/>
         <p:nvPr/>
       </p:nvGrpSpPr>
@@ -1108,9 +1144,11 @@
       <p:sp>
         <p:nvSpPr>
           <p:cNvPr id="75" name="Google Shape;75;g75c67fe4d0_0_29:notes"/>
-          <p:cNvSpPr/>
+          <p:cNvSpPr>
+            <a:spLocks noGrp="1" noRot="1" noChangeAspect="1"/>
+          </p:cNvSpPr>
           <p:nvPr>
-            <p:ph idx="2" type="sldImg"/>
+            <p:ph type="sldImg" idx="2"/>
           </p:nvPr>
         </p:nvSpPr>
         <p:spPr>
@@ -1119,9 +1157,13 @@
             <a:ext cx="6096000" cy="3429000"/>
           </a:xfrm>
           <a:custGeom>
-            <a:rect b="b" l="l" r="r" t="t"/>
+            <a:avLst/>
+            <a:gdLst/>
+            <a:ahLst/>
+            <a:cxnLst/>
+            <a:rect l="l" t="t" r="r" b="b"/>
             <a:pathLst>
-              <a:path extrusionOk="0" h="120000" w="120000">
+              <a:path w="120000" h="120000" extrusionOk="0">
                 <a:moveTo>
                   <a:pt x="0" y="0"/>
                 </a:moveTo>
@@ -1143,9 +1185,11 @@
       <p:sp>
         <p:nvSpPr>
           <p:cNvPr id="76" name="Google Shape;76;g75c67fe4d0_0_29:notes"/>
-          <p:cNvSpPr txBox="1"/>
+          <p:cNvSpPr txBox="1">
+            <a:spLocks noGrp="1"/>
+          </p:cNvSpPr>
           <p:nvPr>
-            <p:ph idx="1" type="body"/>
+            <p:ph type="body" idx="1"/>
           </p:nvPr>
         </p:nvSpPr>
         <p:spPr>
@@ -1158,12 +1202,12 @@
           </a:prstGeom>
         </p:spPr>
         <p:txBody>
-          <a:bodyPr anchorCtr="0" anchor="t" bIns="91425" lIns="91425" spcFirstLastPara="1" rIns="91425" wrap="square" tIns="91425">
+          <a:bodyPr spcFirstLastPara="1" wrap="square" lIns="91425" tIns="91425" rIns="91425" bIns="91425" anchor="t" anchorCtr="0">
             <a:noAutofit/>
           </a:bodyPr>
           <a:lstStyle/>
           <a:p>
-            <a:pPr indent="0" lvl="0" marL="0" rtl="0" algn="l">
+            <a:pPr marL="0" lvl="0" indent="0" algn="l" rtl="0">
               <a:spcBef>
                 <a:spcPts val="0"/>
               </a:spcBef>
@@ -1172,9 +1216,6 @@
               </a:spcAft>
               <a:buNone/>
             </a:pPr>
-            <a:r>
-              <a:t/>
-            </a:r>
             <a:endParaRPr/>
           </a:p>
         </p:txBody>
@@ -1188,11 +1229,11 @@
 </file>
 
 <file path=ppt/notesSlides/notesSlide6.xml><?xml version="1.0" encoding="utf-8"?>
-<p:notes xmlns:a="http://schemas.openxmlformats.org/drawingml/2006/main" xmlns:r="http://schemas.openxmlformats.org/officeDocument/2006/relationships" xmlns:mc="http://schemas.openxmlformats.org/markup-compatibility/2006" xmlns:mv="urn:schemas-microsoft-com:mac:vml" xmlns:p="http://schemas.openxmlformats.org/presentationml/2006/main" xmlns:c="http://schemas.openxmlformats.org/drawingml/2006/chart" xmlns:dgm="http://schemas.openxmlformats.org/drawingml/2006/diagram" xmlns:o="urn:schemas-microsoft-com:office:office" xmlns:v="urn:schemas-microsoft-com:vml" xmlns:pvml="urn:schemas-microsoft-com:office:powerpoint" xmlns:com="http://schemas.openxmlformats.org/drawingml/2006/compatibility" xmlns:p14="http://schemas.microsoft.com/office/powerpoint/2010/main" xmlns:p15="http://schemas.microsoft.com/office/powerpoint/2012/main" showMasterPhAnim="0" showMasterSp="0">
+<p:notes xmlns:a="http://schemas.openxmlformats.org/drawingml/2006/main" xmlns:r="http://schemas.openxmlformats.org/officeDocument/2006/relationships" xmlns:p="http://schemas.openxmlformats.org/presentationml/2006/main" showMasterSp="0" showMasterPhAnim="0">
   <p:cSld>
     <p:spTree>
       <p:nvGrpSpPr>
-        <p:cNvPr id="80" name="Shape 80"/>
+        <p:cNvPr id="1" name="Shape 80"/>
         <p:cNvGrpSpPr/>
         <p:nvPr/>
       </p:nvGrpSpPr>
@@ -1207,20 +1248,26 @@
       <p:sp>
         <p:nvSpPr>
           <p:cNvPr id="81" name="Google Shape;81;g75c67fe4d0_0_34:notes"/>
-          <p:cNvSpPr/>
+          <p:cNvSpPr>
+            <a:spLocks noGrp="1" noRot="1" noChangeAspect="1"/>
+          </p:cNvSpPr>
           <p:nvPr>
-            <p:ph idx="2" type="sldImg"/>
+            <p:ph type="sldImg" idx="2"/>
           </p:nvPr>
         </p:nvSpPr>
         <p:spPr>
           <a:xfrm>
-            <a:off x="381300" y="685800"/>
+            <a:off x="381000" y="685800"/>
             <a:ext cx="6096000" cy="3429000"/>
           </a:xfrm>
           <a:custGeom>
-            <a:rect b="b" l="l" r="r" t="t"/>
+            <a:avLst/>
+            <a:gdLst/>
+            <a:ahLst/>
+            <a:cxnLst/>
+            <a:rect l="l" t="t" r="r" b="b"/>
             <a:pathLst>
-              <a:path extrusionOk="0" h="120000" w="120000">
+              <a:path w="120000" h="120000" extrusionOk="0">
                 <a:moveTo>
                   <a:pt x="0" y="0"/>
                 </a:moveTo>
@@ -1242,9 +1289,11 @@
       <p:sp>
         <p:nvSpPr>
           <p:cNvPr id="82" name="Google Shape;82;g75c67fe4d0_0_34:notes"/>
-          <p:cNvSpPr txBox="1"/>
+          <p:cNvSpPr txBox="1">
+            <a:spLocks noGrp="1"/>
+          </p:cNvSpPr>
           <p:nvPr>
-            <p:ph idx="1" type="body"/>
+            <p:ph type="body" idx="1"/>
           </p:nvPr>
         </p:nvSpPr>
         <p:spPr>
@@ -1257,12 +1306,12 @@
           </a:prstGeom>
         </p:spPr>
         <p:txBody>
-          <a:bodyPr anchorCtr="0" anchor="t" bIns="91425" lIns="91425" spcFirstLastPara="1" rIns="91425" wrap="square" tIns="91425">
+          <a:bodyPr spcFirstLastPara="1" wrap="square" lIns="91425" tIns="91425" rIns="91425" bIns="91425" anchor="t" anchorCtr="0">
             <a:noAutofit/>
           </a:bodyPr>
           <a:lstStyle/>
           <a:p>
-            <a:pPr indent="0" lvl="0" marL="0" rtl="0" algn="l">
+            <a:pPr marL="0" lvl="0" indent="0" algn="l" rtl="0">
               <a:spcBef>
                 <a:spcPts val="0"/>
               </a:spcBef>
@@ -1271,9 +1320,6 @@
               </a:spcAft>
               <a:buNone/>
             </a:pPr>
-            <a:r>
-              <a:t/>
-            </a:r>
             <a:endParaRPr/>
           </a:p>
         </p:txBody>
@@ -1287,11 +1333,11 @@
 </file>
 
 <file path=ppt/notesSlides/notesSlide7.xml><?xml version="1.0" encoding="utf-8"?>
-<p:notes xmlns:a="http://schemas.openxmlformats.org/drawingml/2006/main" xmlns:r="http://schemas.openxmlformats.org/officeDocument/2006/relationships" xmlns:mc="http://schemas.openxmlformats.org/markup-compatibility/2006" xmlns:mv="urn:schemas-microsoft-com:mac:vml" xmlns:p="http://schemas.openxmlformats.org/presentationml/2006/main" xmlns:c="http://schemas.openxmlformats.org/drawingml/2006/chart" xmlns:dgm="http://schemas.openxmlformats.org/drawingml/2006/diagram" xmlns:o="urn:schemas-microsoft-com:office:office" xmlns:v="urn:schemas-microsoft-com:vml" xmlns:pvml="urn:schemas-microsoft-com:office:powerpoint" xmlns:com="http://schemas.openxmlformats.org/drawingml/2006/compatibility" xmlns:p14="http://schemas.microsoft.com/office/powerpoint/2010/main" xmlns:p15="http://schemas.microsoft.com/office/powerpoint/2012/main" showMasterPhAnim="0" showMasterSp="0">
+<p:notes xmlns:a="http://schemas.openxmlformats.org/drawingml/2006/main" xmlns:r="http://schemas.openxmlformats.org/officeDocument/2006/relationships" xmlns:p="http://schemas.openxmlformats.org/presentationml/2006/main" showMasterSp="0" showMasterPhAnim="0">
   <p:cSld>
     <p:spTree>
       <p:nvGrpSpPr>
-        <p:cNvPr id="86" name="Shape 86"/>
+        <p:cNvPr id="1" name="Shape 86"/>
         <p:cNvGrpSpPr/>
         <p:nvPr/>
       </p:nvGrpSpPr>
@@ -1306,9 +1352,11 @@
       <p:sp>
         <p:nvSpPr>
           <p:cNvPr id="87" name="Google Shape;87;g75c67fe4d0_0_39:notes"/>
-          <p:cNvSpPr/>
+          <p:cNvSpPr>
+            <a:spLocks noGrp="1" noRot="1" noChangeAspect="1"/>
+          </p:cNvSpPr>
           <p:nvPr>
-            <p:ph idx="2" type="sldImg"/>
+            <p:ph type="sldImg" idx="2"/>
           </p:nvPr>
         </p:nvSpPr>
         <p:spPr>
@@ -1317,9 +1365,13 @@
             <a:ext cx="6096000" cy="3429000"/>
           </a:xfrm>
           <a:custGeom>
-            <a:rect b="b" l="l" r="r" t="t"/>
+            <a:avLst/>
+            <a:gdLst/>
+            <a:ahLst/>
+            <a:cxnLst/>
+            <a:rect l="l" t="t" r="r" b="b"/>
             <a:pathLst>
-              <a:path extrusionOk="0" h="120000" w="120000">
+              <a:path w="120000" h="120000" extrusionOk="0">
                 <a:moveTo>
                   <a:pt x="0" y="0"/>
                 </a:moveTo>
@@ -1341,9 +1393,11 @@
       <p:sp>
         <p:nvSpPr>
           <p:cNvPr id="88" name="Google Shape;88;g75c67fe4d0_0_39:notes"/>
-          <p:cNvSpPr txBox="1"/>
+          <p:cNvSpPr txBox="1">
+            <a:spLocks noGrp="1"/>
+          </p:cNvSpPr>
           <p:nvPr>
-            <p:ph idx="1" type="body"/>
+            <p:ph type="body" idx="1"/>
           </p:nvPr>
         </p:nvSpPr>
         <p:spPr>
@@ -1356,12 +1410,12 @@
           </a:prstGeom>
         </p:spPr>
         <p:txBody>
-          <a:bodyPr anchorCtr="0" anchor="t" bIns="91425" lIns="91425" spcFirstLastPara="1" rIns="91425" wrap="square" tIns="91425">
+          <a:bodyPr spcFirstLastPara="1" wrap="square" lIns="91425" tIns="91425" rIns="91425" bIns="91425" anchor="t" anchorCtr="0">
             <a:noAutofit/>
           </a:bodyPr>
           <a:lstStyle/>
           <a:p>
-            <a:pPr indent="0" lvl="0" marL="0" rtl="0" algn="l">
+            <a:pPr marL="0" lvl="0" indent="0" algn="l" rtl="0">
               <a:spcBef>
                 <a:spcPts val="0"/>
               </a:spcBef>
@@ -1370,9 +1424,6 @@
               </a:spcAft>
               <a:buNone/>
             </a:pPr>
-            <a:r>
-              <a:t/>
-            </a:r>
             <a:endParaRPr/>
           </a:p>
         </p:txBody>
@@ -1386,11 +1437,11 @@
 </file>
 
 <file path=ppt/slideLayouts/slideLayout1.xml><?xml version="1.0" encoding="utf-8"?>
-<p:sldLayout xmlns:a="http://schemas.openxmlformats.org/drawingml/2006/main" xmlns:r="http://schemas.openxmlformats.org/officeDocument/2006/relationships" xmlns:mc="http://schemas.openxmlformats.org/markup-compatibility/2006" xmlns:mv="urn:schemas-microsoft-com:mac:vml" xmlns:p="http://schemas.openxmlformats.org/presentationml/2006/main" xmlns:c="http://schemas.openxmlformats.org/drawingml/2006/chart" xmlns:dgm="http://schemas.openxmlformats.org/drawingml/2006/diagram" xmlns:o="urn:schemas-microsoft-com:office:office" xmlns:v="urn:schemas-microsoft-com:vml" xmlns:pvml="urn:schemas-microsoft-com:office:powerpoint" xmlns:com="http://schemas.openxmlformats.org/drawingml/2006/compatibility" xmlns:p14="http://schemas.microsoft.com/office/powerpoint/2010/main" xmlns:p15="http://schemas.microsoft.com/office/powerpoint/2012/main" matchingName="Title slide" type="title">
+<p:sldLayout xmlns:a="http://schemas.openxmlformats.org/drawingml/2006/main" xmlns:r="http://schemas.openxmlformats.org/officeDocument/2006/relationships" xmlns:p="http://schemas.openxmlformats.org/presentationml/2006/main" matchingName="Title slide" type="title">
   <p:cSld name="TITLE">
     <p:spTree>
       <p:nvGrpSpPr>
-        <p:cNvPr id="9" name="Shape 9"/>
+        <p:cNvPr id="1" name="Shape 9"/>
         <p:cNvGrpSpPr/>
         <p:nvPr/>
       </p:nvGrpSpPr>
@@ -1405,7 +1456,9 @@
       <p:sp>
         <p:nvSpPr>
           <p:cNvPr id="10" name="Google Shape;10;p2"/>
-          <p:cNvSpPr txBox="1"/>
+          <p:cNvSpPr txBox="1">
+            <a:spLocks noGrp="1"/>
+          </p:cNvSpPr>
           <p:nvPr>
             <p:ph type="ctrTitle"/>
           </p:nvPr>
@@ -1420,7 +1473,7 @@
           </a:prstGeom>
         </p:spPr>
         <p:txBody>
-          <a:bodyPr anchorCtr="0" anchor="b" bIns="91425" lIns="91425" spcFirstLastPara="1" rIns="91425" wrap="square" tIns="91425">
+          <a:bodyPr spcFirstLastPara="1" wrap="square" lIns="91425" tIns="91425" rIns="91425" bIns="91425" anchor="b" anchorCtr="0">
             <a:noAutofit/>
           </a:bodyPr>
           <a:lstStyle>
@@ -1524,15 +1577,19 @@
               <a:defRPr sz="5200"/>
             </a:lvl9pPr>
           </a:lstStyle>
-          <a:p/>
+          <a:p>
+            <a:endParaRPr/>
+          </a:p>
         </p:txBody>
       </p:sp>
       <p:sp>
         <p:nvSpPr>
           <p:cNvPr id="11" name="Google Shape;11;p2"/>
-          <p:cNvSpPr txBox="1"/>
+          <p:cNvSpPr txBox="1">
+            <a:spLocks noGrp="1"/>
+          </p:cNvSpPr>
           <p:nvPr>
-            <p:ph idx="1" type="subTitle"/>
+            <p:ph type="subTitle" idx="1"/>
           </p:nvPr>
         </p:nvSpPr>
         <p:spPr>
@@ -1545,7 +1602,7 @@
           </a:prstGeom>
         </p:spPr>
         <p:txBody>
-          <a:bodyPr anchorCtr="0" anchor="t" bIns="91425" lIns="91425" spcFirstLastPara="1" rIns="91425" wrap="square" tIns="91425">
+          <a:bodyPr spcFirstLastPara="1" wrap="square" lIns="91425" tIns="91425" rIns="91425" bIns="91425" anchor="t" anchorCtr="0">
             <a:noAutofit/>
           </a:bodyPr>
           <a:lstStyle>
@@ -1676,15 +1733,19 @@
               <a:defRPr sz="2800"/>
             </a:lvl9pPr>
           </a:lstStyle>
-          <a:p/>
+          <a:p>
+            <a:endParaRPr/>
+          </a:p>
         </p:txBody>
       </p:sp>
       <p:sp>
         <p:nvSpPr>
           <p:cNvPr id="12" name="Google Shape;12;p2"/>
-          <p:cNvSpPr txBox="1"/>
+          <p:cNvSpPr txBox="1">
+            <a:spLocks noGrp="1"/>
+          </p:cNvSpPr>
           <p:nvPr>
-            <p:ph idx="12" type="sldNum"/>
+            <p:ph type="sldNum" idx="12"/>
           </p:nvPr>
         </p:nvSpPr>
         <p:spPr>
@@ -1697,7 +1758,7 @@
           </a:prstGeom>
         </p:spPr>
         <p:txBody>
-          <a:bodyPr anchorCtr="0" anchor="ctr" bIns="91425" lIns="91425" spcFirstLastPara="1" rIns="91425" wrap="square" tIns="91425">
+          <a:bodyPr spcFirstLastPara="1" wrap="square" lIns="91425" tIns="91425" rIns="91425" bIns="91425" anchor="ctr" anchorCtr="0">
             <a:noAutofit/>
           </a:bodyPr>
           <a:lstStyle>
@@ -1739,7 +1800,7 @@
             </a:lvl9pPr>
           </a:lstStyle>
           <a:p>
-            <a:pPr indent="0" lvl="0" marL="0" rtl="0" algn="r">
+            <a:pPr marL="0" lvl="0" indent="0" algn="r" rtl="0">
               <a:spcBef>
                 <a:spcPts val="0"/>
               </a:spcBef>
@@ -1765,11 +1826,11 @@
 </file>
 
 <file path=ppt/slideLayouts/slideLayout10.xml><?xml version="1.0" encoding="utf-8"?>
-<p:sldLayout xmlns:a="http://schemas.openxmlformats.org/drawingml/2006/main" xmlns:r="http://schemas.openxmlformats.org/officeDocument/2006/relationships" xmlns:mc="http://schemas.openxmlformats.org/markup-compatibility/2006" xmlns:mv="urn:schemas-microsoft-com:mac:vml" xmlns:p="http://schemas.openxmlformats.org/presentationml/2006/main" xmlns:c="http://schemas.openxmlformats.org/drawingml/2006/chart" xmlns:dgm="http://schemas.openxmlformats.org/drawingml/2006/diagram" xmlns:o="urn:schemas-microsoft-com:office:office" xmlns:v="urn:schemas-microsoft-com:vml" xmlns:pvml="urn:schemas-microsoft-com:office:powerpoint" xmlns:com="http://schemas.openxmlformats.org/drawingml/2006/compatibility" xmlns:p14="http://schemas.microsoft.com/office/powerpoint/2010/main" xmlns:p15="http://schemas.microsoft.com/office/powerpoint/2012/main" matchingName="Big number">
+<p:sldLayout xmlns:a="http://schemas.openxmlformats.org/drawingml/2006/main" xmlns:r="http://schemas.openxmlformats.org/officeDocument/2006/relationships" xmlns:p="http://schemas.openxmlformats.org/presentationml/2006/main" matchingName="Big number">
   <p:cSld name="BIG_NUMBER">
     <p:spTree>
       <p:nvGrpSpPr>
-        <p:cNvPr id="44" name="Shape 44"/>
+        <p:cNvPr id="1" name="Shape 44"/>
         <p:cNvGrpSpPr/>
         <p:nvPr/>
       </p:nvGrpSpPr>
@@ -1784,9 +1845,11 @@
       <p:sp>
         <p:nvSpPr>
           <p:cNvPr id="45" name="Google Shape;45;p11"/>
-          <p:cNvSpPr txBox="1"/>
+          <p:cNvSpPr txBox="1">
+            <a:spLocks noGrp="1"/>
+          </p:cNvSpPr>
           <p:nvPr>
-            <p:ph hasCustomPrompt="1" type="title"/>
+            <p:ph type="title" hasCustomPrompt="1"/>
           </p:nvPr>
         </p:nvSpPr>
         <p:spPr>
@@ -1799,7 +1862,7 @@
           </a:prstGeom>
         </p:spPr>
         <p:txBody>
-          <a:bodyPr anchorCtr="0" anchor="b" bIns="91425" lIns="91425" spcFirstLastPara="1" rIns="91425" wrap="square" tIns="91425">
+          <a:bodyPr spcFirstLastPara="1" wrap="square" lIns="91425" tIns="91425" rIns="91425" bIns="91425" anchor="b" anchorCtr="0">
             <a:noAutofit/>
           </a:bodyPr>
           <a:lstStyle>
@@ -1913,9 +1976,11 @@
       <p:sp>
         <p:nvSpPr>
           <p:cNvPr id="46" name="Google Shape;46;p11"/>
-          <p:cNvSpPr txBox="1"/>
+          <p:cNvSpPr txBox="1">
+            <a:spLocks noGrp="1"/>
+          </p:cNvSpPr>
           <p:nvPr>
-            <p:ph idx="1" type="body"/>
+            <p:ph type="body" idx="1"/>
           </p:nvPr>
         </p:nvSpPr>
         <p:spPr>
@@ -1928,11 +1993,11 @@
           </a:prstGeom>
         </p:spPr>
         <p:txBody>
-          <a:bodyPr anchorCtr="0" anchor="t" bIns="91425" lIns="91425" spcFirstLastPara="1" rIns="91425" wrap="square" tIns="91425">
+          <a:bodyPr spcFirstLastPara="1" wrap="square" lIns="91425" tIns="91425" rIns="91425" bIns="91425" anchor="t" anchorCtr="0">
             <a:noAutofit/>
           </a:bodyPr>
           <a:lstStyle>
-            <a:lvl1pPr indent="-342900" lvl="0" marL="457200" algn="ctr">
+            <a:lvl1pPr marL="457200" lvl="0" indent="-342900" algn="ctr">
               <a:spcBef>
                 <a:spcPts val="0"/>
               </a:spcBef>
@@ -1943,7 +2008,7 @@
               <a:buChar char="●"/>
               <a:defRPr/>
             </a:lvl1pPr>
-            <a:lvl2pPr indent="-317500" lvl="1" marL="914400" algn="ctr">
+            <a:lvl2pPr marL="914400" lvl="1" indent="-317500" algn="ctr">
               <a:spcBef>
                 <a:spcPts val="1600"/>
               </a:spcBef>
@@ -1954,7 +2019,7 @@
               <a:buChar char="○"/>
               <a:defRPr/>
             </a:lvl2pPr>
-            <a:lvl3pPr indent="-317500" lvl="2" marL="1371600" algn="ctr">
+            <a:lvl3pPr marL="1371600" lvl="2" indent="-317500" algn="ctr">
               <a:spcBef>
                 <a:spcPts val="1600"/>
               </a:spcBef>
@@ -1965,7 +2030,7 @@
               <a:buChar char="■"/>
               <a:defRPr/>
             </a:lvl3pPr>
-            <a:lvl4pPr indent="-317500" lvl="3" marL="1828800" algn="ctr">
+            <a:lvl4pPr marL="1828800" lvl="3" indent="-317500" algn="ctr">
               <a:spcBef>
                 <a:spcPts val="1600"/>
               </a:spcBef>
@@ -1976,7 +2041,7 @@
               <a:buChar char="●"/>
               <a:defRPr/>
             </a:lvl4pPr>
-            <a:lvl5pPr indent="-317500" lvl="4" marL="2286000" algn="ctr">
+            <a:lvl5pPr marL="2286000" lvl="4" indent="-317500" algn="ctr">
               <a:spcBef>
                 <a:spcPts val="1600"/>
               </a:spcBef>
@@ -1987,7 +2052,7 @@
               <a:buChar char="○"/>
               <a:defRPr/>
             </a:lvl5pPr>
-            <a:lvl6pPr indent="-317500" lvl="5" marL="2743200" algn="ctr">
+            <a:lvl6pPr marL="2743200" lvl="5" indent="-317500" algn="ctr">
               <a:spcBef>
                 <a:spcPts val="1600"/>
               </a:spcBef>
@@ -1998,7 +2063,7 @@
               <a:buChar char="■"/>
               <a:defRPr/>
             </a:lvl6pPr>
-            <a:lvl7pPr indent="-317500" lvl="6" marL="3200400" algn="ctr">
+            <a:lvl7pPr marL="3200400" lvl="6" indent="-317500" algn="ctr">
               <a:spcBef>
                 <a:spcPts val="1600"/>
               </a:spcBef>
@@ -2009,7 +2074,7 @@
               <a:buChar char="●"/>
               <a:defRPr/>
             </a:lvl7pPr>
-            <a:lvl8pPr indent="-317500" lvl="7" marL="3657600" algn="ctr">
+            <a:lvl8pPr marL="3657600" lvl="7" indent="-317500" algn="ctr">
               <a:spcBef>
                 <a:spcPts val="1600"/>
               </a:spcBef>
@@ -2020,7 +2085,7 @@
               <a:buChar char="○"/>
               <a:defRPr/>
             </a:lvl8pPr>
-            <a:lvl9pPr indent="-317500" lvl="8" marL="4114800" algn="ctr">
+            <a:lvl9pPr marL="4114800" lvl="8" indent="-317500" algn="ctr">
               <a:spcBef>
                 <a:spcPts val="1600"/>
               </a:spcBef>
@@ -2032,15 +2097,19 @@
               <a:defRPr/>
             </a:lvl9pPr>
           </a:lstStyle>
-          <a:p/>
+          <a:p>
+            <a:endParaRPr/>
+          </a:p>
         </p:txBody>
       </p:sp>
       <p:sp>
         <p:nvSpPr>
           <p:cNvPr id="47" name="Google Shape;47;p11"/>
-          <p:cNvSpPr txBox="1"/>
+          <p:cNvSpPr txBox="1">
+            <a:spLocks noGrp="1"/>
+          </p:cNvSpPr>
           <p:nvPr>
-            <p:ph idx="12" type="sldNum"/>
+            <p:ph type="sldNum" idx="12"/>
           </p:nvPr>
         </p:nvSpPr>
         <p:spPr>
@@ -2053,7 +2122,7 @@
           </a:prstGeom>
         </p:spPr>
         <p:txBody>
-          <a:bodyPr anchorCtr="0" anchor="ctr" bIns="91425" lIns="91425" spcFirstLastPara="1" rIns="91425" wrap="square" tIns="91425">
+          <a:bodyPr spcFirstLastPara="1" wrap="square" lIns="91425" tIns="91425" rIns="91425" bIns="91425" anchor="ctr" anchorCtr="0">
             <a:noAutofit/>
           </a:bodyPr>
           <a:lstStyle>
@@ -2095,7 +2164,7 @@
             </a:lvl9pPr>
           </a:lstStyle>
           <a:p>
-            <a:pPr indent="0" lvl="0" marL="0" rtl="0" algn="r">
+            <a:pPr marL="0" lvl="0" indent="0" algn="r" rtl="0">
               <a:spcBef>
                 <a:spcPts val="0"/>
               </a:spcBef>
@@ -2121,11 +2190,11 @@
 </file>
 
 <file path=ppt/slideLayouts/slideLayout11.xml><?xml version="1.0" encoding="utf-8"?>
-<p:sldLayout xmlns:a="http://schemas.openxmlformats.org/drawingml/2006/main" xmlns:r="http://schemas.openxmlformats.org/officeDocument/2006/relationships" xmlns:mc="http://schemas.openxmlformats.org/markup-compatibility/2006" xmlns:mv="urn:schemas-microsoft-com:mac:vml" xmlns:p="http://schemas.openxmlformats.org/presentationml/2006/main" xmlns:c="http://schemas.openxmlformats.org/drawingml/2006/chart" xmlns:dgm="http://schemas.openxmlformats.org/drawingml/2006/diagram" xmlns:o="urn:schemas-microsoft-com:office:office" xmlns:v="urn:schemas-microsoft-com:vml" xmlns:pvml="urn:schemas-microsoft-com:office:powerpoint" xmlns:com="http://schemas.openxmlformats.org/drawingml/2006/compatibility" xmlns:p14="http://schemas.microsoft.com/office/powerpoint/2010/main" xmlns:p15="http://schemas.microsoft.com/office/powerpoint/2012/main" matchingName="Blank" type="blank">
+<p:sldLayout xmlns:a="http://schemas.openxmlformats.org/drawingml/2006/main" xmlns:r="http://schemas.openxmlformats.org/officeDocument/2006/relationships" xmlns:p="http://schemas.openxmlformats.org/presentationml/2006/main" matchingName="Blank" type="blank">
   <p:cSld name="BLANK">
     <p:spTree>
       <p:nvGrpSpPr>
-        <p:cNvPr id="48" name="Shape 48"/>
+        <p:cNvPr id="1" name="Shape 48"/>
         <p:cNvGrpSpPr/>
         <p:nvPr/>
       </p:nvGrpSpPr>
@@ -2140,9 +2209,11 @@
       <p:sp>
         <p:nvSpPr>
           <p:cNvPr id="49" name="Google Shape;49;p12"/>
-          <p:cNvSpPr txBox="1"/>
+          <p:cNvSpPr txBox="1">
+            <a:spLocks noGrp="1"/>
+          </p:cNvSpPr>
           <p:nvPr>
-            <p:ph idx="12" type="sldNum"/>
+            <p:ph type="sldNum" idx="12"/>
           </p:nvPr>
         </p:nvSpPr>
         <p:spPr>
@@ -2155,7 +2226,7 @@
           </a:prstGeom>
         </p:spPr>
         <p:txBody>
-          <a:bodyPr anchorCtr="0" anchor="ctr" bIns="91425" lIns="91425" spcFirstLastPara="1" rIns="91425" wrap="square" tIns="91425">
+          <a:bodyPr spcFirstLastPara="1" wrap="square" lIns="91425" tIns="91425" rIns="91425" bIns="91425" anchor="ctr" anchorCtr="0">
             <a:noAutofit/>
           </a:bodyPr>
           <a:lstStyle>
@@ -2197,7 +2268,7 @@
             </a:lvl9pPr>
           </a:lstStyle>
           <a:p>
-            <a:pPr indent="0" lvl="0" marL="0" rtl="0" algn="r">
+            <a:pPr marL="0" lvl="0" indent="0" algn="r" rtl="0">
               <a:spcBef>
                 <a:spcPts val="0"/>
               </a:spcBef>
@@ -2223,11 +2294,11 @@
 </file>
 
 <file path=ppt/slideLayouts/slideLayout2.xml><?xml version="1.0" encoding="utf-8"?>
-<p:sldLayout xmlns:a="http://schemas.openxmlformats.org/drawingml/2006/main" xmlns:r="http://schemas.openxmlformats.org/officeDocument/2006/relationships" xmlns:mc="http://schemas.openxmlformats.org/markup-compatibility/2006" xmlns:mv="urn:schemas-microsoft-com:mac:vml" xmlns:p="http://schemas.openxmlformats.org/presentationml/2006/main" xmlns:c="http://schemas.openxmlformats.org/drawingml/2006/chart" xmlns:dgm="http://schemas.openxmlformats.org/drawingml/2006/diagram" xmlns:o="urn:schemas-microsoft-com:office:office" xmlns:v="urn:schemas-microsoft-com:vml" xmlns:pvml="urn:schemas-microsoft-com:office:powerpoint" xmlns:com="http://schemas.openxmlformats.org/drawingml/2006/compatibility" xmlns:p14="http://schemas.microsoft.com/office/powerpoint/2010/main" xmlns:p15="http://schemas.microsoft.com/office/powerpoint/2012/main" matchingName="Section header" type="secHead">
+<p:sldLayout xmlns:a="http://schemas.openxmlformats.org/drawingml/2006/main" xmlns:r="http://schemas.openxmlformats.org/officeDocument/2006/relationships" xmlns:p="http://schemas.openxmlformats.org/presentationml/2006/main" matchingName="Section header" type="secHead">
   <p:cSld name="SECTION_HEADER">
     <p:spTree>
       <p:nvGrpSpPr>
-        <p:cNvPr id="13" name="Shape 13"/>
+        <p:cNvPr id="1" name="Shape 13"/>
         <p:cNvGrpSpPr/>
         <p:nvPr/>
       </p:nvGrpSpPr>
@@ -2242,7 +2313,9 @@
       <p:sp>
         <p:nvSpPr>
           <p:cNvPr id="14" name="Google Shape;14;p3"/>
-          <p:cNvSpPr txBox="1"/>
+          <p:cNvSpPr txBox="1">
+            <a:spLocks noGrp="1"/>
+          </p:cNvSpPr>
           <p:nvPr>
             <p:ph type="title"/>
           </p:nvPr>
@@ -2257,7 +2330,7 @@
           </a:prstGeom>
         </p:spPr>
         <p:txBody>
-          <a:bodyPr anchorCtr="0" anchor="ctr" bIns="91425" lIns="91425" spcFirstLastPara="1" rIns="91425" wrap="square" tIns="91425">
+          <a:bodyPr spcFirstLastPara="1" wrap="square" lIns="91425" tIns="91425" rIns="91425" bIns="91425" anchor="ctr" anchorCtr="0">
             <a:noAutofit/>
           </a:bodyPr>
           <a:lstStyle>
@@ -2361,15 +2434,19 @@
               <a:defRPr sz="3600"/>
             </a:lvl9pPr>
           </a:lstStyle>
-          <a:p/>
+          <a:p>
+            <a:endParaRPr/>
+          </a:p>
         </p:txBody>
       </p:sp>
       <p:sp>
         <p:nvSpPr>
           <p:cNvPr id="15" name="Google Shape;15;p3"/>
-          <p:cNvSpPr txBox="1"/>
+          <p:cNvSpPr txBox="1">
+            <a:spLocks noGrp="1"/>
+          </p:cNvSpPr>
           <p:nvPr>
-            <p:ph idx="12" type="sldNum"/>
+            <p:ph type="sldNum" idx="12"/>
           </p:nvPr>
         </p:nvSpPr>
         <p:spPr>
@@ -2382,7 +2459,7 @@
           </a:prstGeom>
         </p:spPr>
         <p:txBody>
-          <a:bodyPr anchorCtr="0" anchor="ctr" bIns="91425" lIns="91425" spcFirstLastPara="1" rIns="91425" wrap="square" tIns="91425">
+          <a:bodyPr spcFirstLastPara="1" wrap="square" lIns="91425" tIns="91425" rIns="91425" bIns="91425" anchor="ctr" anchorCtr="0">
             <a:noAutofit/>
           </a:bodyPr>
           <a:lstStyle>
@@ -2424,7 +2501,7 @@
             </a:lvl9pPr>
           </a:lstStyle>
           <a:p>
-            <a:pPr indent="0" lvl="0" marL="0" rtl="0" algn="r">
+            <a:pPr marL="0" lvl="0" indent="0" algn="r" rtl="0">
               <a:spcBef>
                 <a:spcPts val="0"/>
               </a:spcBef>
@@ -2450,11 +2527,11 @@
 </file>
 
 <file path=ppt/slideLayouts/slideLayout3.xml><?xml version="1.0" encoding="utf-8"?>
-<p:sldLayout xmlns:a="http://schemas.openxmlformats.org/drawingml/2006/main" xmlns:r="http://schemas.openxmlformats.org/officeDocument/2006/relationships" xmlns:mc="http://schemas.openxmlformats.org/markup-compatibility/2006" xmlns:mv="urn:schemas-microsoft-com:mac:vml" xmlns:p="http://schemas.openxmlformats.org/presentationml/2006/main" xmlns:c="http://schemas.openxmlformats.org/drawingml/2006/chart" xmlns:dgm="http://schemas.openxmlformats.org/drawingml/2006/diagram" xmlns:o="urn:schemas-microsoft-com:office:office" xmlns:v="urn:schemas-microsoft-com:vml" xmlns:pvml="urn:schemas-microsoft-com:office:powerpoint" xmlns:com="http://schemas.openxmlformats.org/drawingml/2006/compatibility" xmlns:p14="http://schemas.microsoft.com/office/powerpoint/2010/main" xmlns:p15="http://schemas.microsoft.com/office/powerpoint/2012/main" matchingName="Title and body" type="tx">
+<p:sldLayout xmlns:a="http://schemas.openxmlformats.org/drawingml/2006/main" xmlns:r="http://schemas.openxmlformats.org/officeDocument/2006/relationships" xmlns:p="http://schemas.openxmlformats.org/presentationml/2006/main" matchingName="Title and body" type="tx">
   <p:cSld name="TITLE_AND_BODY">
     <p:spTree>
       <p:nvGrpSpPr>
-        <p:cNvPr id="16" name="Shape 16"/>
+        <p:cNvPr id="1" name="Shape 16"/>
         <p:cNvGrpSpPr/>
         <p:nvPr/>
       </p:nvGrpSpPr>
@@ -2469,7 +2546,9 @@
       <p:sp>
         <p:nvSpPr>
           <p:cNvPr id="17" name="Google Shape;17;p4"/>
-          <p:cNvSpPr txBox="1"/>
+          <p:cNvSpPr txBox="1">
+            <a:spLocks noGrp="1"/>
+          </p:cNvSpPr>
           <p:nvPr>
             <p:ph type="title"/>
           </p:nvPr>
@@ -2484,7 +2563,7 @@
           </a:prstGeom>
         </p:spPr>
         <p:txBody>
-          <a:bodyPr anchorCtr="0" anchor="t" bIns="91425" lIns="91425" spcFirstLastPara="1" rIns="91425" wrap="square" tIns="91425">
+          <a:bodyPr spcFirstLastPara="1" wrap="square" lIns="91425" tIns="91425" rIns="91425" bIns="91425" anchor="t" anchorCtr="0">
             <a:noAutofit/>
           </a:bodyPr>
           <a:lstStyle>
@@ -2588,15 +2667,19 @@
               <a:defRPr/>
             </a:lvl9pPr>
           </a:lstStyle>
-          <a:p/>
+          <a:p>
+            <a:endParaRPr/>
+          </a:p>
         </p:txBody>
       </p:sp>
       <p:sp>
         <p:nvSpPr>
           <p:cNvPr id="18" name="Google Shape;18;p4"/>
-          <p:cNvSpPr txBox="1"/>
+          <p:cNvSpPr txBox="1">
+            <a:spLocks noGrp="1"/>
+          </p:cNvSpPr>
           <p:nvPr>
-            <p:ph idx="1" type="body"/>
+            <p:ph type="body" idx="1"/>
           </p:nvPr>
         </p:nvSpPr>
         <p:spPr>
@@ -2609,11 +2692,11 @@
           </a:prstGeom>
         </p:spPr>
         <p:txBody>
-          <a:bodyPr anchorCtr="0" anchor="t" bIns="91425" lIns="91425" spcFirstLastPara="1" rIns="91425" wrap="square" tIns="91425">
+          <a:bodyPr spcFirstLastPara="1" wrap="square" lIns="91425" tIns="91425" rIns="91425" bIns="91425" anchor="t" anchorCtr="0">
             <a:noAutofit/>
           </a:bodyPr>
           <a:lstStyle>
-            <a:lvl1pPr indent="-342900" lvl="0" marL="457200">
+            <a:lvl1pPr marL="457200" lvl="0" indent="-342900">
               <a:spcBef>
                 <a:spcPts val="0"/>
               </a:spcBef>
@@ -2624,7 +2707,7 @@
               <a:buChar char="●"/>
               <a:defRPr/>
             </a:lvl1pPr>
-            <a:lvl2pPr indent="-317500" lvl="1" marL="914400">
+            <a:lvl2pPr marL="914400" lvl="1" indent="-317500">
               <a:spcBef>
                 <a:spcPts val="1600"/>
               </a:spcBef>
@@ -2635,7 +2718,7 @@
               <a:buChar char="○"/>
               <a:defRPr/>
             </a:lvl2pPr>
-            <a:lvl3pPr indent="-317500" lvl="2" marL="1371600">
+            <a:lvl3pPr marL="1371600" lvl="2" indent="-317500">
               <a:spcBef>
                 <a:spcPts val="1600"/>
               </a:spcBef>
@@ -2646,7 +2729,7 @@
               <a:buChar char="■"/>
               <a:defRPr/>
             </a:lvl3pPr>
-            <a:lvl4pPr indent="-317500" lvl="3" marL="1828800">
+            <a:lvl4pPr marL="1828800" lvl="3" indent="-317500">
               <a:spcBef>
                 <a:spcPts val="1600"/>
               </a:spcBef>
@@ -2657,7 +2740,7 @@
               <a:buChar char="●"/>
               <a:defRPr/>
             </a:lvl4pPr>
-            <a:lvl5pPr indent="-317500" lvl="4" marL="2286000">
+            <a:lvl5pPr marL="2286000" lvl="4" indent="-317500">
               <a:spcBef>
                 <a:spcPts val="1600"/>
               </a:spcBef>
@@ -2668,7 +2751,7 @@
               <a:buChar char="○"/>
               <a:defRPr/>
             </a:lvl5pPr>
-            <a:lvl6pPr indent="-317500" lvl="5" marL="2743200">
+            <a:lvl6pPr marL="2743200" lvl="5" indent="-317500">
               <a:spcBef>
                 <a:spcPts val="1600"/>
               </a:spcBef>
@@ -2679,7 +2762,7 @@
               <a:buChar char="■"/>
               <a:defRPr/>
             </a:lvl6pPr>
-            <a:lvl7pPr indent="-317500" lvl="6" marL="3200400">
+            <a:lvl7pPr marL="3200400" lvl="6" indent="-317500">
               <a:spcBef>
                 <a:spcPts val="1600"/>
               </a:spcBef>
@@ -2690,7 +2773,7 @@
               <a:buChar char="●"/>
               <a:defRPr/>
             </a:lvl7pPr>
-            <a:lvl8pPr indent="-317500" lvl="7" marL="3657600">
+            <a:lvl8pPr marL="3657600" lvl="7" indent="-317500">
               <a:spcBef>
                 <a:spcPts val="1600"/>
               </a:spcBef>
@@ -2701,7 +2784,7 @@
               <a:buChar char="○"/>
               <a:defRPr/>
             </a:lvl8pPr>
-            <a:lvl9pPr indent="-317500" lvl="8" marL="4114800">
+            <a:lvl9pPr marL="4114800" lvl="8" indent="-317500">
               <a:spcBef>
                 <a:spcPts val="1600"/>
               </a:spcBef>
@@ -2713,15 +2796,19 @@
               <a:defRPr/>
             </a:lvl9pPr>
           </a:lstStyle>
-          <a:p/>
+          <a:p>
+            <a:endParaRPr/>
+          </a:p>
         </p:txBody>
       </p:sp>
       <p:sp>
         <p:nvSpPr>
           <p:cNvPr id="19" name="Google Shape;19;p4"/>
-          <p:cNvSpPr txBox="1"/>
+          <p:cNvSpPr txBox="1">
+            <a:spLocks noGrp="1"/>
+          </p:cNvSpPr>
           <p:nvPr>
-            <p:ph idx="12" type="sldNum"/>
+            <p:ph type="sldNum" idx="12"/>
           </p:nvPr>
         </p:nvSpPr>
         <p:spPr>
@@ -2734,7 +2821,7 @@
           </a:prstGeom>
         </p:spPr>
         <p:txBody>
-          <a:bodyPr anchorCtr="0" anchor="ctr" bIns="91425" lIns="91425" spcFirstLastPara="1" rIns="91425" wrap="square" tIns="91425">
+          <a:bodyPr spcFirstLastPara="1" wrap="square" lIns="91425" tIns="91425" rIns="91425" bIns="91425" anchor="ctr" anchorCtr="0">
             <a:noAutofit/>
           </a:bodyPr>
           <a:lstStyle>
@@ -2776,7 +2863,7 @@
             </a:lvl9pPr>
           </a:lstStyle>
           <a:p>
-            <a:pPr indent="0" lvl="0" marL="0" rtl="0" algn="r">
+            <a:pPr marL="0" lvl="0" indent="0" algn="r" rtl="0">
               <a:spcBef>
                 <a:spcPts val="0"/>
               </a:spcBef>
@@ -2802,11 +2889,11 @@
 </file>
 
 <file path=ppt/slideLayouts/slideLayout4.xml><?xml version="1.0" encoding="utf-8"?>
-<p:sldLayout xmlns:a="http://schemas.openxmlformats.org/drawingml/2006/main" xmlns:r="http://schemas.openxmlformats.org/officeDocument/2006/relationships" xmlns:mc="http://schemas.openxmlformats.org/markup-compatibility/2006" xmlns:mv="urn:schemas-microsoft-com:mac:vml" xmlns:p="http://schemas.openxmlformats.org/presentationml/2006/main" xmlns:c="http://schemas.openxmlformats.org/drawingml/2006/chart" xmlns:dgm="http://schemas.openxmlformats.org/drawingml/2006/diagram" xmlns:o="urn:schemas-microsoft-com:office:office" xmlns:v="urn:schemas-microsoft-com:vml" xmlns:pvml="urn:schemas-microsoft-com:office:powerpoint" xmlns:com="http://schemas.openxmlformats.org/drawingml/2006/compatibility" xmlns:p14="http://schemas.microsoft.com/office/powerpoint/2010/main" xmlns:p15="http://schemas.microsoft.com/office/powerpoint/2012/main" matchingName="Title and two columns" type="twoColTx">
+<p:sldLayout xmlns:a="http://schemas.openxmlformats.org/drawingml/2006/main" xmlns:r="http://schemas.openxmlformats.org/officeDocument/2006/relationships" xmlns:p="http://schemas.openxmlformats.org/presentationml/2006/main" matchingName="Title and two columns" type="twoColTx">
   <p:cSld name="TITLE_AND_TWO_COLUMNS">
     <p:spTree>
       <p:nvGrpSpPr>
-        <p:cNvPr id="20" name="Shape 20"/>
+        <p:cNvPr id="1" name="Shape 20"/>
         <p:cNvGrpSpPr/>
         <p:nvPr/>
       </p:nvGrpSpPr>
@@ -2821,7 +2908,9 @@
       <p:sp>
         <p:nvSpPr>
           <p:cNvPr id="21" name="Google Shape;21;p5"/>
-          <p:cNvSpPr txBox="1"/>
+          <p:cNvSpPr txBox="1">
+            <a:spLocks noGrp="1"/>
+          </p:cNvSpPr>
           <p:nvPr>
             <p:ph type="title"/>
           </p:nvPr>
@@ -2836,7 +2925,7 @@
           </a:prstGeom>
         </p:spPr>
         <p:txBody>
-          <a:bodyPr anchorCtr="0" anchor="t" bIns="91425" lIns="91425" spcFirstLastPara="1" rIns="91425" wrap="square" tIns="91425">
+          <a:bodyPr spcFirstLastPara="1" wrap="square" lIns="91425" tIns="91425" rIns="91425" bIns="91425" anchor="t" anchorCtr="0">
             <a:noAutofit/>
           </a:bodyPr>
           <a:lstStyle>
@@ -2940,15 +3029,19 @@
               <a:defRPr/>
             </a:lvl9pPr>
           </a:lstStyle>
-          <a:p/>
+          <a:p>
+            <a:endParaRPr/>
+          </a:p>
         </p:txBody>
       </p:sp>
       <p:sp>
         <p:nvSpPr>
           <p:cNvPr id="22" name="Google Shape;22;p5"/>
-          <p:cNvSpPr txBox="1"/>
+          <p:cNvSpPr txBox="1">
+            <a:spLocks noGrp="1"/>
+          </p:cNvSpPr>
           <p:nvPr>
-            <p:ph idx="1" type="body"/>
+            <p:ph type="body" idx="1"/>
           </p:nvPr>
         </p:nvSpPr>
         <p:spPr>
@@ -2961,11 +3054,11 @@
           </a:prstGeom>
         </p:spPr>
         <p:txBody>
-          <a:bodyPr anchorCtr="0" anchor="t" bIns="91425" lIns="91425" spcFirstLastPara="1" rIns="91425" wrap="square" tIns="91425">
+          <a:bodyPr spcFirstLastPara="1" wrap="square" lIns="91425" tIns="91425" rIns="91425" bIns="91425" anchor="t" anchorCtr="0">
             <a:noAutofit/>
           </a:bodyPr>
           <a:lstStyle>
-            <a:lvl1pPr indent="-317500" lvl="0" marL="457200">
+            <a:lvl1pPr marL="457200" lvl="0" indent="-317500">
               <a:spcBef>
                 <a:spcPts val="0"/>
               </a:spcBef>
@@ -2976,7 +3069,7 @@
               <a:buChar char="●"/>
               <a:defRPr sz="1400"/>
             </a:lvl1pPr>
-            <a:lvl2pPr indent="-304800" lvl="1" marL="914400">
+            <a:lvl2pPr marL="914400" lvl="1" indent="-304800">
               <a:spcBef>
                 <a:spcPts val="1600"/>
               </a:spcBef>
@@ -2987,7 +3080,7 @@
               <a:buChar char="○"/>
               <a:defRPr sz="1200"/>
             </a:lvl2pPr>
-            <a:lvl3pPr indent="-304800" lvl="2" marL="1371600">
+            <a:lvl3pPr marL="1371600" lvl="2" indent="-304800">
               <a:spcBef>
                 <a:spcPts val="1600"/>
               </a:spcBef>
@@ -2998,7 +3091,7 @@
               <a:buChar char="■"/>
               <a:defRPr sz="1200"/>
             </a:lvl3pPr>
-            <a:lvl4pPr indent="-304800" lvl="3" marL="1828800">
+            <a:lvl4pPr marL="1828800" lvl="3" indent="-304800">
               <a:spcBef>
                 <a:spcPts val="1600"/>
               </a:spcBef>
@@ -3009,7 +3102,7 @@
               <a:buChar char="●"/>
               <a:defRPr sz="1200"/>
             </a:lvl4pPr>
-            <a:lvl5pPr indent="-304800" lvl="4" marL="2286000">
+            <a:lvl5pPr marL="2286000" lvl="4" indent="-304800">
               <a:spcBef>
                 <a:spcPts val="1600"/>
               </a:spcBef>
@@ -3020,7 +3113,7 @@
               <a:buChar char="○"/>
               <a:defRPr sz="1200"/>
             </a:lvl5pPr>
-            <a:lvl6pPr indent="-304800" lvl="5" marL="2743200">
+            <a:lvl6pPr marL="2743200" lvl="5" indent="-304800">
               <a:spcBef>
                 <a:spcPts val="1600"/>
               </a:spcBef>
@@ -3031,7 +3124,7 @@
               <a:buChar char="■"/>
               <a:defRPr sz="1200"/>
             </a:lvl6pPr>
-            <a:lvl7pPr indent="-304800" lvl="6" marL="3200400">
+            <a:lvl7pPr marL="3200400" lvl="6" indent="-304800">
               <a:spcBef>
                 <a:spcPts val="1600"/>
               </a:spcBef>
@@ -3042,7 +3135,7 @@
               <a:buChar char="●"/>
               <a:defRPr sz="1200"/>
             </a:lvl7pPr>
-            <a:lvl8pPr indent="-304800" lvl="7" marL="3657600">
+            <a:lvl8pPr marL="3657600" lvl="7" indent="-304800">
               <a:spcBef>
                 <a:spcPts val="1600"/>
               </a:spcBef>
@@ -3053,7 +3146,7 @@
               <a:buChar char="○"/>
               <a:defRPr sz="1200"/>
             </a:lvl8pPr>
-            <a:lvl9pPr indent="-304800" lvl="8" marL="4114800">
+            <a:lvl9pPr marL="4114800" lvl="8" indent="-304800">
               <a:spcBef>
                 <a:spcPts val="1600"/>
               </a:spcBef>
@@ -3065,15 +3158,19 @@
               <a:defRPr sz="1200"/>
             </a:lvl9pPr>
           </a:lstStyle>
-          <a:p/>
+          <a:p>
+            <a:endParaRPr/>
+          </a:p>
         </p:txBody>
       </p:sp>
       <p:sp>
         <p:nvSpPr>
           <p:cNvPr id="23" name="Google Shape;23;p5"/>
-          <p:cNvSpPr txBox="1"/>
+          <p:cNvSpPr txBox="1">
+            <a:spLocks noGrp="1"/>
+          </p:cNvSpPr>
           <p:nvPr>
-            <p:ph idx="2" type="body"/>
+            <p:ph type="body" idx="2"/>
           </p:nvPr>
         </p:nvSpPr>
         <p:spPr>
@@ -3086,11 +3183,11 @@
           </a:prstGeom>
         </p:spPr>
         <p:txBody>
-          <a:bodyPr anchorCtr="0" anchor="t" bIns="91425" lIns="91425" spcFirstLastPara="1" rIns="91425" wrap="square" tIns="91425">
+          <a:bodyPr spcFirstLastPara="1" wrap="square" lIns="91425" tIns="91425" rIns="91425" bIns="91425" anchor="t" anchorCtr="0">
             <a:noAutofit/>
           </a:bodyPr>
           <a:lstStyle>
-            <a:lvl1pPr indent="-317500" lvl="0" marL="457200">
+            <a:lvl1pPr marL="457200" lvl="0" indent="-317500">
               <a:spcBef>
                 <a:spcPts val="0"/>
               </a:spcBef>
@@ -3101,7 +3198,7 @@
               <a:buChar char="●"/>
               <a:defRPr sz="1400"/>
             </a:lvl1pPr>
-            <a:lvl2pPr indent="-304800" lvl="1" marL="914400">
+            <a:lvl2pPr marL="914400" lvl="1" indent="-304800">
               <a:spcBef>
                 <a:spcPts val="1600"/>
               </a:spcBef>
@@ -3112,7 +3209,7 @@
               <a:buChar char="○"/>
               <a:defRPr sz="1200"/>
             </a:lvl2pPr>
-            <a:lvl3pPr indent="-304800" lvl="2" marL="1371600">
+            <a:lvl3pPr marL="1371600" lvl="2" indent="-304800">
               <a:spcBef>
                 <a:spcPts val="1600"/>
               </a:spcBef>
@@ -3123,7 +3220,7 @@
               <a:buChar char="■"/>
               <a:defRPr sz="1200"/>
             </a:lvl3pPr>
-            <a:lvl4pPr indent="-304800" lvl="3" marL="1828800">
+            <a:lvl4pPr marL="1828800" lvl="3" indent="-304800">
               <a:spcBef>
                 <a:spcPts val="1600"/>
               </a:spcBef>
@@ -3134,7 +3231,7 @@
               <a:buChar char="●"/>
               <a:defRPr sz="1200"/>
             </a:lvl4pPr>
-            <a:lvl5pPr indent="-304800" lvl="4" marL="2286000">
+            <a:lvl5pPr marL="2286000" lvl="4" indent="-304800">
               <a:spcBef>
                 <a:spcPts val="1600"/>
               </a:spcBef>
@@ -3145,7 +3242,7 @@
               <a:buChar char="○"/>
               <a:defRPr sz="1200"/>
             </a:lvl5pPr>
-            <a:lvl6pPr indent="-304800" lvl="5" marL="2743200">
+            <a:lvl6pPr marL="2743200" lvl="5" indent="-304800">
               <a:spcBef>
                 <a:spcPts val="1600"/>
               </a:spcBef>
@@ -3156,7 +3253,7 @@
               <a:buChar char="■"/>
               <a:defRPr sz="1200"/>
             </a:lvl6pPr>
-            <a:lvl7pPr indent="-304800" lvl="6" marL="3200400">
+            <a:lvl7pPr marL="3200400" lvl="6" indent="-304800">
               <a:spcBef>
                 <a:spcPts val="1600"/>
               </a:spcBef>
@@ -3167,7 +3264,7 @@
               <a:buChar char="●"/>
               <a:defRPr sz="1200"/>
             </a:lvl7pPr>
-            <a:lvl8pPr indent="-304800" lvl="7" marL="3657600">
+            <a:lvl8pPr marL="3657600" lvl="7" indent="-304800">
               <a:spcBef>
                 <a:spcPts val="1600"/>
               </a:spcBef>
@@ -3178,7 +3275,7 @@
               <a:buChar char="○"/>
               <a:defRPr sz="1200"/>
             </a:lvl8pPr>
-            <a:lvl9pPr indent="-304800" lvl="8" marL="4114800">
+            <a:lvl9pPr marL="4114800" lvl="8" indent="-304800">
               <a:spcBef>
                 <a:spcPts val="1600"/>
               </a:spcBef>
@@ -3190,15 +3287,19 @@
               <a:defRPr sz="1200"/>
             </a:lvl9pPr>
           </a:lstStyle>
-          <a:p/>
+          <a:p>
+            <a:endParaRPr/>
+          </a:p>
         </p:txBody>
       </p:sp>
       <p:sp>
         <p:nvSpPr>
           <p:cNvPr id="24" name="Google Shape;24;p5"/>
-          <p:cNvSpPr txBox="1"/>
+          <p:cNvSpPr txBox="1">
+            <a:spLocks noGrp="1"/>
+          </p:cNvSpPr>
           <p:nvPr>
-            <p:ph idx="12" type="sldNum"/>
+            <p:ph type="sldNum" idx="12"/>
           </p:nvPr>
         </p:nvSpPr>
         <p:spPr>
@@ -3211,7 +3312,7 @@
           </a:prstGeom>
         </p:spPr>
         <p:txBody>
-          <a:bodyPr anchorCtr="0" anchor="ctr" bIns="91425" lIns="91425" spcFirstLastPara="1" rIns="91425" wrap="square" tIns="91425">
+          <a:bodyPr spcFirstLastPara="1" wrap="square" lIns="91425" tIns="91425" rIns="91425" bIns="91425" anchor="ctr" anchorCtr="0">
             <a:noAutofit/>
           </a:bodyPr>
           <a:lstStyle>
@@ -3253,7 +3354,7 @@
             </a:lvl9pPr>
           </a:lstStyle>
           <a:p>
-            <a:pPr indent="0" lvl="0" marL="0" rtl="0" algn="r">
+            <a:pPr marL="0" lvl="0" indent="0" algn="r" rtl="0">
               <a:spcBef>
                 <a:spcPts val="0"/>
               </a:spcBef>
@@ -3279,11 +3380,11 @@
 </file>
 
 <file path=ppt/slideLayouts/slideLayout5.xml><?xml version="1.0" encoding="utf-8"?>
-<p:sldLayout xmlns:a="http://schemas.openxmlformats.org/drawingml/2006/main" xmlns:r="http://schemas.openxmlformats.org/officeDocument/2006/relationships" xmlns:mc="http://schemas.openxmlformats.org/markup-compatibility/2006" xmlns:mv="urn:schemas-microsoft-com:mac:vml" xmlns:p="http://schemas.openxmlformats.org/presentationml/2006/main" xmlns:c="http://schemas.openxmlformats.org/drawingml/2006/chart" xmlns:dgm="http://schemas.openxmlformats.org/drawingml/2006/diagram" xmlns:o="urn:schemas-microsoft-com:office:office" xmlns:v="urn:schemas-microsoft-com:vml" xmlns:pvml="urn:schemas-microsoft-com:office:powerpoint" xmlns:com="http://schemas.openxmlformats.org/drawingml/2006/compatibility" xmlns:p14="http://schemas.microsoft.com/office/powerpoint/2010/main" xmlns:p15="http://schemas.microsoft.com/office/powerpoint/2012/main" matchingName="Title only" type="titleOnly">
+<p:sldLayout xmlns:a="http://schemas.openxmlformats.org/drawingml/2006/main" xmlns:r="http://schemas.openxmlformats.org/officeDocument/2006/relationships" xmlns:p="http://schemas.openxmlformats.org/presentationml/2006/main" matchingName="Title only" type="titleOnly">
   <p:cSld name="TITLE_ONLY">
     <p:spTree>
       <p:nvGrpSpPr>
-        <p:cNvPr id="25" name="Shape 25"/>
+        <p:cNvPr id="1" name="Shape 25"/>
         <p:cNvGrpSpPr/>
         <p:nvPr/>
       </p:nvGrpSpPr>
@@ -3298,7 +3399,9 @@
       <p:sp>
         <p:nvSpPr>
           <p:cNvPr id="26" name="Google Shape;26;p6"/>
-          <p:cNvSpPr txBox="1"/>
+          <p:cNvSpPr txBox="1">
+            <a:spLocks noGrp="1"/>
+          </p:cNvSpPr>
           <p:nvPr>
             <p:ph type="title"/>
           </p:nvPr>
@@ -3313,7 +3416,7 @@
           </a:prstGeom>
         </p:spPr>
         <p:txBody>
-          <a:bodyPr anchorCtr="0" anchor="t" bIns="91425" lIns="91425" spcFirstLastPara="1" rIns="91425" wrap="square" tIns="91425">
+          <a:bodyPr spcFirstLastPara="1" wrap="square" lIns="91425" tIns="91425" rIns="91425" bIns="91425" anchor="t" anchorCtr="0">
             <a:noAutofit/>
           </a:bodyPr>
           <a:lstStyle>
@@ -3417,15 +3520,19 @@
               <a:defRPr/>
             </a:lvl9pPr>
           </a:lstStyle>
-          <a:p/>
+          <a:p>
+            <a:endParaRPr/>
+          </a:p>
         </p:txBody>
       </p:sp>
       <p:sp>
         <p:nvSpPr>
           <p:cNvPr id="27" name="Google Shape;27;p6"/>
-          <p:cNvSpPr txBox="1"/>
+          <p:cNvSpPr txBox="1">
+            <a:spLocks noGrp="1"/>
+          </p:cNvSpPr>
           <p:nvPr>
-            <p:ph idx="12" type="sldNum"/>
+            <p:ph type="sldNum" idx="12"/>
           </p:nvPr>
         </p:nvSpPr>
         <p:spPr>
@@ -3438,7 +3545,7 @@
           </a:prstGeom>
         </p:spPr>
         <p:txBody>
-          <a:bodyPr anchorCtr="0" anchor="ctr" bIns="91425" lIns="91425" spcFirstLastPara="1" rIns="91425" wrap="square" tIns="91425">
+          <a:bodyPr spcFirstLastPara="1" wrap="square" lIns="91425" tIns="91425" rIns="91425" bIns="91425" anchor="ctr" anchorCtr="0">
             <a:noAutofit/>
           </a:bodyPr>
           <a:lstStyle>
@@ -3480,7 +3587,7 @@
             </a:lvl9pPr>
           </a:lstStyle>
           <a:p>
-            <a:pPr indent="0" lvl="0" marL="0" rtl="0" algn="r">
+            <a:pPr marL="0" lvl="0" indent="0" algn="r" rtl="0">
               <a:spcBef>
                 <a:spcPts val="0"/>
               </a:spcBef>
@@ -3506,11 +3613,11 @@
 </file>
 
 <file path=ppt/slideLayouts/slideLayout6.xml><?xml version="1.0" encoding="utf-8"?>
-<p:sldLayout xmlns:a="http://schemas.openxmlformats.org/drawingml/2006/main" xmlns:r="http://schemas.openxmlformats.org/officeDocument/2006/relationships" xmlns:mc="http://schemas.openxmlformats.org/markup-compatibility/2006" xmlns:mv="urn:schemas-microsoft-com:mac:vml" xmlns:p="http://schemas.openxmlformats.org/presentationml/2006/main" xmlns:c="http://schemas.openxmlformats.org/drawingml/2006/chart" xmlns:dgm="http://schemas.openxmlformats.org/drawingml/2006/diagram" xmlns:o="urn:schemas-microsoft-com:office:office" xmlns:v="urn:schemas-microsoft-com:vml" xmlns:pvml="urn:schemas-microsoft-com:office:powerpoint" xmlns:com="http://schemas.openxmlformats.org/drawingml/2006/compatibility" xmlns:p14="http://schemas.microsoft.com/office/powerpoint/2010/main" xmlns:p15="http://schemas.microsoft.com/office/powerpoint/2012/main" matchingName="One column text">
+<p:sldLayout xmlns:a="http://schemas.openxmlformats.org/drawingml/2006/main" xmlns:r="http://schemas.openxmlformats.org/officeDocument/2006/relationships" xmlns:p="http://schemas.openxmlformats.org/presentationml/2006/main" matchingName="One column text">
   <p:cSld name="ONE_COLUMN_TEXT">
     <p:spTree>
       <p:nvGrpSpPr>
-        <p:cNvPr id="28" name="Shape 28"/>
+        <p:cNvPr id="1" name="Shape 28"/>
         <p:cNvGrpSpPr/>
         <p:nvPr/>
       </p:nvGrpSpPr>
@@ -3525,7 +3632,9 @@
       <p:sp>
         <p:nvSpPr>
           <p:cNvPr id="29" name="Google Shape;29;p7"/>
-          <p:cNvSpPr txBox="1"/>
+          <p:cNvSpPr txBox="1">
+            <a:spLocks noGrp="1"/>
+          </p:cNvSpPr>
           <p:nvPr>
             <p:ph type="title"/>
           </p:nvPr>
@@ -3540,7 +3649,7 @@
           </a:prstGeom>
         </p:spPr>
         <p:txBody>
-          <a:bodyPr anchorCtr="0" anchor="b" bIns="91425" lIns="91425" spcFirstLastPara="1" rIns="91425" wrap="square" tIns="91425">
+          <a:bodyPr spcFirstLastPara="1" wrap="square" lIns="91425" tIns="91425" rIns="91425" bIns="91425" anchor="b" anchorCtr="0">
             <a:noAutofit/>
           </a:bodyPr>
           <a:lstStyle>
@@ -3644,15 +3753,19 @@
               <a:defRPr sz="2400"/>
             </a:lvl9pPr>
           </a:lstStyle>
-          <a:p/>
+          <a:p>
+            <a:endParaRPr/>
+          </a:p>
         </p:txBody>
       </p:sp>
       <p:sp>
         <p:nvSpPr>
           <p:cNvPr id="30" name="Google Shape;30;p7"/>
-          <p:cNvSpPr txBox="1"/>
+          <p:cNvSpPr txBox="1">
+            <a:spLocks noGrp="1"/>
+          </p:cNvSpPr>
           <p:nvPr>
-            <p:ph idx="1" type="body"/>
+            <p:ph type="body" idx="1"/>
           </p:nvPr>
         </p:nvSpPr>
         <p:spPr>
@@ -3665,11 +3778,11 @@
           </a:prstGeom>
         </p:spPr>
         <p:txBody>
-          <a:bodyPr anchorCtr="0" anchor="t" bIns="91425" lIns="91425" spcFirstLastPara="1" rIns="91425" wrap="square" tIns="91425">
+          <a:bodyPr spcFirstLastPara="1" wrap="square" lIns="91425" tIns="91425" rIns="91425" bIns="91425" anchor="t" anchorCtr="0">
             <a:noAutofit/>
           </a:bodyPr>
           <a:lstStyle>
-            <a:lvl1pPr indent="-304800" lvl="0" marL="457200">
+            <a:lvl1pPr marL="457200" lvl="0" indent="-304800">
               <a:spcBef>
                 <a:spcPts val="0"/>
               </a:spcBef>
@@ -3680,7 +3793,7 @@
               <a:buChar char="●"/>
               <a:defRPr sz="1200"/>
             </a:lvl1pPr>
-            <a:lvl2pPr indent="-304800" lvl="1" marL="914400">
+            <a:lvl2pPr marL="914400" lvl="1" indent="-304800">
               <a:spcBef>
                 <a:spcPts val="1600"/>
               </a:spcBef>
@@ -3691,7 +3804,7 @@
               <a:buChar char="○"/>
               <a:defRPr sz="1200"/>
             </a:lvl2pPr>
-            <a:lvl3pPr indent="-304800" lvl="2" marL="1371600">
+            <a:lvl3pPr marL="1371600" lvl="2" indent="-304800">
               <a:spcBef>
                 <a:spcPts val="1600"/>
               </a:spcBef>
@@ -3702,7 +3815,7 @@
               <a:buChar char="■"/>
               <a:defRPr sz="1200"/>
             </a:lvl3pPr>
-            <a:lvl4pPr indent="-304800" lvl="3" marL="1828800">
+            <a:lvl4pPr marL="1828800" lvl="3" indent="-304800">
               <a:spcBef>
                 <a:spcPts val="1600"/>
               </a:spcBef>
@@ -3713,7 +3826,7 @@
               <a:buChar char="●"/>
               <a:defRPr sz="1200"/>
             </a:lvl4pPr>
-            <a:lvl5pPr indent="-304800" lvl="4" marL="2286000">
+            <a:lvl5pPr marL="2286000" lvl="4" indent="-304800">
               <a:spcBef>
                 <a:spcPts val="1600"/>
               </a:spcBef>
@@ -3724,7 +3837,7 @@
               <a:buChar char="○"/>
               <a:defRPr sz="1200"/>
             </a:lvl5pPr>
-            <a:lvl6pPr indent="-304800" lvl="5" marL="2743200">
+            <a:lvl6pPr marL="2743200" lvl="5" indent="-304800">
               <a:spcBef>
                 <a:spcPts val="1600"/>
               </a:spcBef>
@@ -3735,7 +3848,7 @@
               <a:buChar char="■"/>
               <a:defRPr sz="1200"/>
             </a:lvl6pPr>
-            <a:lvl7pPr indent="-304800" lvl="6" marL="3200400">
+            <a:lvl7pPr marL="3200400" lvl="6" indent="-304800">
               <a:spcBef>
                 <a:spcPts val="1600"/>
               </a:spcBef>
@@ -3746,7 +3859,7 @@
               <a:buChar char="●"/>
               <a:defRPr sz="1200"/>
             </a:lvl7pPr>
-            <a:lvl8pPr indent="-304800" lvl="7" marL="3657600">
+            <a:lvl8pPr marL="3657600" lvl="7" indent="-304800">
               <a:spcBef>
                 <a:spcPts val="1600"/>
               </a:spcBef>
@@ -3757,7 +3870,7 @@
               <a:buChar char="○"/>
               <a:defRPr sz="1200"/>
             </a:lvl8pPr>
-            <a:lvl9pPr indent="-304800" lvl="8" marL="4114800">
+            <a:lvl9pPr marL="4114800" lvl="8" indent="-304800">
               <a:spcBef>
                 <a:spcPts val="1600"/>
               </a:spcBef>
@@ -3769,15 +3882,19 @@
               <a:defRPr sz="1200"/>
             </a:lvl9pPr>
           </a:lstStyle>
-          <a:p/>
+          <a:p>
+            <a:endParaRPr/>
+          </a:p>
         </p:txBody>
       </p:sp>
       <p:sp>
         <p:nvSpPr>
           <p:cNvPr id="31" name="Google Shape;31;p7"/>
-          <p:cNvSpPr txBox="1"/>
+          <p:cNvSpPr txBox="1">
+            <a:spLocks noGrp="1"/>
+          </p:cNvSpPr>
           <p:nvPr>
-            <p:ph idx="12" type="sldNum"/>
+            <p:ph type="sldNum" idx="12"/>
           </p:nvPr>
         </p:nvSpPr>
         <p:spPr>
@@ -3790,7 +3907,7 @@
           </a:prstGeom>
         </p:spPr>
         <p:txBody>
-          <a:bodyPr anchorCtr="0" anchor="ctr" bIns="91425" lIns="91425" spcFirstLastPara="1" rIns="91425" wrap="square" tIns="91425">
+          <a:bodyPr spcFirstLastPara="1" wrap="square" lIns="91425" tIns="91425" rIns="91425" bIns="91425" anchor="ctr" anchorCtr="0">
             <a:noAutofit/>
           </a:bodyPr>
           <a:lstStyle>
@@ -3832,7 +3949,7 @@
             </a:lvl9pPr>
           </a:lstStyle>
           <a:p>
-            <a:pPr indent="0" lvl="0" marL="0" rtl="0" algn="r">
+            <a:pPr marL="0" lvl="0" indent="0" algn="r" rtl="0">
               <a:spcBef>
                 <a:spcPts val="0"/>
               </a:spcBef>
@@ -3858,11 +3975,11 @@
 </file>
 
 <file path=ppt/slideLayouts/slideLayout7.xml><?xml version="1.0" encoding="utf-8"?>
-<p:sldLayout xmlns:a="http://schemas.openxmlformats.org/drawingml/2006/main" xmlns:r="http://schemas.openxmlformats.org/officeDocument/2006/relationships" xmlns:mc="http://schemas.openxmlformats.org/markup-compatibility/2006" xmlns:mv="urn:schemas-microsoft-com:mac:vml" xmlns:p="http://schemas.openxmlformats.org/presentationml/2006/main" xmlns:c="http://schemas.openxmlformats.org/drawingml/2006/chart" xmlns:dgm="http://schemas.openxmlformats.org/drawingml/2006/diagram" xmlns:o="urn:schemas-microsoft-com:office:office" xmlns:v="urn:schemas-microsoft-com:vml" xmlns:pvml="urn:schemas-microsoft-com:office:powerpoint" xmlns:com="http://schemas.openxmlformats.org/drawingml/2006/compatibility" xmlns:p14="http://schemas.microsoft.com/office/powerpoint/2010/main" xmlns:p15="http://schemas.microsoft.com/office/powerpoint/2012/main" matchingName="Main point">
+<p:sldLayout xmlns:a="http://schemas.openxmlformats.org/drawingml/2006/main" xmlns:r="http://schemas.openxmlformats.org/officeDocument/2006/relationships" xmlns:p="http://schemas.openxmlformats.org/presentationml/2006/main" matchingName="Main point">
   <p:cSld name="MAIN_POINT">
     <p:spTree>
       <p:nvGrpSpPr>
-        <p:cNvPr id="32" name="Shape 32"/>
+        <p:cNvPr id="1" name="Shape 32"/>
         <p:cNvGrpSpPr/>
         <p:nvPr/>
       </p:nvGrpSpPr>
@@ -3877,7 +3994,9 @@
       <p:sp>
         <p:nvSpPr>
           <p:cNvPr id="33" name="Google Shape;33;p8"/>
-          <p:cNvSpPr txBox="1"/>
+          <p:cNvSpPr txBox="1">
+            <a:spLocks noGrp="1"/>
+          </p:cNvSpPr>
           <p:nvPr>
             <p:ph type="title"/>
           </p:nvPr>
@@ -3892,7 +4011,7 @@
           </a:prstGeom>
         </p:spPr>
         <p:txBody>
-          <a:bodyPr anchorCtr="0" anchor="ctr" bIns="91425" lIns="91425" spcFirstLastPara="1" rIns="91425" wrap="square" tIns="91425">
+          <a:bodyPr spcFirstLastPara="1" wrap="square" lIns="91425" tIns="91425" rIns="91425" bIns="91425" anchor="ctr" anchorCtr="0">
             <a:noAutofit/>
           </a:bodyPr>
           <a:lstStyle>
@@ -3996,15 +4115,19 @@
               <a:defRPr sz="4800"/>
             </a:lvl9pPr>
           </a:lstStyle>
-          <a:p/>
+          <a:p>
+            <a:endParaRPr/>
+          </a:p>
         </p:txBody>
       </p:sp>
       <p:sp>
         <p:nvSpPr>
           <p:cNvPr id="34" name="Google Shape;34;p8"/>
-          <p:cNvSpPr txBox="1"/>
+          <p:cNvSpPr txBox="1">
+            <a:spLocks noGrp="1"/>
+          </p:cNvSpPr>
           <p:nvPr>
-            <p:ph idx="12" type="sldNum"/>
+            <p:ph type="sldNum" idx="12"/>
           </p:nvPr>
         </p:nvSpPr>
         <p:spPr>
@@ -4017,7 +4140,7 @@
           </a:prstGeom>
         </p:spPr>
         <p:txBody>
-          <a:bodyPr anchorCtr="0" anchor="ctr" bIns="91425" lIns="91425" spcFirstLastPara="1" rIns="91425" wrap="square" tIns="91425">
+          <a:bodyPr spcFirstLastPara="1" wrap="square" lIns="91425" tIns="91425" rIns="91425" bIns="91425" anchor="ctr" anchorCtr="0">
             <a:noAutofit/>
           </a:bodyPr>
           <a:lstStyle>
@@ -4059,7 +4182,7 @@
             </a:lvl9pPr>
           </a:lstStyle>
           <a:p>
-            <a:pPr indent="0" lvl="0" marL="0" rtl="0" algn="r">
+            <a:pPr marL="0" lvl="0" indent="0" algn="r" rtl="0">
               <a:spcBef>
                 <a:spcPts val="0"/>
               </a:spcBef>
@@ -4085,11 +4208,11 @@
 </file>
 
 <file path=ppt/slideLayouts/slideLayout8.xml><?xml version="1.0" encoding="utf-8"?>
-<p:sldLayout xmlns:a="http://schemas.openxmlformats.org/drawingml/2006/main" xmlns:r="http://schemas.openxmlformats.org/officeDocument/2006/relationships" xmlns:mc="http://schemas.openxmlformats.org/markup-compatibility/2006" xmlns:mv="urn:schemas-microsoft-com:mac:vml" xmlns:p="http://schemas.openxmlformats.org/presentationml/2006/main" xmlns:c="http://schemas.openxmlformats.org/drawingml/2006/chart" xmlns:dgm="http://schemas.openxmlformats.org/drawingml/2006/diagram" xmlns:o="urn:schemas-microsoft-com:office:office" xmlns:v="urn:schemas-microsoft-com:vml" xmlns:pvml="urn:schemas-microsoft-com:office:powerpoint" xmlns:com="http://schemas.openxmlformats.org/drawingml/2006/compatibility" xmlns:p14="http://schemas.microsoft.com/office/powerpoint/2010/main" xmlns:p15="http://schemas.microsoft.com/office/powerpoint/2012/main" matchingName="Section title and description">
+<p:sldLayout xmlns:a="http://schemas.openxmlformats.org/drawingml/2006/main" xmlns:r="http://schemas.openxmlformats.org/officeDocument/2006/relationships" xmlns:p="http://schemas.openxmlformats.org/presentationml/2006/main" matchingName="Section title and description">
   <p:cSld name="SECTION_TITLE_AND_DESCRIPTION">
     <p:spTree>
       <p:nvGrpSpPr>
-        <p:cNvPr id="35" name="Shape 35"/>
+        <p:cNvPr id="1" name="Shape 35"/>
         <p:cNvGrpSpPr/>
         <p:nvPr/>
       </p:nvGrpSpPr>
@@ -4123,12 +4246,12 @@
           </a:ln>
         </p:spPr>
         <p:txBody>
-          <a:bodyPr anchorCtr="0" anchor="ctr" bIns="91425" lIns="91425" spcFirstLastPara="1" rIns="91425" wrap="square" tIns="91425">
+          <a:bodyPr spcFirstLastPara="1" wrap="square" lIns="91425" tIns="91425" rIns="91425" bIns="91425" anchor="ctr" anchorCtr="0">
             <a:noAutofit/>
           </a:bodyPr>
           <a:lstStyle/>
           <a:p>
-            <a:pPr indent="0" lvl="0" marL="0" rtl="0" algn="l">
+            <a:pPr marL="0" lvl="0" indent="0" algn="l" rtl="0">
               <a:spcBef>
                 <a:spcPts val="0"/>
               </a:spcBef>
@@ -4137,9 +4260,6 @@
               </a:spcAft>
               <a:buNone/>
             </a:pPr>
-            <a:r>
-              <a:t/>
-            </a:r>
             <a:endParaRPr/>
           </a:p>
         </p:txBody>
@@ -4147,7 +4267,9 @@
       <p:sp>
         <p:nvSpPr>
           <p:cNvPr id="37" name="Google Shape;37;p9"/>
-          <p:cNvSpPr txBox="1"/>
+          <p:cNvSpPr txBox="1">
+            <a:spLocks noGrp="1"/>
+          </p:cNvSpPr>
           <p:nvPr>
             <p:ph type="title"/>
           </p:nvPr>
@@ -4162,7 +4284,7 @@
           </a:prstGeom>
         </p:spPr>
         <p:txBody>
-          <a:bodyPr anchorCtr="0" anchor="b" bIns="91425" lIns="91425" spcFirstLastPara="1" rIns="91425" wrap="square" tIns="91425">
+          <a:bodyPr spcFirstLastPara="1" wrap="square" lIns="91425" tIns="91425" rIns="91425" bIns="91425" anchor="b" anchorCtr="0">
             <a:noAutofit/>
           </a:bodyPr>
           <a:lstStyle>
@@ -4266,15 +4388,19 @@
               <a:defRPr sz="4200"/>
             </a:lvl9pPr>
           </a:lstStyle>
-          <a:p/>
+          <a:p>
+            <a:endParaRPr/>
+          </a:p>
         </p:txBody>
       </p:sp>
       <p:sp>
         <p:nvSpPr>
           <p:cNvPr id="38" name="Google Shape;38;p9"/>
-          <p:cNvSpPr txBox="1"/>
+          <p:cNvSpPr txBox="1">
+            <a:spLocks noGrp="1"/>
+          </p:cNvSpPr>
           <p:nvPr>
-            <p:ph idx="1" type="subTitle"/>
+            <p:ph type="subTitle" idx="1"/>
           </p:nvPr>
         </p:nvSpPr>
         <p:spPr>
@@ -4287,7 +4413,7 @@
           </a:prstGeom>
         </p:spPr>
         <p:txBody>
-          <a:bodyPr anchorCtr="0" anchor="t" bIns="91425" lIns="91425" spcFirstLastPara="1" rIns="91425" wrap="square" tIns="91425">
+          <a:bodyPr spcFirstLastPara="1" wrap="square" lIns="91425" tIns="91425" rIns="91425" bIns="91425" anchor="t" anchorCtr="0">
             <a:noAutofit/>
           </a:bodyPr>
           <a:lstStyle>
@@ -4418,15 +4544,19 @@
               <a:defRPr sz="2100"/>
             </a:lvl9pPr>
           </a:lstStyle>
-          <a:p/>
+          <a:p>
+            <a:endParaRPr/>
+          </a:p>
         </p:txBody>
       </p:sp>
       <p:sp>
         <p:nvSpPr>
           <p:cNvPr id="39" name="Google Shape;39;p9"/>
-          <p:cNvSpPr txBox="1"/>
+          <p:cNvSpPr txBox="1">
+            <a:spLocks noGrp="1"/>
+          </p:cNvSpPr>
           <p:nvPr>
-            <p:ph idx="2" type="body"/>
+            <p:ph type="body" idx="2"/>
           </p:nvPr>
         </p:nvSpPr>
         <p:spPr>
@@ -4439,11 +4569,11 @@
           </a:prstGeom>
         </p:spPr>
         <p:txBody>
-          <a:bodyPr anchorCtr="0" anchor="ctr" bIns="91425" lIns="91425" spcFirstLastPara="1" rIns="91425" wrap="square" tIns="91425">
+          <a:bodyPr spcFirstLastPara="1" wrap="square" lIns="91425" tIns="91425" rIns="91425" bIns="91425" anchor="ctr" anchorCtr="0">
             <a:noAutofit/>
           </a:bodyPr>
           <a:lstStyle>
-            <a:lvl1pPr indent="-342900" lvl="0" marL="457200">
+            <a:lvl1pPr marL="457200" lvl="0" indent="-342900">
               <a:spcBef>
                 <a:spcPts val="0"/>
               </a:spcBef>
@@ -4454,7 +4584,7 @@
               <a:buChar char="●"/>
               <a:defRPr/>
             </a:lvl1pPr>
-            <a:lvl2pPr indent="-317500" lvl="1" marL="914400">
+            <a:lvl2pPr marL="914400" lvl="1" indent="-317500">
               <a:spcBef>
                 <a:spcPts val="1600"/>
               </a:spcBef>
@@ -4465,7 +4595,7 @@
               <a:buChar char="○"/>
               <a:defRPr/>
             </a:lvl2pPr>
-            <a:lvl3pPr indent="-317500" lvl="2" marL="1371600">
+            <a:lvl3pPr marL="1371600" lvl="2" indent="-317500">
               <a:spcBef>
                 <a:spcPts val="1600"/>
               </a:spcBef>
@@ -4476,7 +4606,7 @@
               <a:buChar char="■"/>
               <a:defRPr/>
             </a:lvl3pPr>
-            <a:lvl4pPr indent="-317500" lvl="3" marL="1828800">
+            <a:lvl4pPr marL="1828800" lvl="3" indent="-317500">
               <a:spcBef>
                 <a:spcPts val="1600"/>
               </a:spcBef>
@@ -4487,7 +4617,7 @@
               <a:buChar char="●"/>
               <a:defRPr/>
             </a:lvl4pPr>
-            <a:lvl5pPr indent="-317500" lvl="4" marL="2286000">
+            <a:lvl5pPr marL="2286000" lvl="4" indent="-317500">
               <a:spcBef>
                 <a:spcPts val="1600"/>
               </a:spcBef>
@@ -4498,7 +4628,7 @@
               <a:buChar char="○"/>
               <a:defRPr/>
             </a:lvl5pPr>
-            <a:lvl6pPr indent="-317500" lvl="5" marL="2743200">
+            <a:lvl6pPr marL="2743200" lvl="5" indent="-317500">
               <a:spcBef>
                 <a:spcPts val="1600"/>
               </a:spcBef>
@@ -4509,7 +4639,7 @@
               <a:buChar char="■"/>
               <a:defRPr/>
             </a:lvl6pPr>
-            <a:lvl7pPr indent="-317500" lvl="6" marL="3200400">
+            <a:lvl7pPr marL="3200400" lvl="6" indent="-317500">
               <a:spcBef>
                 <a:spcPts val="1600"/>
               </a:spcBef>
@@ -4520,7 +4650,7 @@
               <a:buChar char="●"/>
               <a:defRPr/>
             </a:lvl7pPr>
-            <a:lvl8pPr indent="-317500" lvl="7" marL="3657600">
+            <a:lvl8pPr marL="3657600" lvl="7" indent="-317500">
               <a:spcBef>
                 <a:spcPts val="1600"/>
               </a:spcBef>
@@ -4531,7 +4661,7 @@
               <a:buChar char="○"/>
               <a:defRPr/>
             </a:lvl8pPr>
-            <a:lvl9pPr indent="-317500" lvl="8" marL="4114800">
+            <a:lvl9pPr marL="4114800" lvl="8" indent="-317500">
               <a:spcBef>
                 <a:spcPts val="1600"/>
               </a:spcBef>
@@ -4543,15 +4673,19 @@
               <a:defRPr/>
             </a:lvl9pPr>
           </a:lstStyle>
-          <a:p/>
+          <a:p>
+            <a:endParaRPr/>
+          </a:p>
         </p:txBody>
       </p:sp>
       <p:sp>
         <p:nvSpPr>
           <p:cNvPr id="40" name="Google Shape;40;p9"/>
-          <p:cNvSpPr txBox="1"/>
+          <p:cNvSpPr txBox="1">
+            <a:spLocks noGrp="1"/>
+          </p:cNvSpPr>
           <p:nvPr>
-            <p:ph idx="12" type="sldNum"/>
+            <p:ph type="sldNum" idx="12"/>
           </p:nvPr>
         </p:nvSpPr>
         <p:spPr>
@@ -4564,7 +4698,7 @@
           </a:prstGeom>
         </p:spPr>
         <p:txBody>
-          <a:bodyPr anchorCtr="0" anchor="ctr" bIns="91425" lIns="91425" spcFirstLastPara="1" rIns="91425" wrap="square" tIns="91425">
+          <a:bodyPr spcFirstLastPara="1" wrap="square" lIns="91425" tIns="91425" rIns="91425" bIns="91425" anchor="ctr" anchorCtr="0">
             <a:noAutofit/>
           </a:bodyPr>
           <a:lstStyle>
@@ -4606,7 +4740,7 @@
             </a:lvl9pPr>
           </a:lstStyle>
           <a:p>
-            <a:pPr indent="0" lvl="0" marL="0" rtl="0" algn="r">
+            <a:pPr marL="0" lvl="0" indent="0" algn="r" rtl="0">
               <a:spcBef>
                 <a:spcPts val="0"/>
               </a:spcBef>
@@ -4632,11 +4766,11 @@
 </file>
 
 <file path=ppt/slideLayouts/slideLayout9.xml><?xml version="1.0" encoding="utf-8"?>
-<p:sldLayout xmlns:a="http://schemas.openxmlformats.org/drawingml/2006/main" xmlns:r="http://schemas.openxmlformats.org/officeDocument/2006/relationships" xmlns:mc="http://schemas.openxmlformats.org/markup-compatibility/2006" xmlns:mv="urn:schemas-microsoft-com:mac:vml" xmlns:p="http://schemas.openxmlformats.org/presentationml/2006/main" xmlns:c="http://schemas.openxmlformats.org/drawingml/2006/chart" xmlns:dgm="http://schemas.openxmlformats.org/drawingml/2006/diagram" xmlns:o="urn:schemas-microsoft-com:office:office" xmlns:v="urn:schemas-microsoft-com:vml" xmlns:pvml="urn:schemas-microsoft-com:office:powerpoint" xmlns:com="http://schemas.openxmlformats.org/drawingml/2006/compatibility" xmlns:p14="http://schemas.microsoft.com/office/powerpoint/2010/main" xmlns:p15="http://schemas.microsoft.com/office/powerpoint/2012/main" matchingName="Caption">
+<p:sldLayout xmlns:a="http://schemas.openxmlformats.org/drawingml/2006/main" xmlns:r="http://schemas.openxmlformats.org/officeDocument/2006/relationships" xmlns:p="http://schemas.openxmlformats.org/presentationml/2006/main" matchingName="Caption">
   <p:cSld name="CAPTION_ONLY">
     <p:spTree>
       <p:nvGrpSpPr>
-        <p:cNvPr id="41" name="Shape 41"/>
+        <p:cNvPr id="1" name="Shape 41"/>
         <p:cNvGrpSpPr/>
         <p:nvPr/>
       </p:nvGrpSpPr>
@@ -4651,9 +4785,11 @@
       <p:sp>
         <p:nvSpPr>
           <p:cNvPr id="42" name="Google Shape;42;p10"/>
-          <p:cNvSpPr txBox="1"/>
+          <p:cNvSpPr txBox="1">
+            <a:spLocks noGrp="1"/>
+          </p:cNvSpPr>
           <p:nvPr>
-            <p:ph idx="1" type="body"/>
+            <p:ph type="body" idx="1"/>
           </p:nvPr>
         </p:nvSpPr>
         <p:spPr>
@@ -4666,11 +4802,11 @@
           </a:prstGeom>
         </p:spPr>
         <p:txBody>
-          <a:bodyPr anchorCtr="0" anchor="ctr" bIns="91425" lIns="91425" spcFirstLastPara="1" rIns="91425" wrap="square" tIns="91425">
+          <a:bodyPr spcFirstLastPara="1" wrap="square" lIns="91425" tIns="91425" rIns="91425" bIns="91425" anchor="ctr" anchorCtr="0">
             <a:noAutofit/>
           </a:bodyPr>
           <a:lstStyle>
-            <a:lvl1pPr indent="-228600" lvl="0" marL="457200">
+            <a:lvl1pPr marL="457200" lvl="0" indent="-228600">
               <a:lnSpc>
                 <a:spcPct val="100000"/>
               </a:lnSpc>
@@ -4685,15 +4821,19 @@
               <a:defRPr/>
             </a:lvl1pPr>
           </a:lstStyle>
-          <a:p/>
+          <a:p>
+            <a:endParaRPr/>
+          </a:p>
         </p:txBody>
       </p:sp>
       <p:sp>
         <p:nvSpPr>
           <p:cNvPr id="43" name="Google Shape;43;p10"/>
-          <p:cNvSpPr txBox="1"/>
+          <p:cNvSpPr txBox="1">
+            <a:spLocks noGrp="1"/>
+          </p:cNvSpPr>
           <p:nvPr>
-            <p:ph idx="12" type="sldNum"/>
+            <p:ph type="sldNum" idx="12"/>
           </p:nvPr>
         </p:nvSpPr>
         <p:spPr>
@@ -4706,7 +4846,7 @@
           </a:prstGeom>
         </p:spPr>
         <p:txBody>
-          <a:bodyPr anchorCtr="0" anchor="ctr" bIns="91425" lIns="91425" spcFirstLastPara="1" rIns="91425" wrap="square" tIns="91425">
+          <a:bodyPr spcFirstLastPara="1" wrap="square" lIns="91425" tIns="91425" rIns="91425" bIns="91425" anchor="ctr" anchorCtr="0">
             <a:noAutofit/>
           </a:bodyPr>
           <a:lstStyle>
@@ -4748,7 +4888,7 @@
             </a:lvl9pPr>
           </a:lstStyle>
           <a:p>
-            <a:pPr indent="0" lvl="0" marL="0" rtl="0" algn="r">
+            <a:pPr marL="0" lvl="0" indent="0" algn="r" rtl="0">
               <a:spcBef>
                 <a:spcPts val="0"/>
               </a:spcBef>
@@ -4774,18 +4914,19 @@
 </file>
 
 <file path=ppt/slideMasters/slideMaster1.xml><?xml version="1.0" encoding="utf-8"?>
-<p:sldMaster xmlns:a="http://schemas.openxmlformats.org/drawingml/2006/main" xmlns:r="http://schemas.openxmlformats.org/officeDocument/2006/relationships" xmlns:mc="http://schemas.openxmlformats.org/markup-compatibility/2006" xmlns:mv="urn:schemas-microsoft-com:mac:vml" xmlns:p="http://schemas.openxmlformats.org/presentationml/2006/main" xmlns:c="http://schemas.openxmlformats.org/drawingml/2006/chart" xmlns:dgm="http://schemas.openxmlformats.org/drawingml/2006/diagram" xmlns:o="urn:schemas-microsoft-com:office:office" xmlns:v="urn:schemas-microsoft-com:vml" xmlns:pvml="urn:schemas-microsoft-com:office:powerpoint" xmlns:com="http://schemas.openxmlformats.org/drawingml/2006/compatibility" xmlns:p14="http://schemas.microsoft.com/office/powerpoint/2010/main" xmlns:p15="http://schemas.microsoft.com/office/powerpoint/2012/main">
+<p:sldMaster xmlns:a="http://schemas.openxmlformats.org/drawingml/2006/main" xmlns:r="http://schemas.openxmlformats.org/officeDocument/2006/relationships" xmlns:p="http://schemas.openxmlformats.org/presentationml/2006/main">
   <p:cSld name="simple-light-2">
     <p:bg>
       <p:bgPr>
         <a:solidFill>
           <a:schemeClr val="lt1"/>
         </a:solidFill>
+        <a:effectLst/>
       </p:bgPr>
     </p:bg>
     <p:spTree>
       <p:nvGrpSpPr>
-        <p:cNvPr id="5" name="Shape 5"/>
+        <p:cNvPr id="1" name="Shape 5"/>
         <p:cNvGrpSpPr/>
         <p:nvPr/>
       </p:nvGrpSpPr>
@@ -4800,7 +4941,9 @@
       <p:sp>
         <p:nvSpPr>
           <p:cNvPr id="6" name="Google Shape;6;p1"/>
-          <p:cNvSpPr txBox="1"/>
+          <p:cNvSpPr txBox="1">
+            <a:spLocks noGrp="1"/>
+          </p:cNvSpPr>
           <p:nvPr>
             <p:ph type="title"/>
           </p:nvPr>
@@ -4819,7 +4962,7 @@
           </a:ln>
         </p:spPr>
         <p:txBody>
-          <a:bodyPr anchorCtr="0" anchor="t" bIns="91425" lIns="91425" spcFirstLastPara="1" rIns="91425" wrap="square" tIns="91425">
+          <a:bodyPr spcFirstLastPara="1" wrap="square" lIns="91425" tIns="91425" rIns="91425" bIns="91425" anchor="t" anchorCtr="0">
             <a:noAutofit/>
           </a:bodyPr>
           <a:lstStyle>
@@ -4986,15 +5129,19 @@
               </a:defRPr>
             </a:lvl9pPr>
           </a:lstStyle>
-          <a:p/>
+          <a:p>
+            <a:endParaRPr/>
+          </a:p>
         </p:txBody>
       </p:sp>
       <p:sp>
         <p:nvSpPr>
           <p:cNvPr id="7" name="Google Shape;7;p1"/>
-          <p:cNvSpPr txBox="1"/>
+          <p:cNvSpPr txBox="1">
+            <a:spLocks noGrp="1"/>
+          </p:cNvSpPr>
           <p:nvPr>
-            <p:ph idx="1" type="body"/>
+            <p:ph type="body" idx="1"/>
           </p:nvPr>
         </p:nvSpPr>
         <p:spPr>
@@ -5011,11 +5158,11 @@
           </a:ln>
         </p:spPr>
         <p:txBody>
-          <a:bodyPr anchorCtr="0" anchor="t" bIns="91425" lIns="91425" spcFirstLastPara="1" rIns="91425" wrap="square" tIns="91425">
+          <a:bodyPr spcFirstLastPara="1" wrap="square" lIns="91425" tIns="91425" rIns="91425" bIns="91425" anchor="t" anchorCtr="0">
             <a:noAutofit/>
           </a:bodyPr>
           <a:lstStyle>
-            <a:lvl1pPr indent="-342900" lvl="0" marL="457200">
+            <a:lvl1pPr marL="457200" lvl="0" indent="-342900">
               <a:lnSpc>
                 <a:spcPct val="115000"/>
               </a:lnSpc>
@@ -5036,7 +5183,7 @@
                 </a:solidFill>
               </a:defRPr>
             </a:lvl1pPr>
-            <a:lvl2pPr indent="-317500" lvl="1" marL="914400">
+            <a:lvl2pPr marL="914400" lvl="1" indent="-317500">
               <a:lnSpc>
                 <a:spcPct val="115000"/>
               </a:lnSpc>
@@ -5057,7 +5204,7 @@
                 </a:solidFill>
               </a:defRPr>
             </a:lvl2pPr>
-            <a:lvl3pPr indent="-317500" lvl="2" marL="1371600">
+            <a:lvl3pPr marL="1371600" lvl="2" indent="-317500">
               <a:lnSpc>
                 <a:spcPct val="115000"/>
               </a:lnSpc>
@@ -5078,7 +5225,7 @@
                 </a:solidFill>
               </a:defRPr>
             </a:lvl3pPr>
-            <a:lvl4pPr indent="-317500" lvl="3" marL="1828800">
+            <a:lvl4pPr marL="1828800" lvl="3" indent="-317500">
               <a:lnSpc>
                 <a:spcPct val="115000"/>
               </a:lnSpc>
@@ -5099,7 +5246,7 @@
                 </a:solidFill>
               </a:defRPr>
             </a:lvl4pPr>
-            <a:lvl5pPr indent="-317500" lvl="4" marL="2286000">
+            <a:lvl5pPr marL="2286000" lvl="4" indent="-317500">
               <a:lnSpc>
                 <a:spcPct val="115000"/>
               </a:lnSpc>
@@ -5120,7 +5267,7 @@
                 </a:solidFill>
               </a:defRPr>
             </a:lvl5pPr>
-            <a:lvl6pPr indent="-317500" lvl="5" marL="2743200">
+            <a:lvl6pPr marL="2743200" lvl="5" indent="-317500">
               <a:lnSpc>
                 <a:spcPct val="115000"/>
               </a:lnSpc>
@@ -5141,7 +5288,7 @@
                 </a:solidFill>
               </a:defRPr>
             </a:lvl6pPr>
-            <a:lvl7pPr indent="-317500" lvl="6" marL="3200400">
+            <a:lvl7pPr marL="3200400" lvl="6" indent="-317500">
               <a:lnSpc>
                 <a:spcPct val="115000"/>
               </a:lnSpc>
@@ -5162,7 +5309,7 @@
                 </a:solidFill>
               </a:defRPr>
             </a:lvl7pPr>
-            <a:lvl8pPr indent="-317500" lvl="7" marL="3657600">
+            <a:lvl8pPr marL="3657600" lvl="7" indent="-317500">
               <a:lnSpc>
                 <a:spcPct val="115000"/>
               </a:lnSpc>
@@ -5183,7 +5330,7 @@
                 </a:solidFill>
               </a:defRPr>
             </a:lvl8pPr>
-            <a:lvl9pPr indent="-317500" lvl="8" marL="4114800">
+            <a:lvl9pPr marL="4114800" lvl="8" indent="-317500">
               <a:lnSpc>
                 <a:spcPct val="115000"/>
               </a:lnSpc>
@@ -5205,15 +5352,19 @@
               </a:defRPr>
             </a:lvl9pPr>
           </a:lstStyle>
-          <a:p/>
+          <a:p>
+            <a:endParaRPr/>
+          </a:p>
         </p:txBody>
       </p:sp>
       <p:sp>
         <p:nvSpPr>
           <p:cNvPr id="8" name="Google Shape;8;p1"/>
-          <p:cNvSpPr txBox="1"/>
+          <p:cNvSpPr txBox="1">
+            <a:spLocks noGrp="1"/>
+          </p:cNvSpPr>
           <p:nvPr>
-            <p:ph idx="12" type="sldNum"/>
+            <p:ph type="sldNum" idx="12"/>
           </p:nvPr>
         </p:nvSpPr>
         <p:spPr>
@@ -5230,7 +5381,7 @@
           </a:ln>
         </p:spPr>
         <p:txBody>
-          <a:bodyPr anchorCtr="0" anchor="ctr" bIns="91425" lIns="91425" spcFirstLastPara="1" rIns="91425" wrap="square" tIns="91425">
+          <a:bodyPr spcFirstLastPara="1" wrap="square" lIns="91425" tIns="91425" rIns="91425" bIns="91425" anchor="ctr" anchorCtr="0">
             <a:noAutofit/>
           </a:bodyPr>
           <a:lstStyle>
@@ -5308,7 +5459,7 @@
             </a:lvl9pPr>
           </a:lstStyle>
           <a:p>
-            <a:pPr indent="0" lvl="0" marL="0" rtl="0" algn="r">
+            <a:pPr marL="0" lvl="0" indent="0" algn="r" rtl="0">
               <a:spcBef>
                 <a:spcPts val="0"/>
               </a:spcBef>
@@ -5327,7 +5478,7 @@
       </p:sp>
     </p:spTree>
   </p:cSld>
-  <p:clrMap accent1="accent1" accent2="accent2" accent3="accent3" accent4="accent4" accent5="accent5" accent6="accent6" bg1="lt1" bg2="dk2" tx1="dk1" tx2="lt2" folHlink="folHlink" hlink="hlink"/>
+  <p:clrMap bg1="lt1" tx1="dk1" bg2="dk2" tx2="lt2" accent1="accent1" accent2="accent2" accent3="accent3" accent4="accent4" accent5="accent5" accent6="accent6" hlink="hlink" folHlink="folHlink"/>
   <p:sldLayoutIdLst>
     <p:sldLayoutId id="2147483648" r:id="rId1"/>
     <p:sldLayoutId id="2147483649" r:id="rId2"/>
@@ -5341,10 +5492,10 @@
     <p:sldLayoutId id="2147483657" r:id="rId10"/>
     <p:sldLayoutId id="2147483658" r:id="rId11"/>
   </p:sldLayoutIdLst>
-  <p:hf dt="0" ftr="0" hdr="0" sldNum="0"/>
+  <p:hf sldNum="0" hdr="0" ftr="0" dt="0"/>
   <p:txStyles>
     <p:titleStyle>
-      <a:defPPr lvl="0" marR="0" rtl="0" algn="l">
+      <a:defPPr marR="0" lvl="0" algn="l" rtl="0">
         <a:lnSpc>
           <a:spcPct val="100000"/>
         </a:lnSpc>
@@ -5355,7 +5506,7 @@
           <a:spcPts val="0"/>
         </a:spcAft>
       </a:defPPr>
-      <a:lvl1pPr lvl="0" marR="0" rtl="0" algn="l">
+      <a:lvl1pPr marR="0" lvl="0" algn="l" rtl="0">
         <a:lnSpc>
           <a:spcPct val="100000"/>
         </a:lnSpc>
@@ -5369,7 +5520,7 @@
           <a:srgbClr val="000000"/>
         </a:buClr>
         <a:buFont typeface="Arial"/>
-        <a:defRPr b="0" i="0" sz="1400" u="none" cap="none" strike="noStrike">
+        <a:defRPr sz="1400" b="0" i="0" u="none" strike="noStrike" cap="none">
           <a:solidFill>
             <a:srgbClr val="000000"/>
           </a:solidFill>
@@ -5379,7 +5530,7 @@
           <a:sym typeface="Arial"/>
         </a:defRPr>
       </a:lvl1pPr>
-      <a:lvl2pPr lvl="1" marR="0" rtl="0" algn="l">
+      <a:lvl2pPr marR="0" lvl="1" algn="l" rtl="0">
         <a:lnSpc>
           <a:spcPct val="100000"/>
         </a:lnSpc>
@@ -5393,7 +5544,7 @@
           <a:srgbClr val="000000"/>
         </a:buClr>
         <a:buFont typeface="Arial"/>
-        <a:defRPr b="0" i="0" sz="1400" u="none" cap="none" strike="noStrike">
+        <a:defRPr sz="1400" b="0" i="0" u="none" strike="noStrike" cap="none">
           <a:solidFill>
             <a:srgbClr val="000000"/>
           </a:solidFill>
@@ -5403,7 +5554,7 @@
           <a:sym typeface="Arial"/>
         </a:defRPr>
       </a:lvl2pPr>
-      <a:lvl3pPr lvl="2" marR="0" rtl="0" algn="l">
+      <a:lvl3pPr marR="0" lvl="2" algn="l" rtl="0">
         <a:lnSpc>
           <a:spcPct val="100000"/>
         </a:lnSpc>
@@ -5417,7 +5568,7 @@
           <a:srgbClr val="000000"/>
         </a:buClr>
         <a:buFont typeface="Arial"/>
-        <a:defRPr b="0" i="0" sz="1400" u="none" cap="none" strike="noStrike">
+        <a:defRPr sz="1400" b="0" i="0" u="none" strike="noStrike" cap="none">
           <a:solidFill>
             <a:srgbClr val="000000"/>
           </a:solidFill>
@@ -5427,7 +5578,7 @@
           <a:sym typeface="Arial"/>
         </a:defRPr>
       </a:lvl3pPr>
-      <a:lvl4pPr lvl="3" marR="0" rtl="0" algn="l">
+      <a:lvl4pPr marR="0" lvl="3" algn="l" rtl="0">
         <a:lnSpc>
           <a:spcPct val="100000"/>
         </a:lnSpc>
@@ -5441,7 +5592,7 @@
           <a:srgbClr val="000000"/>
         </a:buClr>
         <a:buFont typeface="Arial"/>
-        <a:defRPr b="0" i="0" sz="1400" u="none" cap="none" strike="noStrike">
+        <a:defRPr sz="1400" b="0" i="0" u="none" strike="noStrike" cap="none">
           <a:solidFill>
             <a:srgbClr val="000000"/>
           </a:solidFill>
@@ -5451,7 +5602,7 @@
           <a:sym typeface="Arial"/>
         </a:defRPr>
       </a:lvl4pPr>
-      <a:lvl5pPr lvl="4" marR="0" rtl="0" algn="l">
+      <a:lvl5pPr marR="0" lvl="4" algn="l" rtl="0">
         <a:lnSpc>
           <a:spcPct val="100000"/>
         </a:lnSpc>
@@ -5465,7 +5616,7 @@
           <a:srgbClr val="000000"/>
         </a:buClr>
         <a:buFont typeface="Arial"/>
-        <a:defRPr b="0" i="0" sz="1400" u="none" cap="none" strike="noStrike">
+        <a:defRPr sz="1400" b="0" i="0" u="none" strike="noStrike" cap="none">
           <a:solidFill>
             <a:srgbClr val="000000"/>
           </a:solidFill>
@@ -5475,7 +5626,7 @@
           <a:sym typeface="Arial"/>
         </a:defRPr>
       </a:lvl5pPr>
-      <a:lvl6pPr lvl="5" marR="0" rtl="0" algn="l">
+      <a:lvl6pPr marR="0" lvl="5" algn="l" rtl="0">
         <a:lnSpc>
           <a:spcPct val="100000"/>
         </a:lnSpc>
@@ -5489,7 +5640,7 @@
           <a:srgbClr val="000000"/>
         </a:buClr>
         <a:buFont typeface="Arial"/>
-        <a:defRPr b="0" i="0" sz="1400" u="none" cap="none" strike="noStrike">
+        <a:defRPr sz="1400" b="0" i="0" u="none" strike="noStrike" cap="none">
           <a:solidFill>
             <a:srgbClr val="000000"/>
           </a:solidFill>
@@ -5499,7 +5650,7 @@
           <a:sym typeface="Arial"/>
         </a:defRPr>
       </a:lvl6pPr>
-      <a:lvl7pPr lvl="6" marR="0" rtl="0" algn="l">
+      <a:lvl7pPr marR="0" lvl="6" algn="l" rtl="0">
         <a:lnSpc>
           <a:spcPct val="100000"/>
         </a:lnSpc>
@@ -5513,7 +5664,7 @@
           <a:srgbClr val="000000"/>
         </a:buClr>
         <a:buFont typeface="Arial"/>
-        <a:defRPr b="0" i="0" sz="1400" u="none" cap="none" strike="noStrike">
+        <a:defRPr sz="1400" b="0" i="0" u="none" strike="noStrike" cap="none">
           <a:solidFill>
             <a:srgbClr val="000000"/>
           </a:solidFill>
@@ -5523,7 +5674,7 @@
           <a:sym typeface="Arial"/>
         </a:defRPr>
       </a:lvl7pPr>
-      <a:lvl8pPr lvl="7" marR="0" rtl="0" algn="l">
+      <a:lvl8pPr marR="0" lvl="7" algn="l" rtl="0">
         <a:lnSpc>
           <a:spcPct val="100000"/>
         </a:lnSpc>
@@ -5537,7 +5688,7 @@
           <a:srgbClr val="000000"/>
         </a:buClr>
         <a:buFont typeface="Arial"/>
-        <a:defRPr b="0" i="0" sz="1400" u="none" cap="none" strike="noStrike">
+        <a:defRPr sz="1400" b="0" i="0" u="none" strike="noStrike" cap="none">
           <a:solidFill>
             <a:srgbClr val="000000"/>
           </a:solidFill>
@@ -5547,7 +5698,7 @@
           <a:sym typeface="Arial"/>
         </a:defRPr>
       </a:lvl8pPr>
-      <a:lvl9pPr lvl="8" marR="0" rtl="0" algn="l">
+      <a:lvl9pPr marR="0" lvl="8" algn="l" rtl="0">
         <a:lnSpc>
           <a:spcPct val="100000"/>
         </a:lnSpc>
@@ -5561,7 +5712,7 @@
           <a:srgbClr val="000000"/>
         </a:buClr>
         <a:buFont typeface="Arial"/>
-        <a:defRPr b="0" i="0" sz="1400" u="none" cap="none" strike="noStrike">
+        <a:defRPr sz="1400" b="0" i="0" u="none" strike="noStrike" cap="none">
           <a:solidFill>
             <a:srgbClr val="000000"/>
           </a:solidFill>
@@ -5573,7 +5724,7 @@
       </a:lvl9pPr>
     </p:titleStyle>
     <p:bodyStyle>
-      <a:defPPr lvl="0" marR="0" rtl="0" algn="l">
+      <a:defPPr marR="0" lvl="0" algn="l" rtl="0">
         <a:lnSpc>
           <a:spcPct val="100000"/>
         </a:lnSpc>
@@ -5584,7 +5735,7 @@
           <a:spcPts val="0"/>
         </a:spcAft>
       </a:defPPr>
-      <a:lvl1pPr lvl="0" marR="0" rtl="0" algn="l">
+      <a:lvl1pPr marR="0" lvl="0" algn="l" rtl="0">
         <a:lnSpc>
           <a:spcPct val="100000"/>
         </a:lnSpc>
@@ -5598,7 +5749,7 @@
           <a:srgbClr val="000000"/>
         </a:buClr>
         <a:buFont typeface="Arial"/>
-        <a:defRPr b="0" i="0" sz="1400" u="none" cap="none" strike="noStrike">
+        <a:defRPr sz="1400" b="0" i="0" u="none" strike="noStrike" cap="none">
           <a:solidFill>
             <a:srgbClr val="000000"/>
           </a:solidFill>
@@ -5608,7 +5759,7 @@
           <a:sym typeface="Arial"/>
         </a:defRPr>
       </a:lvl1pPr>
-      <a:lvl2pPr lvl="1" marR="0" rtl="0" algn="l">
+      <a:lvl2pPr marR="0" lvl="1" algn="l" rtl="0">
         <a:lnSpc>
           <a:spcPct val="100000"/>
         </a:lnSpc>
@@ -5622,7 +5773,7 @@
           <a:srgbClr val="000000"/>
         </a:buClr>
         <a:buFont typeface="Arial"/>
-        <a:defRPr b="0" i="0" sz="1400" u="none" cap="none" strike="noStrike">
+        <a:defRPr sz="1400" b="0" i="0" u="none" strike="noStrike" cap="none">
           <a:solidFill>
             <a:srgbClr val="000000"/>
           </a:solidFill>
@@ -5632,7 +5783,7 @@
           <a:sym typeface="Arial"/>
         </a:defRPr>
       </a:lvl2pPr>
-      <a:lvl3pPr lvl="2" marR="0" rtl="0" algn="l">
+      <a:lvl3pPr marR="0" lvl="2" algn="l" rtl="0">
         <a:lnSpc>
           <a:spcPct val="100000"/>
         </a:lnSpc>
@@ -5646,7 +5797,7 @@
           <a:srgbClr val="000000"/>
         </a:buClr>
         <a:buFont typeface="Arial"/>
-        <a:defRPr b="0" i="0" sz="1400" u="none" cap="none" strike="noStrike">
+        <a:defRPr sz="1400" b="0" i="0" u="none" strike="noStrike" cap="none">
           <a:solidFill>
             <a:srgbClr val="000000"/>
           </a:solidFill>
@@ -5656,7 +5807,7 @@
           <a:sym typeface="Arial"/>
         </a:defRPr>
       </a:lvl3pPr>
-      <a:lvl4pPr lvl="3" marR="0" rtl="0" algn="l">
+      <a:lvl4pPr marR="0" lvl="3" algn="l" rtl="0">
         <a:lnSpc>
           <a:spcPct val="100000"/>
         </a:lnSpc>
@@ -5670,7 +5821,7 @@
           <a:srgbClr val="000000"/>
         </a:buClr>
         <a:buFont typeface="Arial"/>
-        <a:defRPr b="0" i="0" sz="1400" u="none" cap="none" strike="noStrike">
+        <a:defRPr sz="1400" b="0" i="0" u="none" strike="noStrike" cap="none">
           <a:solidFill>
             <a:srgbClr val="000000"/>
           </a:solidFill>
@@ -5680,7 +5831,7 @@
           <a:sym typeface="Arial"/>
         </a:defRPr>
       </a:lvl4pPr>
-      <a:lvl5pPr lvl="4" marR="0" rtl="0" algn="l">
+      <a:lvl5pPr marR="0" lvl="4" algn="l" rtl="0">
         <a:lnSpc>
           <a:spcPct val="100000"/>
         </a:lnSpc>
@@ -5694,7 +5845,7 @@
           <a:srgbClr val="000000"/>
         </a:buClr>
         <a:buFont typeface="Arial"/>
-        <a:defRPr b="0" i="0" sz="1400" u="none" cap="none" strike="noStrike">
+        <a:defRPr sz="1400" b="0" i="0" u="none" strike="noStrike" cap="none">
           <a:solidFill>
             <a:srgbClr val="000000"/>
           </a:solidFill>
@@ -5704,7 +5855,7 @@
           <a:sym typeface="Arial"/>
         </a:defRPr>
       </a:lvl5pPr>
-      <a:lvl6pPr lvl="5" marR="0" rtl="0" algn="l">
+      <a:lvl6pPr marR="0" lvl="5" algn="l" rtl="0">
         <a:lnSpc>
           <a:spcPct val="100000"/>
         </a:lnSpc>
@@ -5718,7 +5869,7 @@
           <a:srgbClr val="000000"/>
         </a:buClr>
         <a:buFont typeface="Arial"/>
-        <a:defRPr b="0" i="0" sz="1400" u="none" cap="none" strike="noStrike">
+        <a:defRPr sz="1400" b="0" i="0" u="none" strike="noStrike" cap="none">
           <a:solidFill>
             <a:srgbClr val="000000"/>
           </a:solidFill>
@@ -5728,7 +5879,7 @@
           <a:sym typeface="Arial"/>
         </a:defRPr>
       </a:lvl6pPr>
-      <a:lvl7pPr lvl="6" marR="0" rtl="0" algn="l">
+      <a:lvl7pPr marR="0" lvl="6" algn="l" rtl="0">
         <a:lnSpc>
           <a:spcPct val="100000"/>
         </a:lnSpc>
@@ -5742,7 +5893,7 @@
           <a:srgbClr val="000000"/>
         </a:buClr>
         <a:buFont typeface="Arial"/>
-        <a:defRPr b="0" i="0" sz="1400" u="none" cap="none" strike="noStrike">
+        <a:defRPr sz="1400" b="0" i="0" u="none" strike="noStrike" cap="none">
           <a:solidFill>
             <a:srgbClr val="000000"/>
           </a:solidFill>
@@ -5752,7 +5903,7 @@
           <a:sym typeface="Arial"/>
         </a:defRPr>
       </a:lvl7pPr>
-      <a:lvl8pPr lvl="7" marR="0" rtl="0" algn="l">
+      <a:lvl8pPr marR="0" lvl="7" algn="l" rtl="0">
         <a:lnSpc>
           <a:spcPct val="100000"/>
         </a:lnSpc>
@@ -5766,7 +5917,7 @@
           <a:srgbClr val="000000"/>
         </a:buClr>
         <a:buFont typeface="Arial"/>
-        <a:defRPr b="0" i="0" sz="1400" u="none" cap="none" strike="noStrike">
+        <a:defRPr sz="1400" b="0" i="0" u="none" strike="noStrike" cap="none">
           <a:solidFill>
             <a:srgbClr val="000000"/>
           </a:solidFill>
@@ -5776,7 +5927,7 @@
           <a:sym typeface="Arial"/>
         </a:defRPr>
       </a:lvl8pPr>
-      <a:lvl9pPr lvl="8" marR="0" rtl="0" algn="l">
+      <a:lvl9pPr marR="0" lvl="8" algn="l" rtl="0">
         <a:lnSpc>
           <a:spcPct val="100000"/>
         </a:lnSpc>
@@ -5790,7 +5941,7 @@
           <a:srgbClr val="000000"/>
         </a:buClr>
         <a:buFont typeface="Arial"/>
-        <a:defRPr b="0" i="0" sz="1400" u="none" cap="none" strike="noStrike">
+        <a:defRPr sz="1400" b="0" i="0" u="none" strike="noStrike" cap="none">
           <a:solidFill>
             <a:srgbClr val="000000"/>
           </a:solidFill>
@@ -5802,7 +5953,7 @@
       </a:lvl9pPr>
     </p:bodyStyle>
     <p:otherStyle>
-      <a:defPPr lvl="0" marR="0" rtl="0" algn="l">
+      <a:defPPr marR="0" lvl="0" algn="l" rtl="0">
         <a:lnSpc>
           <a:spcPct val="100000"/>
         </a:lnSpc>
@@ -5813,7 +5964,7 @@
           <a:spcPts val="0"/>
         </a:spcAft>
       </a:defPPr>
-      <a:lvl1pPr lvl="0" marR="0" rtl="0" algn="l">
+      <a:lvl1pPr marR="0" lvl="0" algn="l" rtl="0">
         <a:lnSpc>
           <a:spcPct val="100000"/>
         </a:lnSpc>
@@ -5827,7 +5978,7 @@
           <a:srgbClr val="000000"/>
         </a:buClr>
         <a:buFont typeface="Arial"/>
-        <a:defRPr b="0" i="0" sz="1400" u="none" cap="none" strike="noStrike">
+        <a:defRPr sz="1400" b="0" i="0" u="none" strike="noStrike" cap="none">
           <a:solidFill>
             <a:srgbClr val="000000"/>
           </a:solidFill>
@@ -5837,7 +5988,7 @@
           <a:sym typeface="Arial"/>
         </a:defRPr>
       </a:lvl1pPr>
-      <a:lvl2pPr lvl="1" marR="0" rtl="0" algn="l">
+      <a:lvl2pPr marR="0" lvl="1" algn="l" rtl="0">
         <a:lnSpc>
           <a:spcPct val="100000"/>
         </a:lnSpc>
@@ -5851,7 +6002,7 @@
           <a:srgbClr val="000000"/>
         </a:buClr>
         <a:buFont typeface="Arial"/>
-        <a:defRPr b="0" i="0" sz="1400" u="none" cap="none" strike="noStrike">
+        <a:defRPr sz="1400" b="0" i="0" u="none" strike="noStrike" cap="none">
           <a:solidFill>
             <a:srgbClr val="000000"/>
           </a:solidFill>
@@ -5861,7 +6012,7 @@
           <a:sym typeface="Arial"/>
         </a:defRPr>
       </a:lvl2pPr>
-      <a:lvl3pPr lvl="2" marR="0" rtl="0" algn="l">
+      <a:lvl3pPr marR="0" lvl="2" algn="l" rtl="0">
         <a:lnSpc>
           <a:spcPct val="100000"/>
         </a:lnSpc>
@@ -5875,7 +6026,7 @@
           <a:srgbClr val="000000"/>
         </a:buClr>
         <a:buFont typeface="Arial"/>
-        <a:defRPr b="0" i="0" sz="1400" u="none" cap="none" strike="noStrike">
+        <a:defRPr sz="1400" b="0" i="0" u="none" strike="noStrike" cap="none">
           <a:solidFill>
             <a:srgbClr val="000000"/>
           </a:solidFill>
@@ -5885,7 +6036,7 @@
           <a:sym typeface="Arial"/>
         </a:defRPr>
       </a:lvl3pPr>
-      <a:lvl4pPr lvl="3" marR="0" rtl="0" algn="l">
+      <a:lvl4pPr marR="0" lvl="3" algn="l" rtl="0">
         <a:lnSpc>
           <a:spcPct val="100000"/>
         </a:lnSpc>
@@ -5899,7 +6050,7 @@
           <a:srgbClr val="000000"/>
         </a:buClr>
         <a:buFont typeface="Arial"/>
-        <a:defRPr b="0" i="0" sz="1400" u="none" cap="none" strike="noStrike">
+        <a:defRPr sz="1400" b="0" i="0" u="none" strike="noStrike" cap="none">
           <a:solidFill>
             <a:srgbClr val="000000"/>
           </a:solidFill>
@@ -5909,7 +6060,7 @@
           <a:sym typeface="Arial"/>
         </a:defRPr>
       </a:lvl4pPr>
-      <a:lvl5pPr lvl="4" marR="0" rtl="0" algn="l">
+      <a:lvl5pPr marR="0" lvl="4" algn="l" rtl="0">
         <a:lnSpc>
           <a:spcPct val="100000"/>
         </a:lnSpc>
@@ -5923,7 +6074,7 @@
           <a:srgbClr val="000000"/>
         </a:buClr>
         <a:buFont typeface="Arial"/>
-        <a:defRPr b="0" i="0" sz="1400" u="none" cap="none" strike="noStrike">
+        <a:defRPr sz="1400" b="0" i="0" u="none" strike="noStrike" cap="none">
           <a:solidFill>
             <a:srgbClr val="000000"/>
           </a:solidFill>
@@ -5933,7 +6084,7 @@
           <a:sym typeface="Arial"/>
         </a:defRPr>
       </a:lvl5pPr>
-      <a:lvl6pPr lvl="5" marR="0" rtl="0" algn="l">
+      <a:lvl6pPr marR="0" lvl="5" algn="l" rtl="0">
         <a:lnSpc>
           <a:spcPct val="100000"/>
         </a:lnSpc>
@@ -5947,7 +6098,7 @@
           <a:srgbClr val="000000"/>
         </a:buClr>
         <a:buFont typeface="Arial"/>
-        <a:defRPr b="0" i="0" sz="1400" u="none" cap="none" strike="noStrike">
+        <a:defRPr sz="1400" b="0" i="0" u="none" strike="noStrike" cap="none">
           <a:solidFill>
             <a:srgbClr val="000000"/>
           </a:solidFill>
@@ -5957,7 +6108,7 @@
           <a:sym typeface="Arial"/>
         </a:defRPr>
       </a:lvl6pPr>
-      <a:lvl7pPr lvl="6" marR="0" rtl="0" algn="l">
+      <a:lvl7pPr marR="0" lvl="6" algn="l" rtl="0">
         <a:lnSpc>
           <a:spcPct val="100000"/>
         </a:lnSpc>
@@ -5971,7 +6122,7 @@
           <a:srgbClr val="000000"/>
         </a:buClr>
         <a:buFont typeface="Arial"/>
-        <a:defRPr b="0" i="0" sz="1400" u="none" cap="none" strike="noStrike">
+        <a:defRPr sz="1400" b="0" i="0" u="none" strike="noStrike" cap="none">
           <a:solidFill>
             <a:srgbClr val="000000"/>
           </a:solidFill>
@@ -5981,7 +6132,7 @@
           <a:sym typeface="Arial"/>
         </a:defRPr>
       </a:lvl7pPr>
-      <a:lvl8pPr lvl="7" marR="0" rtl="0" algn="l">
+      <a:lvl8pPr marR="0" lvl="7" algn="l" rtl="0">
         <a:lnSpc>
           <a:spcPct val="100000"/>
         </a:lnSpc>
@@ -5995,7 +6146,7 @@
           <a:srgbClr val="000000"/>
         </a:buClr>
         <a:buFont typeface="Arial"/>
-        <a:defRPr b="0" i="0" sz="1400" u="none" cap="none" strike="noStrike">
+        <a:defRPr sz="1400" b="0" i="0" u="none" strike="noStrike" cap="none">
           <a:solidFill>
             <a:srgbClr val="000000"/>
           </a:solidFill>
@@ -6005,7 +6156,7 @@
           <a:sym typeface="Arial"/>
         </a:defRPr>
       </a:lvl8pPr>
-      <a:lvl9pPr lvl="8" marR="0" rtl="0" algn="l">
+      <a:lvl9pPr marR="0" lvl="8" algn="l" rtl="0">
         <a:lnSpc>
           <a:spcPct val="100000"/>
         </a:lnSpc>
@@ -6019,7 +6170,7 @@
           <a:srgbClr val="000000"/>
         </a:buClr>
         <a:buFont typeface="Arial"/>
-        <a:defRPr b="0" i="0" sz="1400" u="none" cap="none" strike="noStrike">
+        <a:defRPr sz="1400" b="0" i="0" u="none" strike="noStrike" cap="none">
           <a:solidFill>
             <a:srgbClr val="000000"/>
           </a:solidFill>
@@ -6035,11 +6186,11 @@
 </file>
 
 <file path=ppt/slides/slide1.xml><?xml version="1.0" encoding="utf-8"?>
-<p:sld xmlns:a="http://schemas.openxmlformats.org/drawingml/2006/main" xmlns:r="http://schemas.openxmlformats.org/officeDocument/2006/relationships" xmlns:mc="http://schemas.openxmlformats.org/markup-compatibility/2006" xmlns:mv="urn:schemas-microsoft-com:mac:vml" xmlns:p="http://schemas.openxmlformats.org/presentationml/2006/main" xmlns:c="http://schemas.openxmlformats.org/drawingml/2006/chart" xmlns:dgm="http://schemas.openxmlformats.org/drawingml/2006/diagram" xmlns:o="urn:schemas-microsoft-com:office:office" xmlns:v="urn:schemas-microsoft-com:vml" xmlns:pvml="urn:schemas-microsoft-com:office:powerpoint" xmlns:com="http://schemas.openxmlformats.org/drawingml/2006/compatibility" xmlns:p14="http://schemas.microsoft.com/office/powerpoint/2010/main" xmlns:p15="http://schemas.microsoft.com/office/powerpoint/2012/main">
+<p:sld xmlns:a="http://schemas.openxmlformats.org/drawingml/2006/main" xmlns:r="http://schemas.openxmlformats.org/officeDocument/2006/relationships" xmlns:p="http://schemas.openxmlformats.org/presentationml/2006/main">
   <p:cSld>
     <p:spTree>
       <p:nvGrpSpPr>
-        <p:cNvPr id="53" name="Shape 53"/>
+        <p:cNvPr id="1" name="Shape 53"/>
         <p:cNvGrpSpPr/>
         <p:nvPr/>
       </p:nvGrpSpPr>
@@ -6054,7 +6205,9 @@
       <p:sp>
         <p:nvSpPr>
           <p:cNvPr id="54" name="Google Shape;54;p13"/>
-          <p:cNvSpPr txBox="1"/>
+          <p:cNvSpPr txBox="1">
+            <a:spLocks noGrp="1"/>
+          </p:cNvSpPr>
           <p:nvPr>
             <p:ph type="ctrTitle"/>
           </p:nvPr>
@@ -6069,12 +6222,12 @@
           </a:prstGeom>
         </p:spPr>
         <p:txBody>
-          <a:bodyPr anchorCtr="0" anchor="b" bIns="91425" lIns="91425" spcFirstLastPara="1" rIns="91425" wrap="square" tIns="91425">
+          <a:bodyPr spcFirstLastPara="1" wrap="square" lIns="91425" tIns="91425" rIns="91425" bIns="91425" anchor="b" anchorCtr="0">
             <a:noAutofit/>
           </a:bodyPr>
           <a:lstStyle/>
           <a:p>
-            <a:pPr indent="0" lvl="0" marL="0" rtl="0" algn="ctr">
+            <a:pPr marL="0" lvl="0" indent="0" algn="ctr" rtl="0">
               <a:spcBef>
                 <a:spcPts val="0"/>
               </a:spcBef>
@@ -6094,9 +6247,11 @@
       <p:sp>
         <p:nvSpPr>
           <p:cNvPr id="55" name="Google Shape;55;p13"/>
-          <p:cNvSpPr txBox="1"/>
+          <p:cNvSpPr txBox="1">
+            <a:spLocks noGrp="1"/>
+          </p:cNvSpPr>
           <p:nvPr>
-            <p:ph idx="1" type="subTitle"/>
+            <p:ph type="subTitle" idx="1"/>
           </p:nvPr>
         </p:nvSpPr>
         <p:spPr>
@@ -6109,12 +6264,12 @@
           </a:prstGeom>
         </p:spPr>
         <p:txBody>
-          <a:bodyPr anchorCtr="0" anchor="t" bIns="91425" lIns="91425" spcFirstLastPara="1" rIns="91425" wrap="square" tIns="91425">
+          <a:bodyPr spcFirstLastPara="1" wrap="square" lIns="91425" tIns="91425" rIns="91425" bIns="91425" anchor="t" anchorCtr="0">
             <a:noAutofit/>
           </a:bodyPr>
           <a:lstStyle/>
           <a:p>
-            <a:pPr indent="0" lvl="0" marL="0" rtl="0" algn="ctr">
+            <a:pPr marL="0" lvl="0" indent="0" algn="ctr" rtl="0">
               <a:spcBef>
                 <a:spcPts val="0"/>
               </a:spcBef>
@@ -6140,11 +6295,11 @@
 </file>
 
 <file path=ppt/slides/slide2.xml><?xml version="1.0" encoding="utf-8"?>
-<p:sld xmlns:a="http://schemas.openxmlformats.org/drawingml/2006/main" xmlns:r="http://schemas.openxmlformats.org/officeDocument/2006/relationships" xmlns:mc="http://schemas.openxmlformats.org/markup-compatibility/2006" xmlns:mv="urn:schemas-microsoft-com:mac:vml" xmlns:p="http://schemas.openxmlformats.org/presentationml/2006/main" xmlns:c="http://schemas.openxmlformats.org/drawingml/2006/chart" xmlns:dgm="http://schemas.openxmlformats.org/drawingml/2006/diagram" xmlns:o="urn:schemas-microsoft-com:office:office" xmlns:v="urn:schemas-microsoft-com:vml" xmlns:pvml="urn:schemas-microsoft-com:office:powerpoint" xmlns:com="http://schemas.openxmlformats.org/drawingml/2006/compatibility" xmlns:p14="http://schemas.microsoft.com/office/powerpoint/2010/main" xmlns:p15="http://schemas.microsoft.com/office/powerpoint/2012/main">
+<p:sld xmlns:a="http://schemas.openxmlformats.org/drawingml/2006/main" xmlns:r="http://schemas.openxmlformats.org/officeDocument/2006/relationships" xmlns:p="http://schemas.openxmlformats.org/presentationml/2006/main">
   <p:cSld>
     <p:spTree>
       <p:nvGrpSpPr>
-        <p:cNvPr id="59" name="Shape 59"/>
+        <p:cNvPr id="1" name="Shape 59"/>
         <p:cNvGrpSpPr/>
         <p:nvPr/>
       </p:nvGrpSpPr>
@@ -6159,7 +6314,9 @@
       <p:sp>
         <p:nvSpPr>
           <p:cNvPr id="60" name="Google Shape;60;p14"/>
-          <p:cNvSpPr txBox="1"/>
+          <p:cNvSpPr txBox="1">
+            <a:spLocks noGrp="1"/>
+          </p:cNvSpPr>
           <p:nvPr>
             <p:ph type="ctrTitle"/>
           </p:nvPr>
@@ -6174,12 +6331,12 @@
           </a:prstGeom>
         </p:spPr>
         <p:txBody>
-          <a:bodyPr anchorCtr="0" anchor="b" bIns="91425" lIns="91425" spcFirstLastPara="1" rIns="91425" wrap="square" tIns="91425">
+          <a:bodyPr spcFirstLastPara="1" wrap="square" lIns="91425" tIns="91425" rIns="91425" bIns="91425" anchor="b" anchorCtr="0">
             <a:noAutofit/>
           </a:bodyPr>
           <a:lstStyle/>
           <a:p>
-            <a:pPr indent="0" lvl="0" marL="0" rtl="0" algn="ctr">
+            <a:pPr marL="0" lvl="0" indent="0" algn="ctr" rtl="0">
               <a:spcBef>
                 <a:spcPts val="0"/>
               </a:spcBef>
@@ -6199,9 +6356,11 @@
       <p:sp>
         <p:nvSpPr>
           <p:cNvPr id="61" name="Google Shape;61;p14"/>
-          <p:cNvSpPr txBox="1"/>
+          <p:cNvSpPr txBox="1">
+            <a:spLocks noGrp="1"/>
+          </p:cNvSpPr>
           <p:nvPr>
-            <p:ph idx="1" type="subTitle"/>
+            <p:ph type="subTitle" idx="1"/>
           </p:nvPr>
         </p:nvSpPr>
         <p:spPr>
@@ -6214,12 +6373,12 @@
           </a:prstGeom>
         </p:spPr>
         <p:txBody>
-          <a:bodyPr anchorCtr="0" anchor="t" bIns="91425" lIns="91425" spcFirstLastPara="1" rIns="91425" wrap="square" tIns="91425">
+          <a:bodyPr spcFirstLastPara="1" wrap="square" lIns="91425" tIns="91425" rIns="91425" bIns="91425" anchor="t" anchorCtr="0">
             <a:noAutofit/>
           </a:bodyPr>
           <a:lstStyle/>
           <a:p>
-            <a:pPr indent="0" lvl="0" marL="0" rtl="0" algn="ctr">
+            <a:pPr marL="0" lvl="0" indent="0" algn="ctr" rtl="0">
               <a:spcBef>
                 <a:spcPts val="0"/>
               </a:spcBef>
@@ -6228,9 +6387,6 @@
               </a:spcAft>
               <a:buNone/>
             </a:pPr>
-            <a:r>
-              <a:t/>
-            </a:r>
             <a:endParaRPr/>
           </a:p>
         </p:txBody>
@@ -6244,11 +6400,11 @@
 </file>
 
 <file path=ppt/slides/slide3.xml><?xml version="1.0" encoding="utf-8"?>
-<p:sld xmlns:a="http://schemas.openxmlformats.org/drawingml/2006/main" xmlns:r="http://schemas.openxmlformats.org/officeDocument/2006/relationships" xmlns:mc="http://schemas.openxmlformats.org/markup-compatibility/2006" xmlns:mv="urn:schemas-microsoft-com:mac:vml" xmlns:p="http://schemas.openxmlformats.org/presentationml/2006/main" xmlns:c="http://schemas.openxmlformats.org/drawingml/2006/chart" xmlns:dgm="http://schemas.openxmlformats.org/drawingml/2006/diagram" xmlns:o="urn:schemas-microsoft-com:office:office" xmlns:v="urn:schemas-microsoft-com:vml" xmlns:pvml="urn:schemas-microsoft-com:office:powerpoint" xmlns:com="http://schemas.openxmlformats.org/drawingml/2006/compatibility" xmlns:p14="http://schemas.microsoft.com/office/powerpoint/2010/main" xmlns:p15="http://schemas.microsoft.com/office/powerpoint/2012/main">
+<p:sld xmlns:a="http://schemas.openxmlformats.org/drawingml/2006/main" xmlns:r="http://schemas.openxmlformats.org/officeDocument/2006/relationships" xmlns:p="http://schemas.openxmlformats.org/presentationml/2006/main">
   <p:cSld>
     <p:spTree>
       <p:nvGrpSpPr>
-        <p:cNvPr id="65" name="Shape 65"/>
+        <p:cNvPr id="1" name="Shape 65"/>
         <p:cNvGrpSpPr/>
         <p:nvPr/>
       </p:nvGrpSpPr>
@@ -6263,7 +6419,9 @@
       <p:sp>
         <p:nvSpPr>
           <p:cNvPr id="66" name="Google Shape;66;p15"/>
-          <p:cNvSpPr txBox="1"/>
+          <p:cNvSpPr txBox="1">
+            <a:spLocks noGrp="1"/>
+          </p:cNvSpPr>
           <p:nvPr>
             <p:ph type="ctrTitle"/>
           </p:nvPr>
@@ -6278,12 +6436,12 @@
           </a:prstGeom>
         </p:spPr>
         <p:txBody>
-          <a:bodyPr anchorCtr="0" anchor="b" bIns="91425" lIns="91425" spcFirstLastPara="1" rIns="91425" wrap="square" tIns="91425">
+          <a:bodyPr spcFirstLastPara="1" wrap="square" lIns="91425" tIns="91425" rIns="91425" bIns="91425" anchor="b" anchorCtr="0">
             <a:noAutofit/>
           </a:bodyPr>
           <a:lstStyle/>
           <a:p>
-            <a:pPr indent="0" lvl="0" marL="0" rtl="0" algn="ctr">
+            <a:pPr marL="0" lvl="0" indent="0" algn="ctr" rtl="0">
               <a:spcBef>
                 <a:spcPts val="0"/>
               </a:spcBef>
@@ -6293,19 +6451,21 @@
               <a:buNone/>
             </a:pPr>
             <a:r>
-              <a:rPr b="1" lang="en" sz="1800"/>
+              <a:rPr lang="en" sz="1800" b="1"/>
               <a:t>Concept:</a:t>
             </a:r>
-            <a:endParaRPr b="1" sz="1800"/>
+            <a:endParaRPr sz="1800" b="1"/>
           </a:p>
         </p:txBody>
       </p:sp>
       <p:sp>
         <p:nvSpPr>
           <p:cNvPr id="67" name="Google Shape;67;p15"/>
-          <p:cNvSpPr txBox="1"/>
+          <p:cNvSpPr txBox="1">
+            <a:spLocks noGrp="1"/>
+          </p:cNvSpPr>
           <p:nvPr>
-            <p:ph idx="1" type="subTitle"/>
+            <p:ph type="subTitle" idx="1"/>
           </p:nvPr>
         </p:nvSpPr>
         <p:spPr>
@@ -6318,12 +6478,12 @@
           </a:prstGeom>
         </p:spPr>
         <p:txBody>
-          <a:bodyPr anchorCtr="0" anchor="t" bIns="91425" lIns="91425" spcFirstLastPara="1" rIns="91425" wrap="square" tIns="91425">
+          <a:bodyPr spcFirstLastPara="1" wrap="square" lIns="91425" tIns="91425" rIns="91425" bIns="91425" anchor="t" anchorCtr="0">
             <a:noAutofit/>
           </a:bodyPr>
           <a:lstStyle/>
           <a:p>
-            <a:pPr indent="0" lvl="0" marL="0" rtl="0" algn="ctr">
+            <a:pPr marL="0" lvl="0" indent="0" algn="ctr" rtl="0">
               <a:spcBef>
                 <a:spcPts val="0"/>
               </a:spcBef>
@@ -6339,7 +6499,19 @@
             <a:endParaRPr sz="1800"/>
           </a:p>
           <a:p>
-            <a:pPr indent="0" lvl="0" marL="0" rtl="0" algn="ctr">
+            <a:pPr marL="0" lvl="0" indent="0" algn="ctr" rtl="0">
+              <a:spcBef>
+                <a:spcPts val="0"/>
+              </a:spcBef>
+              <a:spcAft>
+                <a:spcPts val="0"/>
+              </a:spcAft>
+              <a:buNone/>
+            </a:pPr>
+            <a:endParaRPr sz="1800"/>
+          </a:p>
+          <a:p>
+            <a:pPr marL="0" lvl="0" indent="0" algn="ctr" rtl="0">
               <a:spcBef>
                 <a:spcPts val="0"/>
               </a:spcBef>
@@ -6349,28 +6521,13 @@
               <a:buNone/>
             </a:pPr>
             <a:r>
-              <a:t/>
-            </a:r>
-            <a:endParaRPr sz="1800"/>
-          </a:p>
-          <a:p>
-            <a:pPr indent="0" lvl="0" marL="0" rtl="0" algn="ctr">
-              <a:spcBef>
-                <a:spcPts val="0"/>
-              </a:spcBef>
-              <a:spcAft>
-                <a:spcPts val="0"/>
-              </a:spcAft>
-              <a:buNone/>
-            </a:pPr>
-            <a:r>
-              <a:rPr b="1" lang="en" sz="1800"/>
+              <a:rPr lang="en" sz="1800" b="1"/>
               <a:t>Motivation:</a:t>
             </a:r>
-            <a:endParaRPr b="1" sz="1800"/>
-          </a:p>
-          <a:p>
-            <a:pPr indent="0" lvl="0" marL="0" rtl="0" algn="ctr">
+            <a:endParaRPr sz="1800" b="1"/>
+          </a:p>
+          <a:p>
+            <a:pPr marL="0" lvl="0" indent="0" algn="ctr" rtl="0">
               <a:spcBef>
                 <a:spcPts val="0"/>
               </a:spcBef>
@@ -6386,7 +6543,19 @@
             <a:endParaRPr sz="1800"/>
           </a:p>
           <a:p>
-            <a:pPr indent="0" lvl="0" marL="0" rtl="0" algn="ctr">
+            <a:pPr marL="0" lvl="0" indent="0" algn="ctr" rtl="0">
+              <a:spcBef>
+                <a:spcPts val="0"/>
+              </a:spcBef>
+              <a:spcAft>
+                <a:spcPts val="0"/>
+              </a:spcAft>
+              <a:buNone/>
+            </a:pPr>
+            <a:endParaRPr sz="1800"/>
+          </a:p>
+          <a:p>
+            <a:pPr marL="0" lvl="0" indent="0" algn="ctr" rtl="0">
               <a:spcBef>
                 <a:spcPts val="0"/>
               </a:spcBef>
@@ -6396,28 +6565,13 @@
               <a:buNone/>
             </a:pPr>
             <a:r>
-              <a:t/>
-            </a:r>
-            <a:endParaRPr sz="1800"/>
-          </a:p>
-          <a:p>
-            <a:pPr indent="0" lvl="0" marL="0" rtl="0" algn="ctr">
-              <a:spcBef>
-                <a:spcPts val="0"/>
-              </a:spcBef>
-              <a:spcAft>
-                <a:spcPts val="0"/>
-              </a:spcAft>
-              <a:buNone/>
-            </a:pPr>
-            <a:r>
-              <a:rPr b="1" lang="en" sz="1800"/>
+              <a:rPr lang="en" sz="1800" b="1"/>
               <a:t>Story:</a:t>
             </a:r>
-            <a:endParaRPr b="1" sz="1800"/>
-          </a:p>
-          <a:p>
-            <a:pPr indent="0" lvl="0" marL="0" rtl="0" algn="ctr">
+            <a:endParaRPr sz="1800" b="1"/>
+          </a:p>
+          <a:p>
+            <a:pPr marL="0" lvl="0" indent="0" algn="ctr" rtl="0">
               <a:spcBef>
                 <a:spcPts val="0"/>
               </a:spcBef>
@@ -6433,7 +6587,7 @@
             <a:endParaRPr sz="1800"/>
           </a:p>
           <a:p>
-            <a:pPr indent="0" lvl="0" marL="0" rtl="0" algn="ctr">
+            <a:pPr marL="0" lvl="0" indent="0" algn="ctr" rtl="0">
               <a:spcBef>
                 <a:spcPts val="0"/>
               </a:spcBef>
@@ -6442,13 +6596,10 @@
               </a:spcAft>
               <a:buNone/>
             </a:pPr>
-            <a:r>
-              <a:t/>
-            </a:r>
             <a:endParaRPr sz="1800"/>
           </a:p>
           <a:p>
-            <a:pPr indent="0" lvl="0" marL="0" rtl="0" algn="ctr">
+            <a:pPr marL="0" lvl="0" indent="0" algn="ctr" rtl="0">
               <a:spcBef>
                 <a:spcPts val="0"/>
               </a:spcBef>
@@ -6457,13 +6608,10 @@
               </a:spcAft>
               <a:buNone/>
             </a:pPr>
-            <a:r>
-              <a:t/>
-            </a:r>
             <a:endParaRPr sz="1800"/>
           </a:p>
           <a:p>
-            <a:pPr indent="0" lvl="0" marL="0" rtl="0" algn="ctr">
+            <a:pPr marL="0" lvl="0" indent="0" algn="ctr" rtl="0">
               <a:spcBef>
                 <a:spcPts val="0"/>
               </a:spcBef>
@@ -6472,9 +6620,6 @@
               </a:spcAft>
               <a:buNone/>
             </a:pPr>
-            <a:r>
-              <a:t/>
-            </a:r>
             <a:endParaRPr sz="1800"/>
           </a:p>
         </p:txBody>
@@ -6488,11 +6633,11 @@
 </file>
 
 <file path=ppt/slides/slide4.xml><?xml version="1.0" encoding="utf-8"?>
-<p:sld xmlns:a="http://schemas.openxmlformats.org/drawingml/2006/main" xmlns:r="http://schemas.openxmlformats.org/officeDocument/2006/relationships" xmlns:mc="http://schemas.openxmlformats.org/markup-compatibility/2006" xmlns:mv="urn:schemas-microsoft-com:mac:vml" xmlns:p="http://schemas.openxmlformats.org/presentationml/2006/main" xmlns:c="http://schemas.openxmlformats.org/drawingml/2006/chart" xmlns:dgm="http://schemas.openxmlformats.org/drawingml/2006/diagram" xmlns:o="urn:schemas-microsoft-com:office:office" xmlns:v="urn:schemas-microsoft-com:vml" xmlns:pvml="urn:schemas-microsoft-com:office:powerpoint" xmlns:com="http://schemas.openxmlformats.org/drawingml/2006/compatibility" xmlns:p14="http://schemas.microsoft.com/office/powerpoint/2010/main" xmlns:p15="http://schemas.microsoft.com/office/powerpoint/2012/main">
+<p:sld xmlns:a="http://schemas.openxmlformats.org/drawingml/2006/main" xmlns:r="http://schemas.openxmlformats.org/officeDocument/2006/relationships" xmlns:p="http://schemas.openxmlformats.org/presentationml/2006/main">
   <p:cSld>
     <p:spTree>
       <p:nvGrpSpPr>
-        <p:cNvPr id="71" name="Shape 71"/>
+        <p:cNvPr id="1" name="Shape 71"/>
         <p:cNvGrpSpPr/>
         <p:nvPr/>
       </p:nvGrpSpPr>
@@ -6507,7 +6652,9 @@
       <p:sp>
         <p:nvSpPr>
           <p:cNvPr id="72" name="Google Shape;72;p16"/>
-          <p:cNvSpPr txBox="1"/>
+          <p:cNvSpPr txBox="1">
+            <a:spLocks noGrp="1"/>
+          </p:cNvSpPr>
           <p:nvPr>
             <p:ph type="ctrTitle"/>
           </p:nvPr>
@@ -6522,12 +6669,12 @@
           </a:prstGeom>
         </p:spPr>
         <p:txBody>
-          <a:bodyPr anchorCtr="0" anchor="b" bIns="91425" lIns="91425" spcFirstLastPara="1" rIns="91425" wrap="square" tIns="91425">
+          <a:bodyPr spcFirstLastPara="1" wrap="square" lIns="91425" tIns="91425" rIns="91425" bIns="91425" anchor="b" anchorCtr="0">
             <a:noAutofit/>
           </a:bodyPr>
           <a:lstStyle/>
           <a:p>
-            <a:pPr indent="0" lvl="0" marL="0" rtl="0" algn="ctr">
+            <a:pPr marL="0" lvl="0" indent="0" algn="ctr" rtl="0">
               <a:spcBef>
                 <a:spcPts val="0"/>
               </a:spcBef>
@@ -6537,23 +6684,21 @@
               <a:buNone/>
             </a:pPr>
             <a:r>
-              <a:rPr b="1" lang="en" sz="1800"/>
-              <a:t>Technologies Used</a:t>
+              <a:rPr lang="en" sz="1800" b="1"/>
+              <a:t>Technologies Used:</a:t>
             </a:r>
-            <a:r>
-              <a:rPr b="1" lang="en" sz="1800"/>
-              <a:t>:</a:t>
-            </a:r>
-            <a:endParaRPr b="1" sz="1800"/>
+            <a:endParaRPr sz="1800" b="1"/>
           </a:p>
         </p:txBody>
       </p:sp>
       <p:sp>
         <p:nvSpPr>
           <p:cNvPr id="73" name="Google Shape;73;p16"/>
-          <p:cNvSpPr txBox="1"/>
+          <p:cNvSpPr txBox="1">
+            <a:spLocks noGrp="1"/>
+          </p:cNvSpPr>
           <p:nvPr>
-            <p:ph idx="1" type="subTitle"/>
+            <p:ph type="subTitle" idx="1"/>
           </p:nvPr>
         </p:nvSpPr>
         <p:spPr>
@@ -6566,12 +6711,12 @@
           </a:prstGeom>
         </p:spPr>
         <p:txBody>
-          <a:bodyPr anchorCtr="0" anchor="t" bIns="91425" lIns="91425" spcFirstLastPara="1" rIns="91425" wrap="square" tIns="91425">
+          <a:bodyPr spcFirstLastPara="1" wrap="square" lIns="91425" tIns="91425" rIns="91425" bIns="91425" anchor="t" anchorCtr="0">
             <a:noAutofit/>
           </a:bodyPr>
           <a:lstStyle/>
           <a:p>
-            <a:pPr indent="0" lvl="0" marL="0" rtl="0" algn="ctr">
+            <a:pPr marL="0" lvl="0" indent="0" algn="ctr" rtl="0">
               <a:spcBef>
                 <a:spcPts val="0"/>
               </a:spcBef>
@@ -6581,13 +6726,29 @@
               <a:buNone/>
             </a:pPr>
             <a:r>
-              <a:rPr lang="en" sz="1800"/>
-              <a:t>We used the Edemam Recipe Search and Nutrition APIs and Semantic UI</a:t>
+              <a:rPr lang="en" sz="1500" dirty="0"/>
+              <a:t>We used the Edemam Recipe Search and Nutrition APIs and Semantic UI </a:t>
             </a:r>
-            <a:endParaRPr sz="1800"/>
-          </a:p>
-          <a:p>
-            <a:pPr indent="0" lvl="0" marL="0" rtl="0" algn="ctr">
+            <a:r>
+              <a:rPr lang="en-US" sz="1500" dirty="0"/>
+              <a:t>for CSS styling</a:t>
+            </a:r>
+            <a:endParaRPr sz="1500" dirty="0"/>
+          </a:p>
+          <a:p>
+            <a:pPr marL="0" lvl="0" indent="0" algn="ctr" rtl="0">
+              <a:spcBef>
+                <a:spcPts val="0"/>
+              </a:spcBef>
+              <a:spcAft>
+                <a:spcPts val="0"/>
+              </a:spcAft>
+              <a:buNone/>
+            </a:pPr>
+            <a:endParaRPr sz="1800" dirty="0"/>
+          </a:p>
+          <a:p>
+            <a:pPr marL="0" lvl="0" indent="0" algn="ctr" rtl="0">
               <a:spcBef>
                 <a:spcPts val="0"/>
               </a:spcBef>
@@ -6597,12 +6758,13 @@
               <a:buNone/>
             </a:pPr>
             <a:r>
-              <a:t/>
+              <a:rPr lang="en" sz="1800" b="1" dirty="0"/>
+              <a:t>Tasks and Roles:</a:t>
             </a:r>
-            <a:endParaRPr sz="1800"/>
-          </a:p>
-          <a:p>
-            <a:pPr indent="0" lvl="0" marL="0" rtl="0" algn="ctr">
+            <a:endParaRPr sz="1800" b="1" dirty="0"/>
+          </a:p>
+          <a:p>
+            <a:pPr marL="0" lvl="0" indent="0" algn="ctr" rtl="0">
               <a:spcBef>
                 <a:spcPts val="0"/>
               </a:spcBef>
@@ -6612,17 +6774,24 @@
               <a:buNone/>
             </a:pPr>
             <a:r>
-              <a:rPr b="1" lang="en" sz="1800"/>
-              <a:t>Tasks and Roles</a:t>
+              <a:rPr lang="en-US" sz="1500" dirty="0"/>
+              <a:t>Luke took care of most of the back end while Katie and Taylor handled most of the front end. Overall design and concept was spread out fairly evenly.</a:t>
             </a:r>
-            <a:r>
-              <a:rPr b="1" lang="en" sz="1800"/>
-              <a:t>:</a:t>
-            </a:r>
-            <a:endParaRPr b="1" sz="1800"/>
-          </a:p>
-          <a:p>
-            <a:pPr indent="0" lvl="0" marL="0" rtl="0" algn="ctr">
+          </a:p>
+          <a:p>
+            <a:pPr marL="0" lvl="0" indent="0" algn="ctr" rtl="0">
+              <a:spcBef>
+                <a:spcPts val="0"/>
+              </a:spcBef>
+              <a:spcAft>
+                <a:spcPts val="0"/>
+              </a:spcAft>
+              <a:buNone/>
+            </a:pPr>
+            <a:endParaRPr sz="1800" dirty="0"/>
+          </a:p>
+          <a:p>
+            <a:pPr marL="0" lvl="0" indent="0" algn="ctr" rtl="0">
               <a:spcBef>
                 <a:spcPts val="0"/>
               </a:spcBef>
@@ -6632,7 +6801,23 @@
               <a:buNone/>
             </a:pPr>
             <a:r>
-              <a:rPr lang="en" sz="1500">
+              <a:rPr lang="en" sz="1800" b="1" dirty="0"/>
+              <a:t>Challenges:</a:t>
+            </a:r>
+            <a:endParaRPr sz="1800" b="1" dirty="0"/>
+          </a:p>
+          <a:p>
+            <a:pPr marL="0" lvl="0" indent="0" algn="ctr" rtl="0">
+              <a:spcBef>
+                <a:spcPts val="0"/>
+              </a:spcBef>
+              <a:spcAft>
+                <a:spcPts val="0"/>
+              </a:spcAft>
+              <a:buNone/>
+            </a:pPr>
+            <a:r>
+              <a:rPr lang="en-US" sz="1500" dirty="0">
                 <a:solidFill>
                   <a:srgbClr val="000000"/>
                 </a:solidFill>
@@ -6640,9 +6825,42 @@
                   <a:srgbClr val="FFFFFF"/>
                 </a:highlight>
               </a:rPr>
-              <a:t>Aft Jack Ketch spike poop deck gally. Spanish Main bring a spring upon her cable Nelsons folly wherry furl. Parrel pressgang me Cat o'nine tails scallywag. Mizzen pressgang main sheet ho Admiral of the Black. Quarterdeck jolly boat galleon long clothes bilge rat.</a:t>
+              <a:t>The two main challenges were struggling with GitHub and the </a:t>
             </a:r>
-            <a:endParaRPr sz="1800">
+            <a:r>
+              <a:rPr lang="en-US" sz="1500" dirty="0" err="1">
+                <a:solidFill>
+                  <a:srgbClr val="000000"/>
+                </a:solidFill>
+                <a:highlight>
+                  <a:srgbClr val="FFFFFF"/>
+                </a:highlight>
+              </a:rPr>
+              <a:t>Edemam</a:t>
+            </a:r>
+            <a:r>
+              <a:rPr lang="en-US" sz="1500" dirty="0">
+                <a:solidFill>
+                  <a:srgbClr val="000000"/>
+                </a:solidFill>
+                <a:highlight>
+                  <a:srgbClr val="FFFFFF"/>
+                </a:highlight>
+              </a:rPr>
+              <a:t> nutrition API. </a:t>
+            </a:r>
+          </a:p>
+          <a:p>
+            <a:pPr marL="0" lvl="0" indent="0" algn="ctr" rtl="0">
+              <a:spcBef>
+                <a:spcPts val="0"/>
+              </a:spcBef>
+              <a:spcAft>
+                <a:spcPts val="0"/>
+              </a:spcAft>
+              <a:buNone/>
+            </a:pPr>
+            <a:endParaRPr lang="en-US" sz="1800" b="1" dirty="0">
               <a:solidFill>
                 <a:srgbClr val="000000"/>
               </a:solidFill>
@@ -6652,7 +6870,7 @@
             </a:endParaRPr>
           </a:p>
           <a:p>
-            <a:pPr indent="0" lvl="0" marL="0" rtl="0" algn="ctr">
+            <a:pPr marL="0" lvl="0" indent="0" algn="ctr" rtl="0">
               <a:spcBef>
                 <a:spcPts val="0"/>
               </a:spcBef>
@@ -6662,42 +6880,28 @@
               <a:buNone/>
             </a:pPr>
             <a:r>
-              <a:t/>
+              <a:rPr lang="en" sz="1800" b="1" dirty="0"/>
+              <a:t>Success:</a:t>
             </a:r>
-            <a:endParaRPr sz="1800"/>
-          </a:p>
-          <a:p>
-            <a:pPr indent="0" lvl="0" marL="0" rtl="0" algn="ctr">
-              <a:spcBef>
-                <a:spcPts val="0"/>
-              </a:spcBef>
-              <a:spcAft>
-                <a:spcPts val="0"/>
-              </a:spcAft>
+            <a:endParaRPr sz="1800" b="1" dirty="0"/>
+          </a:p>
+          <a:p>
+            <a:pPr marL="0" lvl="0" indent="0" algn="ctr" rtl="0">
+              <a:spcBef>
+                <a:spcPts val="0"/>
+              </a:spcBef>
+              <a:spcAft>
+                <a:spcPts val="0"/>
+              </a:spcAft>
+              <a:buClr>
+                <a:schemeClr val="dk1"/>
+              </a:buClr>
+              <a:buSzPts val="1100"/>
+              <a:buFont typeface="Arial"/>
               <a:buNone/>
             </a:pPr>
             <a:r>
-              <a:rPr b="1" lang="en" sz="1800"/>
-              <a:t>Challenges</a:t>
-            </a:r>
-            <a:r>
-              <a:rPr b="1" lang="en" sz="1800"/>
-              <a:t>:</a:t>
-            </a:r>
-            <a:endParaRPr b="1" sz="1800"/>
-          </a:p>
-          <a:p>
-            <a:pPr indent="0" lvl="0" marL="0" rtl="0" algn="ctr">
-              <a:spcBef>
-                <a:spcPts val="0"/>
-              </a:spcBef>
-              <a:spcAft>
-                <a:spcPts val="0"/>
-              </a:spcAft>
-              <a:buNone/>
-            </a:pPr>
-            <a:r>
-              <a:rPr lang="en" sz="1500">
+              <a:rPr lang="en-US" sz="1500" dirty="0">
                 <a:solidFill>
                   <a:srgbClr val="000000"/>
                 </a:solidFill>
@@ -6705,9 +6909,40 @@
                   <a:srgbClr val="FFFFFF"/>
                 </a:highlight>
               </a:rPr>
-              <a:t>Yardarm trysail cog chandler lugsail. Hardtack spirits Sink me hogshead sheet. League sheet Brethren of the Coast furl belay. Come about gibbet keel fire in the hole mizzen. Smartly Shiver me timbers rigging chandler Jack Tar.</a:t>
+              <a:t>We were able to create an app that allows the user to search through 2 million recipes from across the web by whatever recipe or ingredient they choose, and then appends the results to dynamically created cards which are both helpful, and visually appealing.</a:t>
             </a:r>
-            <a:endParaRPr sz="1500">
+            <a:br>
+              <a:rPr lang="en-US" sz="1500" dirty="0">
+                <a:solidFill>
+                  <a:srgbClr val="000000"/>
+                </a:solidFill>
+                <a:highlight>
+                  <a:srgbClr val="FFFFFF"/>
+                </a:highlight>
+              </a:rPr>
+            </a:br>
+            <a:br>
+              <a:rPr lang="en-US" sz="1500" dirty="0">
+                <a:solidFill>
+                  <a:srgbClr val="000000"/>
+                </a:solidFill>
+                <a:highlight>
+                  <a:srgbClr val="FFFFFF"/>
+                </a:highlight>
+              </a:rPr>
+            </a:br>
+            <a:r>
+              <a:rPr lang="en-US" sz="1500" dirty="0">
+                <a:solidFill>
+                  <a:srgbClr val="000000"/>
+                </a:solidFill>
+                <a:highlight>
+                  <a:srgbClr val="FFFFFF"/>
+                </a:highlight>
+              </a:rPr>
+              <a:t>We were unable to achieve functionality with the nutrition API.</a:t>
+            </a:r>
+            <a:endParaRPr sz="1500" b="1" dirty="0">
               <a:solidFill>
                 <a:srgbClr val="000000"/>
               </a:solidFill>
@@ -6717,7 +6952,7 @@
             </a:endParaRPr>
           </a:p>
           <a:p>
-            <a:pPr indent="0" lvl="0" marL="0" rtl="0" algn="ctr">
+            <a:pPr marL="0" lvl="0" indent="0" algn="ctr" rtl="0">
               <a:spcBef>
                 <a:spcPts val="0"/>
               </a:spcBef>
@@ -6726,10 +6961,7 @@
               </a:spcAft>
               <a:buNone/>
             </a:pPr>
-            <a:r>
-              <a:t/>
-            </a:r>
-            <a:endParaRPr sz="1500">
+            <a:endParaRPr sz="1500" dirty="0">
               <a:solidFill>
                 <a:srgbClr val="000000"/>
               </a:solidFill>
@@ -6739,63 +6971,31 @@
             </a:endParaRPr>
           </a:p>
           <a:p>
-            <a:pPr indent="0" lvl="0" marL="0" rtl="0" algn="ctr">
-              <a:spcBef>
-                <a:spcPts val="0"/>
-              </a:spcBef>
-              <a:spcAft>
-                <a:spcPts val="0"/>
-              </a:spcAft>
-              <a:buClr>
-                <a:schemeClr val="dk1"/>
-              </a:buClr>
-              <a:buSzPts val="1100"/>
-              <a:buFont typeface="Arial"/>
+            <a:pPr marL="0" lvl="0" indent="0" algn="ctr" rtl="0">
+              <a:spcBef>
+                <a:spcPts val="0"/>
+              </a:spcBef>
+              <a:spcAft>
+                <a:spcPts val="0"/>
+              </a:spcAft>
               <a:buNone/>
             </a:pPr>
-            <a:r>
-              <a:rPr b="1" lang="en" sz="1800"/>
-              <a:t>Success:</a:t>
-            </a:r>
-            <a:endParaRPr b="1" sz="1800"/>
-          </a:p>
-          <a:p>
-            <a:pPr indent="0" lvl="0" marL="0" rtl="0" algn="ctr">
-              <a:spcBef>
-                <a:spcPts val="0"/>
-              </a:spcBef>
-              <a:spcAft>
-                <a:spcPts val="0"/>
-              </a:spcAft>
-              <a:buClr>
-                <a:schemeClr val="dk1"/>
-              </a:buClr>
-              <a:buSzPts val="1100"/>
-              <a:buFont typeface="Arial"/>
+            <a:endParaRPr sz="1800" dirty="0"/>
+          </a:p>
+          <a:p>
+            <a:pPr marL="0" lvl="0" indent="0" algn="ctr" rtl="0">
+              <a:spcBef>
+                <a:spcPts val="0"/>
+              </a:spcBef>
+              <a:spcAft>
+                <a:spcPts val="0"/>
+              </a:spcAft>
               <a:buNone/>
             </a:pPr>
-            <a:r>
-              <a:rPr lang="en" sz="1500">
-                <a:solidFill>
-                  <a:srgbClr val="000000"/>
-                </a:solidFill>
-                <a:highlight>
-                  <a:srgbClr val="FFFFFF"/>
-                </a:highlight>
-              </a:rPr>
-              <a:t>Crimp hulk hail-shot topsail bring a spring upon her cable. Stern gally bounty nipper code of conduct. Gangplank barkadeer bring a spring upon her cable bounty ahoy. Spanish Main aye pink code of conduct crow's nest. Me fire ship case shot ahoy shrouds.</a:t>
-            </a:r>
-            <a:endParaRPr b="1" sz="1500">
-              <a:solidFill>
-                <a:srgbClr val="000000"/>
-              </a:solidFill>
-              <a:highlight>
-                <a:srgbClr val="FFFFFF"/>
-              </a:highlight>
-            </a:endParaRPr>
-          </a:p>
-          <a:p>
-            <a:pPr indent="0" lvl="0" marL="0" rtl="0" algn="ctr">
+            <a:endParaRPr sz="1800" dirty="0"/>
+          </a:p>
+          <a:p>
+            <a:pPr marL="0" lvl="0" indent="0" algn="ctr" rtl="0">
               <a:spcBef>
                 <a:spcPts val="0"/>
               </a:spcBef>
@@ -6804,62 +7004,7 @@
               </a:spcAft>
               <a:buNone/>
             </a:pPr>
-            <a:r>
-              <a:t/>
-            </a:r>
-            <a:endParaRPr sz="1500">
-              <a:solidFill>
-                <a:srgbClr val="000000"/>
-              </a:solidFill>
-              <a:highlight>
-                <a:srgbClr val="FFFFFF"/>
-              </a:highlight>
-            </a:endParaRPr>
-          </a:p>
-          <a:p>
-            <a:pPr indent="0" lvl="0" marL="0" rtl="0" algn="ctr">
-              <a:spcBef>
-                <a:spcPts val="0"/>
-              </a:spcBef>
-              <a:spcAft>
-                <a:spcPts val="0"/>
-              </a:spcAft>
-              <a:buNone/>
-            </a:pPr>
-            <a:r>
-              <a:t/>
-            </a:r>
-            <a:endParaRPr sz="1800"/>
-          </a:p>
-          <a:p>
-            <a:pPr indent="0" lvl="0" marL="0" rtl="0" algn="ctr">
-              <a:spcBef>
-                <a:spcPts val="0"/>
-              </a:spcBef>
-              <a:spcAft>
-                <a:spcPts val="0"/>
-              </a:spcAft>
-              <a:buNone/>
-            </a:pPr>
-            <a:r>
-              <a:t/>
-            </a:r>
-            <a:endParaRPr sz="1800"/>
-          </a:p>
-          <a:p>
-            <a:pPr indent="0" lvl="0" marL="0" rtl="0" algn="ctr">
-              <a:spcBef>
-                <a:spcPts val="0"/>
-              </a:spcBef>
-              <a:spcAft>
-                <a:spcPts val="0"/>
-              </a:spcAft>
-              <a:buNone/>
-            </a:pPr>
-            <a:r>
-              <a:t/>
-            </a:r>
-            <a:endParaRPr sz="1800"/>
+            <a:endParaRPr sz="1800" dirty="0"/>
           </a:p>
         </p:txBody>
       </p:sp>
@@ -6872,11 +7017,11 @@
 </file>
 
 <file path=ppt/slides/slide5.xml><?xml version="1.0" encoding="utf-8"?>
-<p:sld xmlns:a="http://schemas.openxmlformats.org/drawingml/2006/main" xmlns:r="http://schemas.openxmlformats.org/officeDocument/2006/relationships" xmlns:mc="http://schemas.openxmlformats.org/markup-compatibility/2006" xmlns:mv="urn:schemas-microsoft-com:mac:vml" xmlns:p="http://schemas.openxmlformats.org/presentationml/2006/main" xmlns:c="http://schemas.openxmlformats.org/drawingml/2006/chart" xmlns:dgm="http://schemas.openxmlformats.org/drawingml/2006/diagram" xmlns:o="urn:schemas-microsoft-com:office:office" xmlns:v="urn:schemas-microsoft-com:vml" xmlns:pvml="urn:schemas-microsoft-com:office:powerpoint" xmlns:com="http://schemas.openxmlformats.org/drawingml/2006/compatibility" xmlns:p14="http://schemas.microsoft.com/office/powerpoint/2010/main" xmlns:p15="http://schemas.microsoft.com/office/powerpoint/2012/main">
+<p:sld xmlns:a="http://schemas.openxmlformats.org/drawingml/2006/main" xmlns:r="http://schemas.openxmlformats.org/officeDocument/2006/relationships" xmlns:p="http://schemas.openxmlformats.org/presentationml/2006/main">
   <p:cSld>
     <p:spTree>
       <p:nvGrpSpPr>
-        <p:cNvPr id="77" name="Shape 77"/>
+        <p:cNvPr id="1" name="Shape 77"/>
         <p:cNvGrpSpPr/>
         <p:nvPr/>
       </p:nvGrpSpPr>
@@ -6891,7 +7036,9 @@
       <p:sp>
         <p:nvSpPr>
           <p:cNvPr id="78" name="Google Shape;78;p17"/>
-          <p:cNvSpPr txBox="1"/>
+          <p:cNvSpPr txBox="1">
+            <a:spLocks noGrp="1"/>
+          </p:cNvSpPr>
           <p:nvPr>
             <p:ph type="ctrTitle"/>
           </p:nvPr>
@@ -6906,12 +7053,12 @@
           </a:prstGeom>
         </p:spPr>
         <p:txBody>
-          <a:bodyPr anchorCtr="0" anchor="b" bIns="91425" lIns="91425" spcFirstLastPara="1" rIns="91425" wrap="square" tIns="91425">
+          <a:bodyPr spcFirstLastPara="1" wrap="square" lIns="91425" tIns="91425" rIns="91425" bIns="91425" anchor="b" anchorCtr="0">
             <a:noAutofit/>
           </a:bodyPr>
           <a:lstStyle/>
           <a:p>
-            <a:pPr indent="0" lvl="0" marL="0" rtl="0" algn="ctr">
+            <a:pPr marL="0" lvl="0" indent="0" algn="ctr" rtl="0">
               <a:spcBef>
                 <a:spcPts val="0"/>
               </a:spcBef>
@@ -6931,9 +7078,11 @@
       <p:sp>
         <p:nvSpPr>
           <p:cNvPr id="79" name="Google Shape;79;p17"/>
-          <p:cNvSpPr txBox="1"/>
+          <p:cNvSpPr txBox="1">
+            <a:spLocks noGrp="1"/>
+          </p:cNvSpPr>
           <p:nvPr>
-            <p:ph idx="1" type="subTitle"/>
+            <p:ph type="subTitle" idx="1"/>
           </p:nvPr>
         </p:nvSpPr>
         <p:spPr>
@@ -6946,12 +7095,12 @@
           </a:prstGeom>
         </p:spPr>
         <p:txBody>
-          <a:bodyPr anchorCtr="0" anchor="t" bIns="91425" lIns="91425" spcFirstLastPara="1" rIns="91425" wrap="square" tIns="91425">
+          <a:bodyPr spcFirstLastPara="1" wrap="square" lIns="91425" tIns="91425" rIns="91425" bIns="91425" anchor="t" anchorCtr="0">
             <a:noAutofit/>
           </a:bodyPr>
           <a:lstStyle/>
           <a:p>
-            <a:pPr indent="0" lvl="0" marL="0" rtl="0" algn="ctr">
+            <a:pPr marL="0" lvl="0" indent="0" algn="ctr" rtl="0">
               <a:spcBef>
                 <a:spcPts val="0"/>
               </a:spcBef>
@@ -6960,9 +7109,6 @@
               </a:spcAft>
               <a:buNone/>
             </a:pPr>
-            <a:r>
-              <a:t/>
-            </a:r>
             <a:endParaRPr/>
           </a:p>
         </p:txBody>
@@ -6976,11 +7122,69 @@
 </file>
 
 <file path=ppt/slides/slide6.xml><?xml version="1.0" encoding="utf-8"?>
-<p:sld xmlns:a="http://schemas.openxmlformats.org/drawingml/2006/main" xmlns:r="http://schemas.openxmlformats.org/officeDocument/2006/relationships" xmlns:mc="http://schemas.openxmlformats.org/markup-compatibility/2006" xmlns:mv="urn:schemas-microsoft-com:mac:vml" xmlns:p="http://schemas.openxmlformats.org/presentationml/2006/main" xmlns:c="http://schemas.openxmlformats.org/drawingml/2006/chart" xmlns:dgm="http://schemas.openxmlformats.org/drawingml/2006/diagram" xmlns:o="urn:schemas-microsoft-com:office:office" xmlns:v="urn:schemas-microsoft-com:vml" xmlns:pvml="urn:schemas-microsoft-com:office:powerpoint" xmlns:com="http://schemas.openxmlformats.org/drawingml/2006/compatibility" xmlns:p14="http://schemas.microsoft.com/office/powerpoint/2010/main" xmlns:p15="http://schemas.microsoft.com/office/powerpoint/2012/main">
+<p:sld xmlns:a="http://schemas.openxmlformats.org/drawingml/2006/main" xmlns:r="http://schemas.openxmlformats.org/officeDocument/2006/relationships" xmlns:p="http://schemas.openxmlformats.org/presentationml/2006/main">
   <p:cSld>
     <p:spTree>
       <p:nvGrpSpPr>
-        <p:cNvPr id="83" name="Shape 83"/>
+        <p:cNvPr id="1" name=""/>
+        <p:cNvGrpSpPr/>
+        <p:nvPr/>
+      </p:nvGrpSpPr>
+      <p:grpSpPr>
+        <a:xfrm>
+          <a:off x="0" y="0"/>
+          <a:ext cx="0" cy="0"/>
+          <a:chOff x="0" y="0"/>
+          <a:chExt cx="0" cy="0"/>
+        </a:xfrm>
+      </p:grpSpPr>
+      <p:sp>
+        <p:nvSpPr>
+          <p:cNvPr id="2" name="Title 1">
+            <a:extLst>
+              <a:ext uri="{FF2B5EF4-FFF2-40B4-BE49-F238E27FC236}">
+                <a16:creationId xmlns:a16="http://schemas.microsoft.com/office/drawing/2014/main" id="{F6A3DA72-EE79-403F-9CB0-218ABF859F95}"/>
+              </a:ext>
+            </a:extLst>
+          </p:cNvPr>
+          <p:cNvSpPr>
+            <a:spLocks noGrp="1"/>
+          </p:cNvSpPr>
+          <p:nvPr>
+            <p:ph type="title"/>
+          </p:nvPr>
+        </p:nvSpPr>
+        <p:spPr/>
+        <p:txBody>
+          <a:bodyPr/>
+          <a:lstStyle/>
+          <a:p>
+            <a:r>
+              <a:rPr lang="en-US" dirty="0"/>
+              <a:t>Accessibility</a:t>
+            </a:r>
+          </a:p>
+        </p:txBody>
+      </p:sp>
+    </p:spTree>
+    <p:extLst>
+      <p:ext uri="{BB962C8B-B14F-4D97-AF65-F5344CB8AC3E}">
+        <p14:creationId xmlns:p14="http://schemas.microsoft.com/office/powerpoint/2010/main" val="2623593022"/>
+      </p:ext>
+    </p:extLst>
+  </p:cSld>
+  <p:clrMapOvr>
+    <a:masterClrMapping/>
+  </p:clrMapOvr>
+</p:sld>
+</file>
+
+<file path=ppt/slides/slide7.xml><?xml version="1.0" encoding="utf-8"?>
+<p:sld xmlns:a="http://schemas.openxmlformats.org/drawingml/2006/main" xmlns:r="http://schemas.openxmlformats.org/officeDocument/2006/relationships" xmlns:p="http://schemas.openxmlformats.org/presentationml/2006/main">
+  <p:cSld>
+    <p:spTree>
+      <p:nvGrpSpPr>
+        <p:cNvPr id="1" name="Shape 83"/>
         <p:cNvGrpSpPr/>
         <p:nvPr/>
       </p:nvGrpSpPr>
@@ -6995,7 +7199,9 @@
       <p:sp>
         <p:nvSpPr>
           <p:cNvPr id="84" name="Google Shape;84;p18"/>
-          <p:cNvSpPr txBox="1"/>
+          <p:cNvSpPr txBox="1">
+            <a:spLocks noGrp="1"/>
+          </p:cNvSpPr>
           <p:nvPr>
             <p:ph type="ctrTitle"/>
           </p:nvPr>
@@ -7010,12 +7216,12 @@
           </a:prstGeom>
         </p:spPr>
         <p:txBody>
-          <a:bodyPr anchorCtr="0" anchor="b" bIns="91425" lIns="91425" spcFirstLastPara="1" rIns="91425" wrap="square" tIns="91425">
+          <a:bodyPr spcFirstLastPara="1" wrap="square" lIns="91425" tIns="91425" rIns="91425" bIns="91425" anchor="b" anchorCtr="0">
             <a:noAutofit/>
           </a:bodyPr>
           <a:lstStyle/>
           <a:p>
-            <a:pPr indent="0" lvl="0" marL="0" rtl="0" algn="ctr">
+            <a:pPr marL="0" lvl="0" indent="0" algn="ctr" rtl="0">
               <a:spcBef>
                 <a:spcPts val="0"/>
               </a:spcBef>
@@ -7035,39 +7241,155 @@
       <p:sp>
         <p:nvSpPr>
           <p:cNvPr id="85" name="Google Shape;85;p18"/>
-          <p:cNvSpPr txBox="1"/>
+          <p:cNvSpPr txBox="1">
+            <a:spLocks noGrp="1"/>
+          </p:cNvSpPr>
           <p:nvPr>
-            <p:ph idx="1" type="subTitle"/>
+            <p:ph type="subTitle" idx="1"/>
           </p:nvPr>
         </p:nvSpPr>
         <p:spPr>
           <a:xfrm>
-            <a:off x="71050" y="2797175"/>
-            <a:ext cx="8520600" cy="792600"/>
+            <a:off x="71050" y="811975"/>
+            <a:ext cx="8520600" cy="4264290"/>
           </a:xfrm>
           <a:prstGeom prst="rect">
             <a:avLst/>
           </a:prstGeom>
         </p:spPr>
         <p:txBody>
-          <a:bodyPr anchorCtr="0" anchor="t" bIns="91425" lIns="91425" spcFirstLastPara="1" rIns="91425" wrap="square" tIns="91425">
+          <a:bodyPr spcFirstLastPara="1" wrap="square" lIns="91425" tIns="91425" rIns="91425" bIns="91425" anchor="t" anchorCtr="0">
             <a:noAutofit/>
           </a:bodyPr>
           <a:lstStyle/>
           <a:p>
-            <a:pPr indent="0" lvl="0" marL="0" rtl="0" algn="ctr">
-              <a:spcBef>
-                <a:spcPts val="0"/>
-              </a:spcBef>
-              <a:spcAft>
-                <a:spcPts val="0"/>
-              </a:spcAft>
-              <a:buNone/>
+            <a:pPr lvl="0" indent="-457200" algn="l" rtl="0">
+              <a:spcBef>
+                <a:spcPts val="0"/>
+              </a:spcBef>
+              <a:spcAft>
+                <a:spcPts val="0"/>
+              </a:spcAft>
+              <a:buFont typeface="Arial" panose="020B0604020202020204" pitchFamily="34" charset="0"/>
+              <a:buChar char="•"/>
             </a:pPr>
             <a:r>
-              <a:t/>
+              <a:rPr lang="en-US" sz="2000" dirty="0"/>
+              <a:t>Nutrition functionality</a:t>
             </a:r>
-            <a:endParaRPr/>
+          </a:p>
+          <a:p>
+            <a:pPr lvl="0" indent="-457200" algn="l" rtl="0">
+              <a:spcBef>
+                <a:spcPts val="0"/>
+              </a:spcBef>
+              <a:spcAft>
+                <a:spcPts val="0"/>
+              </a:spcAft>
+              <a:buFont typeface="Arial" panose="020B0604020202020204" pitchFamily="34" charset="0"/>
+              <a:buChar char="•"/>
+            </a:pPr>
+            <a:endParaRPr lang="en-US" sz="2000" dirty="0"/>
+          </a:p>
+          <a:p>
+            <a:pPr lvl="0" indent="-457200" algn="l" rtl="0">
+              <a:spcBef>
+                <a:spcPts val="0"/>
+              </a:spcBef>
+              <a:spcAft>
+                <a:spcPts val="0"/>
+              </a:spcAft>
+              <a:buFont typeface="Arial" panose="020B0604020202020204" pitchFamily="34" charset="0"/>
+              <a:buChar char="•"/>
+            </a:pPr>
+            <a:r>
+              <a:rPr lang="en-US" sz="2000" dirty="0"/>
+              <a:t>Save recipe functionality</a:t>
+            </a:r>
+          </a:p>
+          <a:p>
+            <a:pPr lvl="0" indent="-457200" algn="l" rtl="0">
+              <a:spcBef>
+                <a:spcPts val="0"/>
+              </a:spcBef>
+              <a:spcAft>
+                <a:spcPts val="0"/>
+              </a:spcAft>
+              <a:buFont typeface="Arial" panose="020B0604020202020204" pitchFamily="34" charset="0"/>
+              <a:buChar char="•"/>
+            </a:pPr>
+            <a:endParaRPr lang="en-US" sz="2000" dirty="0"/>
+          </a:p>
+          <a:p>
+            <a:pPr lvl="0" indent="-457200" algn="l" rtl="0">
+              <a:spcBef>
+                <a:spcPts val="0"/>
+              </a:spcBef>
+              <a:spcAft>
+                <a:spcPts val="0"/>
+              </a:spcAft>
+              <a:buFont typeface="Arial" panose="020B0604020202020204" pitchFamily="34" charset="0"/>
+              <a:buChar char="•"/>
+            </a:pPr>
+            <a:r>
+              <a:rPr lang="en-US" sz="2000" dirty="0"/>
+              <a:t>Multiple pages for search results</a:t>
+            </a:r>
+          </a:p>
+          <a:p>
+            <a:pPr lvl="0" indent="-457200" algn="l" rtl="0">
+              <a:spcBef>
+                <a:spcPts val="0"/>
+              </a:spcBef>
+              <a:spcAft>
+                <a:spcPts val="0"/>
+              </a:spcAft>
+              <a:buFont typeface="Arial" panose="020B0604020202020204" pitchFamily="34" charset="0"/>
+              <a:buChar char="•"/>
+            </a:pPr>
+            <a:endParaRPr lang="en-US" sz="2000" dirty="0"/>
+          </a:p>
+          <a:p>
+            <a:pPr lvl="0" indent="-457200" algn="l" rtl="0">
+              <a:spcBef>
+                <a:spcPts val="0"/>
+              </a:spcBef>
+              <a:spcAft>
+                <a:spcPts val="0"/>
+              </a:spcAft>
+              <a:buFont typeface="Arial" panose="020B0604020202020204" pitchFamily="34" charset="0"/>
+              <a:buChar char="•"/>
+            </a:pPr>
+            <a:r>
+              <a:rPr lang="en-US" sz="2000" dirty="0"/>
+              <a:t>Better filtering</a:t>
+            </a:r>
+          </a:p>
+          <a:p>
+            <a:pPr lvl="0" indent="-457200" algn="l" rtl="0">
+              <a:spcBef>
+                <a:spcPts val="0"/>
+              </a:spcBef>
+              <a:spcAft>
+                <a:spcPts val="0"/>
+              </a:spcAft>
+              <a:buFont typeface="Arial" panose="020B0604020202020204" pitchFamily="34" charset="0"/>
+              <a:buChar char="•"/>
+            </a:pPr>
+            <a:endParaRPr lang="en-US" sz="2000" dirty="0"/>
+          </a:p>
+          <a:p>
+            <a:pPr lvl="0" indent="-457200" algn="l" rtl="0">
+              <a:spcBef>
+                <a:spcPts val="0"/>
+              </a:spcBef>
+              <a:spcAft>
+                <a:spcPts val="0"/>
+              </a:spcAft>
+              <a:buFont typeface="Arial" panose="020B0604020202020204" pitchFamily="34" charset="0"/>
+              <a:buChar char="•"/>
+            </a:pPr>
+            <a:endParaRPr sz="2000" dirty="0"/>
           </a:p>
         </p:txBody>
       </p:sp>
@@ -7079,12 +7401,12 @@
 </p:sld>
 </file>
 
-<file path=ppt/slides/slide7.xml><?xml version="1.0" encoding="utf-8"?>
-<p:sld xmlns:a="http://schemas.openxmlformats.org/drawingml/2006/main" xmlns:r="http://schemas.openxmlformats.org/officeDocument/2006/relationships" xmlns:mc="http://schemas.openxmlformats.org/markup-compatibility/2006" xmlns:mv="urn:schemas-microsoft-com:mac:vml" xmlns:p="http://schemas.openxmlformats.org/presentationml/2006/main" xmlns:c="http://schemas.openxmlformats.org/drawingml/2006/chart" xmlns:dgm="http://schemas.openxmlformats.org/drawingml/2006/diagram" xmlns:o="urn:schemas-microsoft-com:office:office" xmlns:v="urn:schemas-microsoft-com:vml" xmlns:pvml="urn:schemas-microsoft-com:office:powerpoint" xmlns:com="http://schemas.openxmlformats.org/drawingml/2006/compatibility" xmlns:p14="http://schemas.microsoft.com/office/powerpoint/2010/main" xmlns:p15="http://schemas.microsoft.com/office/powerpoint/2012/main">
+<file path=ppt/slides/slide8.xml><?xml version="1.0" encoding="utf-8"?>
+<p:sld xmlns:a="http://schemas.openxmlformats.org/drawingml/2006/main" xmlns:r="http://schemas.openxmlformats.org/officeDocument/2006/relationships" xmlns:p="http://schemas.openxmlformats.org/presentationml/2006/main">
   <p:cSld>
     <p:spTree>
       <p:nvGrpSpPr>
-        <p:cNvPr id="89" name="Shape 89"/>
+        <p:cNvPr id="1" name="Shape 89"/>
         <p:cNvGrpSpPr/>
         <p:nvPr/>
       </p:nvGrpSpPr>
@@ -7099,7 +7421,9 @@
       <p:sp>
         <p:nvSpPr>
           <p:cNvPr id="90" name="Google Shape;90;p19"/>
-          <p:cNvSpPr txBox="1"/>
+          <p:cNvSpPr txBox="1">
+            <a:spLocks noGrp="1"/>
+          </p:cNvSpPr>
           <p:nvPr>
             <p:ph type="ctrTitle"/>
           </p:nvPr>
@@ -7114,12 +7438,12 @@
           </a:prstGeom>
         </p:spPr>
         <p:txBody>
-          <a:bodyPr anchorCtr="0" anchor="b" bIns="91425" lIns="91425" spcFirstLastPara="1" rIns="91425" wrap="square" tIns="91425">
+          <a:bodyPr spcFirstLastPara="1" wrap="square" lIns="91425" tIns="91425" rIns="91425" bIns="91425" anchor="b" anchorCtr="0">
             <a:noAutofit/>
           </a:bodyPr>
           <a:lstStyle/>
           <a:p>
-            <a:pPr indent="0" lvl="0" marL="0" rtl="0" algn="ctr">
+            <a:pPr marL="0" lvl="0" indent="0" algn="ctr" rtl="0">
               <a:spcBef>
                 <a:spcPts val="0"/>
               </a:spcBef>
@@ -7130,11 +7454,7 @@
             </a:pPr>
             <a:r>
               <a:rPr lang="en" sz="3600"/>
-              <a:t>Links</a:t>
-            </a:r>
-            <a:r>
-              <a:rPr lang="en" sz="3600"/>
-              <a:t>:</a:t>
+              <a:t>Links:</a:t>
             </a:r>
             <a:endParaRPr sz="3600"/>
           </a:p>
@@ -7143,9 +7463,11 @@
       <p:sp>
         <p:nvSpPr>
           <p:cNvPr id="91" name="Google Shape;91;p19"/>
-          <p:cNvSpPr txBox="1"/>
+          <p:cNvSpPr txBox="1">
+            <a:spLocks noGrp="1"/>
+          </p:cNvSpPr>
           <p:nvPr>
-            <p:ph idx="1" type="subTitle"/>
+            <p:ph type="subTitle" idx="1"/>
           </p:nvPr>
         </p:nvSpPr>
         <p:spPr>
@@ -7158,12 +7480,12 @@
           </a:prstGeom>
         </p:spPr>
         <p:txBody>
-          <a:bodyPr anchorCtr="0" anchor="t" bIns="91425" lIns="91425" spcFirstLastPara="1" rIns="91425" wrap="square" tIns="91425">
+          <a:bodyPr spcFirstLastPara="1" wrap="square" lIns="91425" tIns="91425" rIns="91425" bIns="91425" anchor="t" anchorCtr="0">
             <a:noAutofit/>
           </a:bodyPr>
           <a:lstStyle/>
           <a:p>
-            <a:pPr indent="0" lvl="0" marL="0" rtl="0" algn="ctr">
+            <a:pPr marL="0" lvl="0" indent="0" algn="ctr" rtl="0">
               <a:spcBef>
                 <a:spcPts val="0"/>
               </a:spcBef>
@@ -7179,7 +7501,7 @@
             <a:endParaRPr/>
           </a:p>
           <a:p>
-            <a:pPr indent="0" lvl="0" marL="0" rtl="0" algn="ctr">
+            <a:pPr marL="0" lvl="0" indent="0" algn="ctr" rtl="0">
               <a:spcBef>
                 <a:spcPts val="0"/>
               </a:spcBef>
@@ -7188,13 +7510,10 @@
               </a:spcAft>
               <a:buNone/>
             </a:pPr>
-            <a:r>
-              <a:t/>
-            </a:r>
             <a:endParaRPr/>
           </a:p>
           <a:p>
-            <a:pPr indent="0" lvl="0" marL="0" rtl="0" algn="ctr">
+            <a:pPr marL="0" lvl="0" indent="0" algn="ctr" rtl="0">
               <a:spcBef>
                 <a:spcPts val="0"/>
               </a:spcBef>
@@ -7220,7 +7539,288 @@
 </file>
 
 <file path=ppt/theme/theme1.xml><?xml version="1.0" encoding="utf-8"?>
-<a:theme xmlns:a="http://schemas.openxmlformats.org/drawingml/2006/main" xmlns:r="http://schemas.openxmlformats.org/officeDocument/2006/relationships">
+<a:theme xmlns:a="http://schemas.openxmlformats.org/drawingml/2006/main" name="Simple Light">
+  <a:themeElements>
+    <a:clrScheme name="Simple Light">
+      <a:dk1>
+        <a:srgbClr val="000000"/>
+      </a:dk1>
+      <a:lt1>
+        <a:srgbClr val="FFFFFF"/>
+      </a:lt1>
+      <a:dk2>
+        <a:srgbClr val="595959"/>
+      </a:dk2>
+      <a:lt2>
+        <a:srgbClr val="EEEEEE"/>
+      </a:lt2>
+      <a:accent1>
+        <a:srgbClr val="FFAB40"/>
+      </a:accent1>
+      <a:accent2>
+        <a:srgbClr val="212121"/>
+      </a:accent2>
+      <a:accent3>
+        <a:srgbClr val="78909C"/>
+      </a:accent3>
+      <a:accent4>
+        <a:srgbClr val="FFAB40"/>
+      </a:accent4>
+      <a:accent5>
+        <a:srgbClr val="0097A7"/>
+      </a:accent5>
+      <a:accent6>
+        <a:srgbClr val="EEFF41"/>
+      </a:accent6>
+      <a:hlink>
+        <a:srgbClr val="0097A7"/>
+      </a:hlink>
+      <a:folHlink>
+        <a:srgbClr val="0097A7"/>
+      </a:folHlink>
+    </a:clrScheme>
+    <a:fontScheme name="Office">
+      <a:majorFont>
+        <a:latin typeface="Arial"/>
+        <a:ea typeface=""/>
+        <a:cs typeface=""/>
+        <a:font script="Jpan" typeface="ＭＳ Ｐゴシック"/>
+        <a:font script="Hang" typeface="맑은 고딕"/>
+        <a:font script="Hans" typeface="宋体"/>
+        <a:font script="Hant" typeface="新細明體"/>
+        <a:font script="Arab" typeface="Times New Roman"/>
+        <a:font script="Hebr" typeface="Times New Roman"/>
+        <a:font script="Thai" typeface="Angsana New"/>
+        <a:font script="Ethi" typeface="Nyala"/>
+        <a:font script="Beng" typeface="Vrinda"/>
+        <a:font script="Gujr" typeface="Shruti"/>
+        <a:font script="Khmr" typeface="MoolBoran"/>
+        <a:font script="Knda" typeface="Tunga"/>
+        <a:font script="Guru" typeface="Raavi"/>
+        <a:font script="Cans" typeface="Euphemia"/>
+        <a:font script="Cher" typeface="Plantagenet Cherokee"/>
+        <a:font script="Yiii" typeface="Microsoft Yi Baiti"/>
+        <a:font script="Tibt" typeface="Microsoft Himalaya"/>
+        <a:font script="Thaa" typeface="MV Boli"/>
+        <a:font script="Deva" typeface="Mangal"/>
+        <a:font script="Telu" typeface="Gautami"/>
+        <a:font script="Taml" typeface="Latha"/>
+        <a:font script="Syrc" typeface="Estrangelo Edessa"/>
+        <a:font script="Orya" typeface="Kalinga"/>
+        <a:font script="Mlym" typeface="Kartika"/>
+        <a:font script="Laoo" typeface="DokChampa"/>
+        <a:font script="Sinh" typeface="Iskoola Pota"/>
+        <a:font script="Mong" typeface="Mongolian Baiti"/>
+        <a:font script="Viet" typeface="Times New Roman"/>
+        <a:font script="Uigh" typeface="Microsoft Uighur"/>
+        <a:font script="Geor" typeface="Sylfaen"/>
+      </a:majorFont>
+      <a:minorFont>
+        <a:latin typeface="Arial"/>
+        <a:ea typeface=""/>
+        <a:cs typeface=""/>
+        <a:font script="Jpan" typeface="ＭＳ Ｐゴシック"/>
+        <a:font script="Hang" typeface="맑은 고딕"/>
+        <a:font script="Hans" typeface="宋体"/>
+        <a:font script="Hant" typeface="新細明體"/>
+        <a:font script="Arab" typeface="Arial"/>
+        <a:font script="Hebr" typeface="Arial"/>
+        <a:font script="Thai" typeface="Cordia New"/>
+        <a:font script="Ethi" typeface="Nyala"/>
+        <a:font script="Beng" typeface="Vrinda"/>
+        <a:font script="Gujr" typeface="Shruti"/>
+        <a:font script="Khmr" typeface="DaunPenh"/>
+        <a:font script="Knda" typeface="Tunga"/>
+        <a:font script="Guru" typeface="Raavi"/>
+        <a:font script="Cans" typeface="Euphemia"/>
+        <a:font script="Cher" typeface="Plantagenet Cherokee"/>
+        <a:font script="Yiii" typeface="Microsoft Yi Baiti"/>
+        <a:font script="Tibt" typeface="Microsoft Himalaya"/>
+        <a:font script="Thaa" typeface="MV Boli"/>
+        <a:font script="Deva" typeface="Mangal"/>
+        <a:font script="Telu" typeface="Gautami"/>
+        <a:font script="Taml" typeface="Latha"/>
+        <a:font script="Syrc" typeface="Estrangelo Edessa"/>
+        <a:font script="Orya" typeface="Kalinga"/>
+        <a:font script="Mlym" typeface="Kartika"/>
+        <a:font script="Laoo" typeface="DokChampa"/>
+        <a:font script="Sinh" typeface="Iskoola Pota"/>
+        <a:font script="Mong" typeface="Mongolian Baiti"/>
+        <a:font script="Viet" typeface="Arial"/>
+        <a:font script="Uigh" typeface="Microsoft Uighur"/>
+        <a:font script="Geor" typeface="Sylfaen"/>
+      </a:minorFont>
+    </a:fontScheme>
+    <a:fmtScheme name="Office">
+      <a:fillStyleLst>
+        <a:solidFill>
+          <a:schemeClr val="phClr"/>
+        </a:solidFill>
+        <a:gradFill rotWithShape="1">
+          <a:gsLst>
+            <a:gs pos="0">
+              <a:schemeClr val="phClr">
+                <a:tint val="50000"/>
+                <a:satMod val="300000"/>
+              </a:schemeClr>
+            </a:gs>
+            <a:gs pos="35000">
+              <a:schemeClr val="phClr">
+                <a:tint val="37000"/>
+                <a:satMod val="300000"/>
+              </a:schemeClr>
+            </a:gs>
+            <a:gs pos="100000">
+              <a:schemeClr val="phClr">
+                <a:tint val="15000"/>
+                <a:satMod val="350000"/>
+              </a:schemeClr>
+            </a:gs>
+          </a:gsLst>
+          <a:lin ang="16200000" scaled="1"/>
+        </a:gradFill>
+        <a:gradFill rotWithShape="1">
+          <a:gsLst>
+            <a:gs pos="0">
+              <a:schemeClr val="phClr">
+                <a:tint val="100000"/>
+                <a:shade val="100000"/>
+                <a:satMod val="130000"/>
+              </a:schemeClr>
+            </a:gs>
+            <a:gs pos="100000">
+              <a:schemeClr val="phClr">
+                <a:tint val="50000"/>
+                <a:shade val="100000"/>
+                <a:satMod val="350000"/>
+              </a:schemeClr>
+            </a:gs>
+          </a:gsLst>
+          <a:lin ang="16200000" scaled="0"/>
+        </a:gradFill>
+      </a:fillStyleLst>
+      <a:lnStyleLst>
+        <a:ln w="9525" cap="flat" cmpd="sng" algn="ctr">
+          <a:solidFill>
+            <a:schemeClr val="phClr">
+              <a:shade val="95000"/>
+              <a:satMod val="105000"/>
+            </a:schemeClr>
+          </a:solidFill>
+          <a:prstDash val="solid"/>
+        </a:ln>
+        <a:ln w="25400" cap="flat" cmpd="sng" algn="ctr">
+          <a:solidFill>
+            <a:schemeClr val="phClr"/>
+          </a:solidFill>
+          <a:prstDash val="solid"/>
+        </a:ln>
+        <a:ln w="38100" cap="flat" cmpd="sng" algn="ctr">
+          <a:solidFill>
+            <a:schemeClr val="phClr"/>
+          </a:solidFill>
+          <a:prstDash val="solid"/>
+        </a:ln>
+      </a:lnStyleLst>
+      <a:effectStyleLst>
+        <a:effectStyle>
+          <a:effectLst>
+            <a:outerShdw blurRad="40000" dist="20000" dir="5400000" rotWithShape="0">
+              <a:srgbClr val="000000">
+                <a:alpha val="38000"/>
+              </a:srgbClr>
+            </a:outerShdw>
+          </a:effectLst>
+        </a:effectStyle>
+        <a:effectStyle>
+          <a:effectLst>
+            <a:outerShdw blurRad="40000" dist="23000" dir="5400000" rotWithShape="0">
+              <a:srgbClr val="000000">
+                <a:alpha val="35000"/>
+              </a:srgbClr>
+            </a:outerShdw>
+          </a:effectLst>
+        </a:effectStyle>
+        <a:effectStyle>
+          <a:effectLst>
+            <a:outerShdw blurRad="40000" dist="23000" dir="5400000" rotWithShape="0">
+              <a:srgbClr val="000000">
+                <a:alpha val="35000"/>
+              </a:srgbClr>
+            </a:outerShdw>
+          </a:effectLst>
+          <a:scene3d>
+            <a:camera prst="orthographicFront">
+              <a:rot lat="0" lon="0" rev="0"/>
+            </a:camera>
+            <a:lightRig rig="threePt" dir="t">
+              <a:rot lat="0" lon="0" rev="1200000"/>
+            </a:lightRig>
+          </a:scene3d>
+          <a:sp3d>
+            <a:bevelT w="63500" h="25400"/>
+          </a:sp3d>
+        </a:effectStyle>
+      </a:effectStyleLst>
+      <a:bgFillStyleLst>
+        <a:solidFill>
+          <a:schemeClr val="phClr"/>
+        </a:solidFill>
+        <a:gradFill rotWithShape="1">
+          <a:gsLst>
+            <a:gs pos="0">
+              <a:schemeClr val="phClr">
+                <a:tint val="40000"/>
+                <a:satMod val="350000"/>
+              </a:schemeClr>
+            </a:gs>
+            <a:gs pos="40000">
+              <a:schemeClr val="phClr">
+                <a:tint val="45000"/>
+                <a:shade val="99000"/>
+                <a:satMod val="350000"/>
+              </a:schemeClr>
+            </a:gs>
+            <a:gs pos="100000">
+              <a:schemeClr val="phClr">
+                <a:shade val="20000"/>
+                <a:satMod val="255000"/>
+              </a:schemeClr>
+            </a:gs>
+          </a:gsLst>
+          <a:path path="circle">
+            <a:fillToRect l="50000" t="-80000" r="50000" b="180000"/>
+          </a:path>
+        </a:gradFill>
+        <a:gradFill rotWithShape="1">
+          <a:gsLst>
+            <a:gs pos="0">
+              <a:schemeClr val="phClr">
+                <a:tint val="80000"/>
+                <a:satMod val="300000"/>
+              </a:schemeClr>
+            </a:gs>
+            <a:gs pos="100000">
+              <a:schemeClr val="phClr">
+                <a:shade val="30000"/>
+                <a:satMod val="200000"/>
+              </a:schemeClr>
+            </a:gs>
+          </a:gsLst>
+          <a:path path="circle">
+            <a:fillToRect l="50000" t="50000" r="50000" b="50000"/>
+          </a:path>
+        </a:gradFill>
+      </a:bgFillStyleLst>
+    </a:fmtScheme>
+  </a:themeElements>
+  <a:objectDefaults/>
+  <a:extraClrSchemeLst/>
+</a:theme>
+</file>
+
+<file path=ppt/theme/theme2.xml><?xml version="1.0" encoding="utf-8"?>
+<a:theme xmlns:a="http://schemas.openxmlformats.org/drawingml/2006/main">
   <a:themeElements>
     <a:clrScheme name="Default">
       <a:dk1>
@@ -7495,284 +8095,7 @@
       </a:bgFillStyleLst>
     </a:fmtScheme>
   </a:themeElements>
-</a:theme>
-</file>
-
-<file path=ppt/theme/theme2.xml><?xml version="1.0" encoding="utf-8"?>
-<a:theme xmlns:a="http://schemas.openxmlformats.org/drawingml/2006/main" xmlns:r="http://schemas.openxmlformats.org/officeDocument/2006/relationships" name="Simple Light">
-  <a:themeElements>
-    <a:clrScheme name="Simple Light">
-      <a:dk1>
-        <a:srgbClr val="000000"/>
-      </a:dk1>
-      <a:lt1>
-        <a:srgbClr val="FFFFFF"/>
-      </a:lt1>
-      <a:dk2>
-        <a:srgbClr val="595959"/>
-      </a:dk2>
-      <a:lt2>
-        <a:srgbClr val="EEEEEE"/>
-      </a:lt2>
-      <a:accent1>
-        <a:srgbClr val="FFAB40"/>
-      </a:accent1>
-      <a:accent2>
-        <a:srgbClr val="212121"/>
-      </a:accent2>
-      <a:accent3>
-        <a:srgbClr val="78909C"/>
-      </a:accent3>
-      <a:accent4>
-        <a:srgbClr val="FFAB40"/>
-      </a:accent4>
-      <a:accent5>
-        <a:srgbClr val="0097A7"/>
-      </a:accent5>
-      <a:accent6>
-        <a:srgbClr val="EEFF41"/>
-      </a:accent6>
-      <a:hlink>
-        <a:srgbClr val="0097A7"/>
-      </a:hlink>
-      <a:folHlink>
-        <a:srgbClr val="0097A7"/>
-      </a:folHlink>
-    </a:clrScheme>
-    <a:fontScheme name="Office">
-      <a:majorFont>
-        <a:latin typeface="Arial"/>
-        <a:ea typeface=""/>
-        <a:cs typeface=""/>
-        <a:font script="Jpan" typeface="ＭＳ Ｐゴシック"/>
-        <a:font script="Hang" typeface="맑은 고딕"/>
-        <a:font script="Hans" typeface="宋体"/>
-        <a:font script="Hant" typeface="新細明體"/>
-        <a:font script="Arab" typeface="Times New Roman"/>
-        <a:font script="Hebr" typeface="Times New Roman"/>
-        <a:font script="Thai" typeface="Angsana New"/>
-        <a:font script="Ethi" typeface="Nyala"/>
-        <a:font script="Beng" typeface="Vrinda"/>
-        <a:font script="Gujr" typeface="Shruti"/>
-        <a:font script="Khmr" typeface="MoolBoran"/>
-        <a:font script="Knda" typeface="Tunga"/>
-        <a:font script="Guru" typeface="Raavi"/>
-        <a:font script="Cans" typeface="Euphemia"/>
-        <a:font script="Cher" typeface="Plantagenet Cherokee"/>
-        <a:font script="Yiii" typeface="Microsoft Yi Baiti"/>
-        <a:font script="Tibt" typeface="Microsoft Himalaya"/>
-        <a:font script="Thaa" typeface="MV Boli"/>
-        <a:font script="Deva" typeface="Mangal"/>
-        <a:font script="Telu" typeface="Gautami"/>
-        <a:font script="Taml" typeface="Latha"/>
-        <a:font script="Syrc" typeface="Estrangelo Edessa"/>
-        <a:font script="Orya" typeface="Kalinga"/>
-        <a:font script="Mlym" typeface="Kartika"/>
-        <a:font script="Laoo" typeface="DokChampa"/>
-        <a:font script="Sinh" typeface="Iskoola Pota"/>
-        <a:font script="Mong" typeface="Mongolian Baiti"/>
-        <a:font script="Viet" typeface="Times New Roman"/>
-        <a:font script="Uigh" typeface="Microsoft Uighur"/>
-        <a:font script="Geor" typeface="Sylfaen"/>
-      </a:majorFont>
-      <a:minorFont>
-        <a:latin typeface="Arial"/>
-        <a:ea typeface=""/>
-        <a:cs typeface=""/>
-        <a:font script="Jpan" typeface="ＭＳ Ｐゴシック"/>
-        <a:font script="Hang" typeface="맑은 고딕"/>
-        <a:font script="Hans" typeface="宋体"/>
-        <a:font script="Hant" typeface="新細明體"/>
-        <a:font script="Arab" typeface="Arial"/>
-        <a:font script="Hebr" typeface="Arial"/>
-        <a:font script="Thai" typeface="Cordia New"/>
-        <a:font script="Ethi" typeface="Nyala"/>
-        <a:font script="Beng" typeface="Vrinda"/>
-        <a:font script="Gujr" typeface="Shruti"/>
-        <a:font script="Khmr" typeface="DaunPenh"/>
-        <a:font script="Knda" typeface="Tunga"/>
-        <a:font script="Guru" typeface="Raavi"/>
-        <a:font script="Cans" typeface="Euphemia"/>
-        <a:font script="Cher" typeface="Plantagenet Cherokee"/>
-        <a:font script="Yiii" typeface="Microsoft Yi Baiti"/>
-        <a:font script="Tibt" typeface="Microsoft Himalaya"/>
-        <a:font script="Thaa" typeface="MV Boli"/>
-        <a:font script="Deva" typeface="Mangal"/>
-        <a:font script="Telu" typeface="Gautami"/>
-        <a:font script="Taml" typeface="Latha"/>
-        <a:font script="Syrc" typeface="Estrangelo Edessa"/>
-        <a:font script="Orya" typeface="Kalinga"/>
-        <a:font script="Mlym" typeface="Kartika"/>
-        <a:font script="Laoo" typeface="DokChampa"/>
-        <a:font script="Sinh" typeface="Iskoola Pota"/>
-        <a:font script="Mong" typeface="Mongolian Baiti"/>
-        <a:font script="Viet" typeface="Arial"/>
-        <a:font script="Uigh" typeface="Microsoft Uighur"/>
-        <a:font script="Geor" typeface="Sylfaen"/>
-      </a:minorFont>
-    </a:fontScheme>
-    <a:fmtScheme name="Office">
-      <a:fillStyleLst>
-        <a:solidFill>
-          <a:schemeClr val="phClr"/>
-        </a:solidFill>
-        <a:gradFill rotWithShape="1">
-          <a:gsLst>
-            <a:gs pos="0">
-              <a:schemeClr val="phClr">
-                <a:tint val="50000"/>
-                <a:satMod val="300000"/>
-              </a:schemeClr>
-            </a:gs>
-            <a:gs pos="35000">
-              <a:schemeClr val="phClr">
-                <a:tint val="37000"/>
-                <a:satMod val="300000"/>
-              </a:schemeClr>
-            </a:gs>
-            <a:gs pos="100000">
-              <a:schemeClr val="phClr">
-                <a:tint val="15000"/>
-                <a:satMod val="350000"/>
-              </a:schemeClr>
-            </a:gs>
-          </a:gsLst>
-          <a:lin ang="16200000" scaled="1"/>
-        </a:gradFill>
-        <a:gradFill rotWithShape="1">
-          <a:gsLst>
-            <a:gs pos="0">
-              <a:schemeClr val="phClr">
-                <a:tint val="100000"/>
-                <a:shade val="100000"/>
-                <a:satMod val="130000"/>
-              </a:schemeClr>
-            </a:gs>
-            <a:gs pos="100000">
-              <a:schemeClr val="phClr">
-                <a:tint val="50000"/>
-                <a:shade val="100000"/>
-                <a:satMod val="350000"/>
-              </a:schemeClr>
-            </a:gs>
-          </a:gsLst>
-          <a:lin ang="16200000" scaled="0"/>
-        </a:gradFill>
-      </a:fillStyleLst>
-      <a:lnStyleLst>
-        <a:ln w="9525" cap="flat" cmpd="sng" algn="ctr">
-          <a:solidFill>
-            <a:schemeClr val="phClr">
-              <a:shade val="95000"/>
-              <a:satMod val="105000"/>
-            </a:schemeClr>
-          </a:solidFill>
-          <a:prstDash val="solid"/>
-        </a:ln>
-        <a:ln w="25400" cap="flat" cmpd="sng" algn="ctr">
-          <a:solidFill>
-            <a:schemeClr val="phClr"/>
-          </a:solidFill>
-          <a:prstDash val="solid"/>
-        </a:ln>
-        <a:ln w="38100" cap="flat" cmpd="sng" algn="ctr">
-          <a:solidFill>
-            <a:schemeClr val="phClr"/>
-          </a:solidFill>
-          <a:prstDash val="solid"/>
-        </a:ln>
-      </a:lnStyleLst>
-      <a:effectStyleLst>
-        <a:effectStyle>
-          <a:effectLst>
-            <a:outerShdw blurRad="40000" dist="20000" dir="5400000" rotWithShape="0">
-              <a:srgbClr val="000000">
-                <a:alpha val="38000"/>
-              </a:srgbClr>
-            </a:outerShdw>
-          </a:effectLst>
-        </a:effectStyle>
-        <a:effectStyle>
-          <a:effectLst>
-            <a:outerShdw blurRad="40000" dist="23000" dir="5400000" rotWithShape="0">
-              <a:srgbClr val="000000">
-                <a:alpha val="35000"/>
-              </a:srgbClr>
-            </a:outerShdw>
-          </a:effectLst>
-        </a:effectStyle>
-        <a:effectStyle>
-          <a:effectLst>
-            <a:outerShdw blurRad="40000" dist="23000" dir="5400000" rotWithShape="0">
-              <a:srgbClr val="000000">
-                <a:alpha val="35000"/>
-              </a:srgbClr>
-            </a:outerShdw>
-          </a:effectLst>
-          <a:scene3d>
-            <a:camera prst="orthographicFront">
-              <a:rot lat="0" lon="0" rev="0"/>
-            </a:camera>
-            <a:lightRig rig="threePt" dir="t">
-              <a:rot lat="0" lon="0" rev="1200000"/>
-            </a:lightRig>
-          </a:scene3d>
-          <a:sp3d>
-            <a:bevelT w="63500" h="25400"/>
-          </a:sp3d>
-        </a:effectStyle>
-      </a:effectStyleLst>
-      <a:bgFillStyleLst>
-        <a:solidFill>
-          <a:schemeClr val="phClr"/>
-        </a:solidFill>
-        <a:gradFill rotWithShape="1">
-          <a:gsLst>
-            <a:gs pos="0">
-              <a:schemeClr val="phClr">
-                <a:tint val="40000"/>
-                <a:satMod val="350000"/>
-              </a:schemeClr>
-            </a:gs>
-            <a:gs pos="40000">
-              <a:schemeClr val="phClr">
-                <a:tint val="45000"/>
-                <a:shade val="99000"/>
-                <a:satMod val="350000"/>
-              </a:schemeClr>
-            </a:gs>
-            <a:gs pos="100000">
-              <a:schemeClr val="phClr">
-                <a:shade val="20000"/>
-                <a:satMod val="255000"/>
-              </a:schemeClr>
-            </a:gs>
-          </a:gsLst>
-          <a:path path="circle">
-            <a:fillToRect l="50000" t="-80000" r="50000" b="180000"/>
-          </a:path>
-        </a:gradFill>
-        <a:gradFill rotWithShape="1">
-          <a:gsLst>
-            <a:gs pos="0">
-              <a:schemeClr val="phClr">
-                <a:tint val="80000"/>
-                <a:satMod val="300000"/>
-              </a:schemeClr>
-            </a:gs>
-            <a:gs pos="100000">
-              <a:schemeClr val="phClr">
-                <a:shade val="30000"/>
-                <a:satMod val="200000"/>
-              </a:schemeClr>
-            </a:gs>
-          </a:gsLst>
-          <a:path path="circle">
-            <a:fillToRect l="50000" t="50000" r="50000" b="50000"/>
-          </a:path>
-        </a:gradFill>
-      </a:bgFillStyleLst>
-    </a:fmtScheme>
-  </a:themeElements>
+  <a:objectDefaults/>
+  <a:extraClrSchemeLst/>
 </a:theme>
 </file>
--- a/Presentation.pptx
+++ b/Presentation.pptx
@@ -1361,7 +1361,7 @@
         </p:nvSpPr>
         <p:spPr>
           <a:xfrm>
-            <a:off x="381300" y="685800"/>
+            <a:off x="381000" y="685800"/>
             <a:ext cx="6096000" cy="3429000"/>
           </a:xfrm>
           <a:custGeom>
@@ -7495,10 +7495,23 @@
               <a:buNone/>
             </a:pPr>
             <a:r>
-              <a:rPr lang="en"/>
-              <a:t>Deployed</a:t>
+              <a:rPr lang="en" dirty="0"/>
+              <a:t>Deploye</a:t>
             </a:r>
-            <a:endParaRPr/>
+            <a:r>
+              <a:rPr lang="en-US" dirty="0"/>
+              <a:t>d</a:t>
+            </a:r>
+          </a:p>
+          <a:p>
+            <a:pPr marL="0" lvl="0" indent="0"/>
+            <a:r>
+              <a:rPr lang="en-US" dirty="0">
+                <a:hlinkClick r:id="rId3"/>
+              </a:rPr>
+              <a:t>https://trafaelosborn.github.io/PizzaBox/</a:t>
+            </a:r>
+            <a:endParaRPr lang="en" dirty="0"/>
           </a:p>
           <a:p>
             <a:pPr marL="0" lvl="0" indent="0" algn="ctr" rtl="0">
@@ -7510,7 +7523,19 @@
               </a:spcAft>
               <a:buNone/>
             </a:pPr>
-            <a:endParaRPr/>
+            <a:endParaRPr dirty="0"/>
+          </a:p>
+          <a:p>
+            <a:pPr marL="0" lvl="0" indent="0" algn="ctr" rtl="0">
+              <a:spcBef>
+                <a:spcPts val="0"/>
+              </a:spcBef>
+              <a:spcAft>
+                <a:spcPts val="0"/>
+              </a:spcAft>
+              <a:buNone/>
+            </a:pPr>
+            <a:endParaRPr dirty="0"/>
           </a:p>
           <a:p>
             <a:pPr marL="0" lvl="0" indent="0" algn="ctr" rtl="0">
@@ -7523,10 +7548,19 @@
               <a:buNone/>
             </a:pPr>
             <a:r>
-              <a:rPr lang="en"/>
+              <a:rPr lang="en" dirty="0"/>
               <a:t>Github Repo</a:t>
             </a:r>
-            <a:endParaRPr/>
+          </a:p>
+          <a:p>
+            <a:pPr marL="0" lvl="0" indent="0"/>
+            <a:r>
+              <a:rPr lang="en-US" dirty="0">
+                <a:hlinkClick r:id="rId4"/>
+              </a:rPr>
+              <a:t>https://github.com/trafaelosborn/PizzaBox</a:t>
+            </a:r>
+            <a:endParaRPr dirty="0"/>
           </a:p>
         </p:txBody>
       </p:sp>

--- a/Presentation.pptx
+++ b/Presentation.pptx
@@ -12,8 +12,8 @@
     <p:sldId id="257" r:id="rId3"/>
     <p:sldId id="258" r:id="rId4"/>
     <p:sldId id="259" r:id="rId5"/>
-    <p:sldId id="260" r:id="rId6"/>
-    <p:sldId id="263" r:id="rId7"/>
+    <p:sldId id="263" r:id="rId6"/>
+    <p:sldId id="260" r:id="rId7"/>
     <p:sldId id="261" r:id="rId8"/>
     <p:sldId id="262" r:id="rId9"/>
   </p:sldIdLst>
@@ -945,7 +945,7 @@
         </p:nvSpPr>
         <p:spPr>
           <a:xfrm>
-            <a:off x="381300" y="685800"/>
+            <a:off x="381000" y="685800"/>
             <a:ext cx="6096000" cy="3429000"/>
           </a:xfrm>
           <a:custGeom>
@@ -1153,7 +1153,7 @@
         </p:nvSpPr>
         <p:spPr>
           <a:xfrm>
-            <a:off x="381300" y="685800"/>
+            <a:off x="381000" y="685800"/>
             <a:ext cx="6096000" cy="3429000"/>
           </a:xfrm>
           <a:custGeom>
@@ -6483,6 +6483,17 @@
           </a:bodyPr>
           <a:lstStyle/>
           <a:p>
+            <a:pPr marL="0" indent="0"/>
+            <a:r>
+              <a:rPr lang="en-US" sz="1800" dirty="0"/>
+              <a:t>Our motivation is to create a simple, easy to use app that allows users to search recipes and nutrition from a multitude of sources and a range of criteria.</a:t>
+            </a:r>
+          </a:p>
+          <a:p>
+            <a:pPr marL="0" indent="0"/>
+            <a:endParaRPr sz="1800" dirty="0"/>
+          </a:p>
+          <a:p>
             <a:pPr marL="0" lvl="0" indent="0" algn="ctr" rtl="0">
               <a:spcBef>
                 <a:spcPts val="0"/>
@@ -6493,10 +6504,17 @@
               <a:buNone/>
             </a:pPr>
             <a:r>
-              <a:rPr lang="en" sz="1800"/>
-              <a:t>Project Pizza Box is a web application for searching and storing recipes and nutrition information.</a:t>
+              <a:rPr lang="en" sz="1800" b="1" dirty="0"/>
+              <a:t>Motivation:</a:t>
             </a:r>
-            <a:endParaRPr sz="1800"/>
+            <a:endParaRPr sz="1800" b="1" dirty="0"/>
+          </a:p>
+          <a:p>
+            <a:pPr marL="0" lvl="0" indent="0"/>
+            <a:r>
+              <a:rPr lang="en-US" sz="1800" dirty="0"/>
+              <a:t>We wanted an app that would allow us to search recipes and generate nutrition information so we can see both in one convenient place.</a:t>
+            </a:r>
           </a:p>
           <a:p>
             <a:pPr marL="0" lvl="0" indent="0" algn="ctr" rtl="0">
@@ -6508,7 +6526,7 @@
               </a:spcAft>
               <a:buNone/>
             </a:pPr>
-            <a:endParaRPr sz="1800"/>
+            <a:endParaRPr sz="1800" dirty="0"/>
           </a:p>
           <a:p>
             <a:pPr marL="0" lvl="0" indent="0" algn="ctr" rtl="0">
@@ -6521,10 +6539,10 @@
               <a:buNone/>
             </a:pPr>
             <a:r>
-              <a:rPr lang="en" sz="1800" b="1"/>
-              <a:t>Motivation:</a:t>
+              <a:rPr lang="en" sz="1800" b="1" dirty="0"/>
+              <a:t>Story:</a:t>
             </a:r>
-            <a:endParaRPr sz="1800" b="1"/>
+            <a:endParaRPr sz="1800" b="1" dirty="0"/>
           </a:p>
           <a:p>
             <a:pPr marL="0" lvl="0" indent="0" algn="ctr" rtl="0">
@@ -6537,54 +6555,10 @@
               <a:buNone/>
             </a:pPr>
             <a:r>
-              <a:rPr lang="en" sz="1800"/>
-              <a:t>Our motivation is to create a simple, easy to use app that allows users to search recipes and nutrition from a multitude of sources by a range of criteria located in one convenient place.</a:t>
-            </a:r>
-            <a:endParaRPr sz="1800"/>
-          </a:p>
-          <a:p>
-            <a:pPr marL="0" lvl="0" indent="0" algn="ctr" rtl="0">
-              <a:spcBef>
-                <a:spcPts val="0"/>
-              </a:spcBef>
-              <a:spcAft>
-                <a:spcPts val="0"/>
-              </a:spcAft>
-              <a:buNone/>
-            </a:pPr>
-            <a:endParaRPr sz="1800"/>
-          </a:p>
-          <a:p>
-            <a:pPr marL="0" lvl="0" indent="0" algn="ctr" rtl="0">
-              <a:spcBef>
-                <a:spcPts val="0"/>
-              </a:spcBef>
-              <a:spcAft>
-                <a:spcPts val="0"/>
-              </a:spcAft>
-              <a:buNone/>
-            </a:pPr>
-            <a:r>
-              <a:rPr lang="en" sz="1800" b="1"/>
-              <a:t>Story:</a:t>
-            </a:r>
-            <a:endParaRPr sz="1800" b="1"/>
-          </a:p>
-          <a:p>
-            <a:pPr marL="0" lvl="0" indent="0" algn="ctr" rtl="0">
-              <a:spcBef>
-                <a:spcPts val="0"/>
-              </a:spcBef>
-              <a:spcAft>
-                <a:spcPts val="0"/>
-              </a:spcAft>
-              <a:buNone/>
-            </a:pPr>
-            <a:r>
-              <a:rPr lang="en" sz="1800"/>
+              <a:rPr lang="en" sz="1800" dirty="0"/>
               <a:t>As a busy and nutritionally aware consumer, I can quickly and easily search and store recipes and nutrition information so that I can make healthy choices for myself and my family.</a:t>
             </a:r>
-            <a:endParaRPr sz="1800"/>
+            <a:endParaRPr sz="1800" dirty="0"/>
           </a:p>
           <a:p>
             <a:pPr marL="0" lvl="0" indent="0" algn="ctr" rtl="0">
@@ -6596,7 +6570,7 @@
               </a:spcAft>
               <a:buNone/>
             </a:pPr>
-            <a:endParaRPr sz="1800"/>
+            <a:endParaRPr sz="1800" dirty="0"/>
           </a:p>
           <a:p>
             <a:pPr marL="0" lvl="0" indent="0" algn="ctr" rtl="0">
@@ -6608,7 +6582,7 @@
               </a:spcAft>
               <a:buNone/>
             </a:pPr>
-            <a:endParaRPr sz="1800"/>
+            <a:endParaRPr sz="1800" dirty="0"/>
           </a:p>
           <a:p>
             <a:pPr marL="0" lvl="0" indent="0" algn="ctr" rtl="0">
@@ -6620,7 +6594,7 @@
               </a:spcAft>
               <a:buNone/>
             </a:pPr>
-            <a:endParaRPr sz="1800"/>
+            <a:endParaRPr sz="1800" dirty="0"/>
           </a:p>
         </p:txBody>
       </p:sp>
@@ -6940,7 +6914,7 @@
                   <a:srgbClr val="FFFFFF"/>
                 </a:highlight>
               </a:rPr>
-              <a:t>We were unable to achieve functionality with the nutrition API.</a:t>
+              <a:t>We were unable to achieve functionality with the nutrition API but were able to access nutrition information through the recipe search API</a:t>
             </a:r>
             <a:endParaRPr sz="1500" b="1" dirty="0">
               <a:solidFill>
@@ -7017,6 +6991,64 @@
 </file>
 
 <file path=ppt/slides/slide5.xml><?xml version="1.0" encoding="utf-8"?>
+<p:sld xmlns:a="http://schemas.openxmlformats.org/drawingml/2006/main" xmlns:r="http://schemas.openxmlformats.org/officeDocument/2006/relationships" xmlns:p="http://schemas.openxmlformats.org/presentationml/2006/main">
+  <p:cSld>
+    <p:spTree>
+      <p:nvGrpSpPr>
+        <p:cNvPr id="1" name=""/>
+        <p:cNvGrpSpPr/>
+        <p:nvPr/>
+      </p:nvGrpSpPr>
+      <p:grpSpPr>
+        <a:xfrm>
+          <a:off x="0" y="0"/>
+          <a:ext cx="0" cy="0"/>
+          <a:chOff x="0" y="0"/>
+          <a:chExt cx="0" cy="0"/>
+        </a:xfrm>
+      </p:grpSpPr>
+      <p:sp>
+        <p:nvSpPr>
+          <p:cNvPr id="2" name="Title 1">
+            <a:extLst>
+              <a:ext uri="{FF2B5EF4-FFF2-40B4-BE49-F238E27FC236}">
+                <a16:creationId xmlns:a16="http://schemas.microsoft.com/office/drawing/2014/main" id="{F6A3DA72-EE79-403F-9CB0-218ABF859F95}"/>
+              </a:ext>
+            </a:extLst>
+          </p:cNvPr>
+          <p:cNvSpPr>
+            <a:spLocks noGrp="1"/>
+          </p:cNvSpPr>
+          <p:nvPr>
+            <p:ph type="title"/>
+          </p:nvPr>
+        </p:nvSpPr>
+        <p:spPr/>
+        <p:txBody>
+          <a:bodyPr/>
+          <a:lstStyle/>
+          <a:p>
+            <a:r>
+              <a:rPr lang="en-US" dirty="0"/>
+              <a:t>Accessibility</a:t>
+            </a:r>
+          </a:p>
+        </p:txBody>
+      </p:sp>
+    </p:spTree>
+    <p:extLst>
+      <p:ext uri="{BB962C8B-B14F-4D97-AF65-F5344CB8AC3E}">
+        <p14:creationId xmlns:p14="http://schemas.microsoft.com/office/powerpoint/2010/main" val="2623593022"/>
+      </p:ext>
+    </p:extLst>
+  </p:cSld>
+  <p:clrMapOvr>
+    <a:masterClrMapping/>
+  </p:clrMapOvr>
+</p:sld>
+</file>
+
+<file path=ppt/slides/slide6.xml><?xml version="1.0" encoding="utf-8"?>
 <p:sld xmlns:a="http://schemas.openxmlformats.org/drawingml/2006/main" xmlns:r="http://schemas.openxmlformats.org/officeDocument/2006/relationships" xmlns:p="http://schemas.openxmlformats.org/presentationml/2006/main">
   <p:cSld>
     <p:spTree>
@@ -7100,78 +7132,18 @@
           </a:bodyPr>
           <a:lstStyle/>
           <a:p>
-            <a:pPr marL="0" lvl="0" indent="0" algn="ctr" rtl="0">
-              <a:spcBef>
-                <a:spcPts val="0"/>
-              </a:spcBef>
-              <a:spcAft>
-                <a:spcPts val="0"/>
-              </a:spcAft>
-              <a:buNone/>
-            </a:pPr>
-            <a:endParaRPr/>
+            <a:pPr marL="0" lvl="0" indent="0"/>
+            <a:r>
+              <a:rPr lang="en-US" dirty="0">
+                <a:hlinkClick r:id="rId3"/>
+              </a:rPr>
+              <a:t>https://trafaelosborn.github.io/PizzaBox/</a:t>
+            </a:r>
+            <a:endParaRPr dirty="0"/>
           </a:p>
         </p:txBody>
       </p:sp>
     </p:spTree>
-  </p:cSld>
-  <p:clrMapOvr>
-    <a:masterClrMapping/>
-  </p:clrMapOvr>
-</p:sld>
-</file>
-
-<file path=ppt/slides/slide6.xml><?xml version="1.0" encoding="utf-8"?>
-<p:sld xmlns:a="http://schemas.openxmlformats.org/drawingml/2006/main" xmlns:r="http://schemas.openxmlformats.org/officeDocument/2006/relationships" xmlns:p="http://schemas.openxmlformats.org/presentationml/2006/main">
-  <p:cSld>
-    <p:spTree>
-      <p:nvGrpSpPr>
-        <p:cNvPr id="1" name=""/>
-        <p:cNvGrpSpPr/>
-        <p:nvPr/>
-      </p:nvGrpSpPr>
-      <p:grpSpPr>
-        <a:xfrm>
-          <a:off x="0" y="0"/>
-          <a:ext cx="0" cy="0"/>
-          <a:chOff x="0" y="0"/>
-          <a:chExt cx="0" cy="0"/>
-        </a:xfrm>
-      </p:grpSpPr>
-      <p:sp>
-        <p:nvSpPr>
-          <p:cNvPr id="2" name="Title 1">
-            <a:extLst>
-              <a:ext uri="{FF2B5EF4-FFF2-40B4-BE49-F238E27FC236}">
-                <a16:creationId xmlns:a16="http://schemas.microsoft.com/office/drawing/2014/main" id="{F6A3DA72-EE79-403F-9CB0-218ABF859F95}"/>
-              </a:ext>
-            </a:extLst>
-          </p:cNvPr>
-          <p:cNvSpPr>
-            <a:spLocks noGrp="1"/>
-          </p:cNvSpPr>
-          <p:nvPr>
-            <p:ph type="title"/>
-          </p:nvPr>
-        </p:nvSpPr>
-        <p:spPr/>
-        <p:txBody>
-          <a:bodyPr/>
-          <a:lstStyle/>
-          <a:p>
-            <a:r>
-              <a:rPr lang="en-US" dirty="0"/>
-              <a:t>Accessibility</a:t>
-            </a:r>
-          </a:p>
-        </p:txBody>
-      </p:sp>
-    </p:spTree>
-    <p:extLst>
-      <p:ext uri="{BB962C8B-B14F-4D97-AF65-F5344CB8AC3E}">
-        <p14:creationId xmlns:p14="http://schemas.microsoft.com/office/powerpoint/2010/main" val="2623593022"/>
-      </p:ext>
-    </p:extLst>
   </p:cSld>
   <p:clrMapOvr>
     <a:masterClrMapping/>
